--- a/slides/instruction/principleWindows_extra.pptx
+++ b/slides/instruction/principleWindows_extra.pptx
@@ -7,7 +7,7 @@
     <p:sldMasterId id="2147483704" r:id="rId3"/>
   </p:sldMasterIdLst>
   <p:notesMasterIdLst>
-    <p:notesMasterId r:id="rId36"/>
+    <p:notesMasterId r:id="rId42"/>
   </p:notesMasterIdLst>
   <p:sldIdLst>
     <p:sldId id="256" r:id="rId4"/>
@@ -41,7 +41,13 @@
     <p:sldId id="547" r:id="rId32"/>
     <p:sldId id="548" r:id="rId33"/>
     <p:sldId id="549" r:id="rId34"/>
-    <p:sldId id="455" r:id="rId35"/>
+    <p:sldId id="550" r:id="rId35"/>
+    <p:sldId id="551" r:id="rId36"/>
+    <p:sldId id="553" r:id="rId37"/>
+    <p:sldId id="554" r:id="rId38"/>
+    <p:sldId id="555" r:id="rId39"/>
+    <p:sldId id="556" r:id="rId40"/>
+    <p:sldId id="455" r:id="rId41"/>
   </p:sldIdLst>
   <p:sldSz cx="12192000" cy="6858000"/>
   <p:notesSz cx="6858000" cy="9144000"/>
@@ -152,6 +158,753 @@
 </file>
 
 <file path=ppt/diagrams/colors1.xml><?xml version="1.0" encoding="utf-8"?>
+<dgm:colorsDef xmlns:dgm="http://schemas.openxmlformats.org/drawingml/2006/diagram" xmlns:a="http://schemas.openxmlformats.org/drawingml/2006/main" uniqueId="urn:microsoft.com/office/officeart/2005/8/colors/accent1_2">
+  <dgm:title val=""/>
+  <dgm:desc val=""/>
+  <dgm:catLst>
+    <dgm:cat type="accent1" pri="11200"/>
+  </dgm:catLst>
+  <dgm:styleLbl name="node0">
+    <dgm:fillClrLst meth="repeat">
+      <a:schemeClr val="accent1"/>
+    </dgm:fillClrLst>
+    <dgm:linClrLst meth="repeat">
+      <a:schemeClr val="lt1"/>
+    </dgm:linClrLst>
+    <dgm:effectClrLst/>
+    <dgm:txLinClrLst/>
+    <dgm:txFillClrLst/>
+    <dgm:txEffectClrLst/>
+  </dgm:styleLbl>
+  <dgm:styleLbl name="alignNode1">
+    <dgm:fillClrLst meth="repeat">
+      <a:schemeClr val="accent1"/>
+    </dgm:fillClrLst>
+    <dgm:linClrLst meth="repeat">
+      <a:schemeClr val="accent1"/>
+    </dgm:linClrLst>
+    <dgm:effectClrLst/>
+    <dgm:txLinClrLst/>
+    <dgm:txFillClrLst/>
+    <dgm:txEffectClrLst/>
+  </dgm:styleLbl>
+  <dgm:styleLbl name="node1">
+    <dgm:fillClrLst meth="repeat">
+      <a:schemeClr val="accent1"/>
+    </dgm:fillClrLst>
+    <dgm:linClrLst meth="repeat">
+      <a:schemeClr val="lt1"/>
+    </dgm:linClrLst>
+    <dgm:effectClrLst/>
+    <dgm:txLinClrLst/>
+    <dgm:txFillClrLst/>
+    <dgm:txEffectClrLst/>
+  </dgm:styleLbl>
+  <dgm:styleLbl name="lnNode1">
+    <dgm:fillClrLst meth="repeat">
+      <a:schemeClr val="accent1"/>
+    </dgm:fillClrLst>
+    <dgm:linClrLst meth="repeat">
+      <a:schemeClr val="lt1"/>
+    </dgm:linClrLst>
+    <dgm:effectClrLst/>
+    <dgm:txLinClrLst/>
+    <dgm:txFillClrLst/>
+    <dgm:txEffectClrLst/>
+  </dgm:styleLbl>
+  <dgm:styleLbl name="vennNode1">
+    <dgm:fillClrLst meth="repeat">
+      <a:schemeClr val="accent1">
+        <a:alpha val="50000"/>
+      </a:schemeClr>
+    </dgm:fillClrLst>
+    <dgm:linClrLst meth="repeat">
+      <a:schemeClr val="lt1"/>
+    </dgm:linClrLst>
+    <dgm:effectClrLst/>
+    <dgm:txLinClrLst/>
+    <dgm:txFillClrLst/>
+    <dgm:txEffectClrLst/>
+  </dgm:styleLbl>
+  <dgm:styleLbl name="node2">
+    <dgm:fillClrLst meth="repeat">
+      <a:schemeClr val="accent1"/>
+    </dgm:fillClrLst>
+    <dgm:linClrLst meth="repeat">
+      <a:schemeClr val="lt1"/>
+    </dgm:linClrLst>
+    <dgm:effectClrLst/>
+    <dgm:txLinClrLst/>
+    <dgm:txFillClrLst/>
+    <dgm:txEffectClrLst/>
+  </dgm:styleLbl>
+  <dgm:styleLbl name="node3">
+    <dgm:fillClrLst meth="repeat">
+      <a:schemeClr val="accent1"/>
+    </dgm:fillClrLst>
+    <dgm:linClrLst meth="repeat">
+      <a:schemeClr val="lt1"/>
+    </dgm:linClrLst>
+    <dgm:effectClrLst/>
+    <dgm:txLinClrLst/>
+    <dgm:txFillClrLst/>
+    <dgm:txEffectClrLst/>
+  </dgm:styleLbl>
+  <dgm:styleLbl name="node4">
+    <dgm:fillClrLst meth="repeat">
+      <a:schemeClr val="accent1"/>
+    </dgm:fillClrLst>
+    <dgm:linClrLst meth="repeat">
+      <a:schemeClr val="lt1"/>
+    </dgm:linClrLst>
+    <dgm:effectClrLst/>
+    <dgm:txLinClrLst/>
+    <dgm:txFillClrLst/>
+    <dgm:txEffectClrLst/>
+  </dgm:styleLbl>
+  <dgm:styleLbl name="fgImgPlace1">
+    <dgm:fillClrLst meth="repeat">
+      <a:schemeClr val="accent1">
+        <a:tint val="50000"/>
+      </a:schemeClr>
+    </dgm:fillClrLst>
+    <dgm:linClrLst meth="repeat">
+      <a:schemeClr val="lt1"/>
+    </dgm:linClrLst>
+    <dgm:effectClrLst/>
+    <dgm:txLinClrLst/>
+    <dgm:txFillClrLst meth="repeat">
+      <a:schemeClr val="lt1"/>
+    </dgm:txFillClrLst>
+    <dgm:txEffectClrLst/>
+  </dgm:styleLbl>
+  <dgm:styleLbl name="alignImgPlace1">
+    <dgm:fillClrLst meth="repeat">
+      <a:schemeClr val="accent1">
+        <a:tint val="50000"/>
+      </a:schemeClr>
+    </dgm:fillClrLst>
+    <dgm:linClrLst meth="repeat">
+      <a:schemeClr val="lt1"/>
+    </dgm:linClrLst>
+    <dgm:effectClrLst/>
+    <dgm:txLinClrLst/>
+    <dgm:txFillClrLst meth="repeat">
+      <a:schemeClr val="lt1"/>
+    </dgm:txFillClrLst>
+    <dgm:txEffectClrLst/>
+  </dgm:styleLbl>
+  <dgm:styleLbl name="bgImgPlace1">
+    <dgm:fillClrLst meth="repeat">
+      <a:schemeClr val="accent1">
+        <a:tint val="50000"/>
+      </a:schemeClr>
+    </dgm:fillClrLst>
+    <dgm:linClrLst meth="repeat">
+      <a:schemeClr val="lt1"/>
+    </dgm:linClrLst>
+    <dgm:effectClrLst/>
+    <dgm:txLinClrLst/>
+    <dgm:txFillClrLst meth="repeat">
+      <a:schemeClr val="lt1"/>
+    </dgm:txFillClrLst>
+    <dgm:txEffectClrLst/>
+  </dgm:styleLbl>
+  <dgm:styleLbl name="sibTrans2D1">
+    <dgm:fillClrLst meth="repeat">
+      <a:schemeClr val="accent1">
+        <a:tint val="60000"/>
+      </a:schemeClr>
+    </dgm:fillClrLst>
+    <dgm:linClrLst meth="repeat">
+      <a:schemeClr val="accent1">
+        <a:tint val="60000"/>
+      </a:schemeClr>
+    </dgm:linClrLst>
+    <dgm:effectClrLst/>
+    <dgm:txLinClrLst/>
+    <dgm:txFillClrLst/>
+    <dgm:txEffectClrLst/>
+  </dgm:styleLbl>
+  <dgm:styleLbl name="fgSibTrans2D1">
+    <dgm:fillClrLst meth="repeat">
+      <a:schemeClr val="accent1">
+        <a:tint val="60000"/>
+      </a:schemeClr>
+    </dgm:fillClrLst>
+    <dgm:linClrLst meth="repeat">
+      <a:schemeClr val="accent1">
+        <a:tint val="60000"/>
+      </a:schemeClr>
+    </dgm:linClrLst>
+    <dgm:effectClrLst/>
+    <dgm:txLinClrLst/>
+    <dgm:txFillClrLst/>
+    <dgm:txEffectClrLst/>
+  </dgm:styleLbl>
+  <dgm:styleLbl name="bgSibTrans2D1">
+    <dgm:fillClrLst meth="repeat">
+      <a:schemeClr val="accent1">
+        <a:tint val="60000"/>
+      </a:schemeClr>
+    </dgm:fillClrLst>
+    <dgm:linClrLst meth="repeat">
+      <a:schemeClr val="accent1">
+        <a:tint val="60000"/>
+      </a:schemeClr>
+    </dgm:linClrLst>
+    <dgm:effectClrLst/>
+    <dgm:txLinClrLst/>
+    <dgm:txFillClrLst/>
+    <dgm:txEffectClrLst/>
+  </dgm:styleLbl>
+  <dgm:styleLbl name="sibTrans1D1">
+    <dgm:fillClrLst meth="repeat">
+      <a:schemeClr val="accent1"/>
+    </dgm:fillClrLst>
+    <dgm:linClrLst meth="repeat">
+      <a:schemeClr val="accent1"/>
+    </dgm:linClrLst>
+    <dgm:effectClrLst/>
+    <dgm:txLinClrLst/>
+    <dgm:txFillClrLst meth="repeat">
+      <a:schemeClr val="tx1"/>
+    </dgm:txFillClrLst>
+    <dgm:txEffectClrLst/>
+  </dgm:styleLbl>
+  <dgm:styleLbl name="callout">
+    <dgm:fillClrLst meth="repeat">
+      <a:schemeClr val="accent1"/>
+    </dgm:fillClrLst>
+    <dgm:linClrLst meth="repeat">
+      <a:schemeClr val="accent1">
+        <a:tint val="50000"/>
+      </a:schemeClr>
+    </dgm:linClrLst>
+    <dgm:effectClrLst/>
+    <dgm:txLinClrLst/>
+    <dgm:txFillClrLst meth="repeat">
+      <a:schemeClr val="tx1"/>
+    </dgm:txFillClrLst>
+    <dgm:txEffectClrLst/>
+  </dgm:styleLbl>
+  <dgm:styleLbl name="asst0">
+    <dgm:fillClrLst meth="repeat">
+      <a:schemeClr val="accent1"/>
+    </dgm:fillClrLst>
+    <dgm:linClrLst meth="repeat">
+      <a:schemeClr val="lt1"/>
+    </dgm:linClrLst>
+    <dgm:effectClrLst/>
+    <dgm:txLinClrLst/>
+    <dgm:txFillClrLst/>
+    <dgm:txEffectClrLst/>
+  </dgm:styleLbl>
+  <dgm:styleLbl name="asst1">
+    <dgm:fillClrLst meth="repeat">
+      <a:schemeClr val="accent1"/>
+    </dgm:fillClrLst>
+    <dgm:linClrLst meth="repeat">
+      <a:schemeClr val="lt1"/>
+    </dgm:linClrLst>
+    <dgm:effectClrLst/>
+    <dgm:txLinClrLst/>
+    <dgm:txFillClrLst/>
+    <dgm:txEffectClrLst/>
+  </dgm:styleLbl>
+  <dgm:styleLbl name="asst2">
+    <dgm:fillClrLst meth="repeat">
+      <a:schemeClr val="accent1"/>
+    </dgm:fillClrLst>
+    <dgm:linClrLst meth="repeat">
+      <a:schemeClr val="lt1"/>
+    </dgm:linClrLst>
+    <dgm:effectClrLst/>
+    <dgm:txLinClrLst/>
+    <dgm:txFillClrLst/>
+    <dgm:txEffectClrLst/>
+  </dgm:styleLbl>
+  <dgm:styleLbl name="asst3">
+    <dgm:fillClrLst meth="repeat">
+      <a:schemeClr val="accent1"/>
+    </dgm:fillClrLst>
+    <dgm:linClrLst meth="repeat">
+      <a:schemeClr val="lt1"/>
+    </dgm:linClrLst>
+    <dgm:effectClrLst/>
+    <dgm:txLinClrLst/>
+    <dgm:txFillClrLst/>
+    <dgm:txEffectClrLst/>
+  </dgm:styleLbl>
+  <dgm:styleLbl name="asst4">
+    <dgm:fillClrLst meth="repeat">
+      <a:schemeClr val="accent1"/>
+    </dgm:fillClrLst>
+    <dgm:linClrLst meth="repeat">
+      <a:schemeClr val="lt1"/>
+    </dgm:linClrLst>
+    <dgm:effectClrLst/>
+    <dgm:txLinClrLst/>
+    <dgm:txFillClrLst/>
+    <dgm:txEffectClrLst/>
+  </dgm:styleLbl>
+  <dgm:styleLbl name="parChTrans2D1">
+    <dgm:fillClrLst meth="repeat">
+      <a:schemeClr val="accent1">
+        <a:tint val="60000"/>
+      </a:schemeClr>
+    </dgm:fillClrLst>
+    <dgm:linClrLst meth="repeat">
+      <a:schemeClr val="accent1">
+        <a:tint val="60000"/>
+      </a:schemeClr>
+    </dgm:linClrLst>
+    <dgm:effectClrLst/>
+    <dgm:txLinClrLst/>
+    <dgm:txFillClrLst meth="repeat">
+      <a:schemeClr val="lt1"/>
+    </dgm:txFillClrLst>
+    <dgm:txEffectClrLst/>
+  </dgm:styleLbl>
+  <dgm:styleLbl name="parChTrans2D2">
+    <dgm:fillClrLst meth="repeat">
+      <a:schemeClr val="accent1"/>
+    </dgm:fillClrLst>
+    <dgm:linClrLst meth="repeat">
+      <a:schemeClr val="accent1"/>
+    </dgm:linClrLst>
+    <dgm:effectClrLst/>
+    <dgm:txLinClrLst/>
+    <dgm:txFillClrLst meth="repeat">
+      <a:schemeClr val="lt1"/>
+    </dgm:txFillClrLst>
+    <dgm:txEffectClrLst/>
+  </dgm:styleLbl>
+  <dgm:styleLbl name="parChTrans2D3">
+    <dgm:fillClrLst meth="repeat">
+      <a:schemeClr val="accent1"/>
+    </dgm:fillClrLst>
+    <dgm:linClrLst meth="repeat">
+      <a:schemeClr val="accent1"/>
+    </dgm:linClrLst>
+    <dgm:effectClrLst/>
+    <dgm:txLinClrLst/>
+    <dgm:txFillClrLst meth="repeat">
+      <a:schemeClr val="lt1"/>
+    </dgm:txFillClrLst>
+    <dgm:txEffectClrLst/>
+  </dgm:styleLbl>
+  <dgm:styleLbl name="parChTrans2D4">
+    <dgm:fillClrLst meth="repeat">
+      <a:schemeClr val="accent1"/>
+    </dgm:fillClrLst>
+    <dgm:linClrLst meth="repeat">
+      <a:schemeClr val="accent1"/>
+    </dgm:linClrLst>
+    <dgm:effectClrLst/>
+    <dgm:txLinClrLst/>
+    <dgm:txFillClrLst meth="repeat">
+      <a:schemeClr val="lt1"/>
+    </dgm:txFillClrLst>
+    <dgm:txEffectClrLst/>
+  </dgm:styleLbl>
+  <dgm:styleLbl name="parChTrans1D1">
+    <dgm:fillClrLst meth="repeat">
+      <a:schemeClr val="accent1"/>
+    </dgm:fillClrLst>
+    <dgm:linClrLst meth="repeat">
+      <a:schemeClr val="accent1">
+        <a:shade val="60000"/>
+      </a:schemeClr>
+    </dgm:linClrLst>
+    <dgm:effectClrLst/>
+    <dgm:txLinClrLst/>
+    <dgm:txFillClrLst meth="repeat">
+      <a:schemeClr val="tx1"/>
+    </dgm:txFillClrLst>
+    <dgm:txEffectClrLst/>
+  </dgm:styleLbl>
+  <dgm:styleLbl name="parChTrans1D2">
+    <dgm:fillClrLst meth="repeat">
+      <a:schemeClr val="accent1"/>
+    </dgm:fillClrLst>
+    <dgm:linClrLst meth="repeat">
+      <a:schemeClr val="accent1">
+        <a:shade val="60000"/>
+      </a:schemeClr>
+    </dgm:linClrLst>
+    <dgm:effectClrLst/>
+    <dgm:txLinClrLst/>
+    <dgm:txFillClrLst meth="repeat">
+      <a:schemeClr val="tx1"/>
+    </dgm:txFillClrLst>
+    <dgm:txEffectClrLst/>
+  </dgm:styleLbl>
+  <dgm:styleLbl name="parChTrans1D3">
+    <dgm:fillClrLst meth="repeat">
+      <a:schemeClr val="accent1"/>
+    </dgm:fillClrLst>
+    <dgm:linClrLst meth="repeat">
+      <a:schemeClr val="accent1">
+        <a:shade val="80000"/>
+      </a:schemeClr>
+    </dgm:linClrLst>
+    <dgm:effectClrLst/>
+    <dgm:txLinClrLst/>
+    <dgm:txFillClrLst meth="repeat">
+      <a:schemeClr val="tx1"/>
+    </dgm:txFillClrLst>
+    <dgm:txEffectClrLst/>
+  </dgm:styleLbl>
+  <dgm:styleLbl name="parChTrans1D4">
+    <dgm:fillClrLst meth="repeat">
+      <a:schemeClr val="accent1"/>
+    </dgm:fillClrLst>
+    <dgm:linClrLst meth="repeat">
+      <a:schemeClr val="accent1">
+        <a:shade val="80000"/>
+      </a:schemeClr>
+    </dgm:linClrLst>
+    <dgm:effectClrLst/>
+    <dgm:txLinClrLst/>
+    <dgm:txFillClrLst meth="repeat">
+      <a:schemeClr val="tx1"/>
+    </dgm:txFillClrLst>
+    <dgm:txEffectClrLst/>
+  </dgm:styleLbl>
+  <dgm:styleLbl name="fgAcc1">
+    <dgm:fillClrLst meth="repeat">
+      <a:schemeClr val="lt1">
+        <a:alpha val="90000"/>
+      </a:schemeClr>
+    </dgm:fillClrLst>
+    <dgm:linClrLst meth="repeat">
+      <a:schemeClr val="accent1"/>
+    </dgm:linClrLst>
+    <dgm:effectClrLst/>
+    <dgm:txLinClrLst/>
+    <dgm:txFillClrLst meth="repeat">
+      <a:schemeClr val="dk1"/>
+    </dgm:txFillClrLst>
+    <dgm:txEffectClrLst/>
+  </dgm:styleLbl>
+  <dgm:styleLbl name="conFgAcc1">
+    <dgm:fillClrLst meth="repeat">
+      <a:schemeClr val="lt1">
+        <a:alpha val="90000"/>
+      </a:schemeClr>
+    </dgm:fillClrLst>
+    <dgm:linClrLst meth="repeat">
+      <a:schemeClr val="accent1"/>
+    </dgm:linClrLst>
+    <dgm:effectClrLst/>
+    <dgm:txLinClrLst/>
+    <dgm:txFillClrLst meth="repeat">
+      <a:schemeClr val="dk1"/>
+    </dgm:txFillClrLst>
+    <dgm:txEffectClrLst/>
+  </dgm:styleLbl>
+  <dgm:styleLbl name="alignAcc1">
+    <dgm:fillClrLst meth="repeat">
+      <a:schemeClr val="lt1">
+        <a:alpha val="90000"/>
+      </a:schemeClr>
+    </dgm:fillClrLst>
+    <dgm:linClrLst meth="repeat">
+      <a:schemeClr val="accent1"/>
+    </dgm:linClrLst>
+    <dgm:effectClrLst/>
+    <dgm:txLinClrLst/>
+    <dgm:txFillClrLst meth="repeat">
+      <a:schemeClr val="dk1"/>
+    </dgm:txFillClrLst>
+    <dgm:txEffectClrLst/>
+  </dgm:styleLbl>
+  <dgm:styleLbl name="trAlignAcc1">
+    <dgm:fillClrLst meth="repeat">
+      <a:schemeClr val="lt1">
+        <a:alpha val="40000"/>
+      </a:schemeClr>
+    </dgm:fillClrLst>
+    <dgm:linClrLst meth="repeat">
+      <a:schemeClr val="accent1"/>
+    </dgm:linClrLst>
+    <dgm:effectClrLst/>
+    <dgm:txLinClrLst/>
+    <dgm:txFillClrLst meth="repeat">
+      <a:schemeClr val="dk1"/>
+    </dgm:txFillClrLst>
+    <dgm:txEffectClrLst/>
+  </dgm:styleLbl>
+  <dgm:styleLbl name="bgAcc1">
+    <dgm:fillClrLst meth="repeat">
+      <a:schemeClr val="lt1">
+        <a:alpha val="90000"/>
+      </a:schemeClr>
+    </dgm:fillClrLst>
+    <dgm:linClrLst meth="repeat">
+      <a:schemeClr val="accent1"/>
+    </dgm:linClrLst>
+    <dgm:effectClrLst/>
+    <dgm:txLinClrLst/>
+    <dgm:txFillClrLst meth="repeat">
+      <a:schemeClr val="dk1"/>
+    </dgm:txFillClrLst>
+    <dgm:txEffectClrLst/>
+  </dgm:styleLbl>
+  <dgm:styleLbl name="solidFgAcc1">
+    <dgm:fillClrLst meth="repeat">
+      <a:schemeClr val="lt1"/>
+    </dgm:fillClrLst>
+    <dgm:linClrLst meth="repeat">
+      <a:schemeClr val="accent1"/>
+    </dgm:linClrLst>
+    <dgm:effectClrLst/>
+    <dgm:txLinClrLst/>
+    <dgm:txFillClrLst meth="repeat">
+      <a:schemeClr val="dk1"/>
+    </dgm:txFillClrLst>
+    <dgm:txEffectClrLst/>
+  </dgm:styleLbl>
+  <dgm:styleLbl name="solidAlignAcc1">
+    <dgm:fillClrLst meth="repeat">
+      <a:schemeClr val="lt1"/>
+    </dgm:fillClrLst>
+    <dgm:linClrLst meth="repeat">
+      <a:schemeClr val="accent1"/>
+    </dgm:linClrLst>
+    <dgm:effectClrLst/>
+    <dgm:txLinClrLst/>
+    <dgm:txFillClrLst meth="repeat">
+      <a:schemeClr val="dk1"/>
+    </dgm:txFillClrLst>
+    <dgm:txEffectClrLst/>
+  </dgm:styleLbl>
+  <dgm:styleLbl name="solidBgAcc1">
+    <dgm:fillClrLst meth="repeat">
+      <a:schemeClr val="lt1"/>
+    </dgm:fillClrLst>
+    <dgm:linClrLst meth="repeat">
+      <a:schemeClr val="accent1"/>
+    </dgm:linClrLst>
+    <dgm:effectClrLst/>
+    <dgm:txLinClrLst/>
+    <dgm:txFillClrLst meth="repeat">
+      <a:schemeClr val="dk1"/>
+    </dgm:txFillClrLst>
+    <dgm:txEffectClrLst/>
+  </dgm:styleLbl>
+  <dgm:styleLbl name="fgAccFollowNode1">
+    <dgm:fillClrLst meth="repeat">
+      <a:schemeClr val="accent1">
+        <a:alpha val="90000"/>
+        <a:tint val="40000"/>
+      </a:schemeClr>
+    </dgm:fillClrLst>
+    <dgm:linClrLst meth="repeat">
+      <a:schemeClr val="accent1">
+        <a:alpha val="90000"/>
+        <a:tint val="40000"/>
+      </a:schemeClr>
+    </dgm:linClrLst>
+    <dgm:effectClrLst/>
+    <dgm:txLinClrLst/>
+    <dgm:txFillClrLst meth="repeat">
+      <a:schemeClr val="dk1"/>
+    </dgm:txFillClrLst>
+    <dgm:txEffectClrLst/>
+  </dgm:styleLbl>
+  <dgm:styleLbl name="alignAccFollowNode1">
+    <dgm:fillClrLst meth="repeat">
+      <a:schemeClr val="accent1">
+        <a:alpha val="90000"/>
+        <a:tint val="40000"/>
+      </a:schemeClr>
+    </dgm:fillClrLst>
+    <dgm:linClrLst meth="repeat">
+      <a:schemeClr val="accent1">
+        <a:alpha val="90000"/>
+        <a:tint val="40000"/>
+      </a:schemeClr>
+    </dgm:linClrLst>
+    <dgm:effectClrLst/>
+    <dgm:txLinClrLst/>
+    <dgm:txFillClrLst meth="repeat">
+      <a:schemeClr val="dk1"/>
+    </dgm:txFillClrLst>
+    <dgm:txEffectClrLst/>
+  </dgm:styleLbl>
+  <dgm:styleLbl name="bgAccFollowNode1">
+    <dgm:fillClrLst meth="repeat">
+      <a:schemeClr val="accent1">
+        <a:alpha val="90000"/>
+        <a:tint val="40000"/>
+      </a:schemeClr>
+    </dgm:fillClrLst>
+    <dgm:linClrLst meth="repeat">
+      <a:schemeClr val="accent1">
+        <a:alpha val="90000"/>
+        <a:tint val="40000"/>
+      </a:schemeClr>
+    </dgm:linClrLst>
+    <dgm:effectClrLst/>
+    <dgm:txLinClrLst/>
+    <dgm:txFillClrLst meth="repeat">
+      <a:schemeClr val="dk1"/>
+    </dgm:txFillClrLst>
+    <dgm:txEffectClrLst/>
+  </dgm:styleLbl>
+  <dgm:styleLbl name="fgAcc0">
+    <dgm:fillClrLst meth="repeat">
+      <a:schemeClr val="lt1">
+        <a:alpha val="90000"/>
+      </a:schemeClr>
+    </dgm:fillClrLst>
+    <dgm:linClrLst meth="repeat">
+      <a:schemeClr val="accent1"/>
+    </dgm:linClrLst>
+    <dgm:effectClrLst/>
+    <dgm:txLinClrLst/>
+    <dgm:txFillClrLst meth="repeat">
+      <a:schemeClr val="dk1"/>
+    </dgm:txFillClrLst>
+    <dgm:txEffectClrLst/>
+  </dgm:styleLbl>
+  <dgm:styleLbl name="fgAcc2">
+    <dgm:fillClrLst meth="repeat">
+      <a:schemeClr val="lt1">
+        <a:alpha val="90000"/>
+      </a:schemeClr>
+    </dgm:fillClrLst>
+    <dgm:linClrLst meth="repeat">
+      <a:schemeClr val="accent1"/>
+    </dgm:linClrLst>
+    <dgm:effectClrLst/>
+    <dgm:txLinClrLst/>
+    <dgm:txFillClrLst meth="repeat">
+      <a:schemeClr val="dk1"/>
+    </dgm:txFillClrLst>
+    <dgm:txEffectClrLst/>
+  </dgm:styleLbl>
+  <dgm:styleLbl name="fgAcc3">
+    <dgm:fillClrLst meth="repeat">
+      <a:schemeClr val="lt1">
+        <a:alpha val="90000"/>
+      </a:schemeClr>
+    </dgm:fillClrLst>
+    <dgm:linClrLst meth="repeat">
+      <a:schemeClr val="accent1"/>
+    </dgm:linClrLst>
+    <dgm:effectClrLst/>
+    <dgm:txLinClrLst/>
+    <dgm:txFillClrLst meth="repeat">
+      <a:schemeClr val="dk1"/>
+    </dgm:txFillClrLst>
+    <dgm:txEffectClrLst/>
+  </dgm:styleLbl>
+  <dgm:styleLbl name="fgAcc4">
+    <dgm:fillClrLst meth="repeat">
+      <a:schemeClr val="lt1">
+        <a:alpha val="90000"/>
+      </a:schemeClr>
+    </dgm:fillClrLst>
+    <dgm:linClrLst meth="repeat">
+      <a:schemeClr val="accent1"/>
+    </dgm:linClrLst>
+    <dgm:effectClrLst/>
+    <dgm:txLinClrLst/>
+    <dgm:txFillClrLst meth="repeat">
+      <a:schemeClr val="dk1"/>
+    </dgm:txFillClrLst>
+    <dgm:txEffectClrLst/>
+  </dgm:styleLbl>
+  <dgm:styleLbl name="bgShp">
+    <dgm:fillClrLst meth="repeat">
+      <a:schemeClr val="accent1">
+        <a:tint val="40000"/>
+      </a:schemeClr>
+    </dgm:fillClrLst>
+    <dgm:linClrLst meth="repeat">
+      <a:schemeClr val="accent1"/>
+    </dgm:linClrLst>
+    <dgm:effectClrLst/>
+    <dgm:txLinClrLst/>
+    <dgm:txFillClrLst meth="repeat">
+      <a:schemeClr val="dk1"/>
+    </dgm:txFillClrLst>
+    <dgm:txEffectClrLst/>
+  </dgm:styleLbl>
+  <dgm:styleLbl name="dkBgShp">
+    <dgm:fillClrLst meth="repeat">
+      <a:schemeClr val="accent1">
+        <a:shade val="80000"/>
+      </a:schemeClr>
+    </dgm:fillClrLst>
+    <dgm:linClrLst meth="repeat">
+      <a:schemeClr val="accent1"/>
+    </dgm:linClrLst>
+    <dgm:effectClrLst/>
+    <dgm:txLinClrLst/>
+    <dgm:txFillClrLst meth="repeat">
+      <a:schemeClr val="lt1"/>
+    </dgm:txFillClrLst>
+    <dgm:txEffectClrLst/>
+  </dgm:styleLbl>
+  <dgm:styleLbl name="trBgShp">
+    <dgm:fillClrLst meth="repeat">
+      <a:schemeClr val="accent1">
+        <a:tint val="50000"/>
+        <a:alpha val="40000"/>
+      </a:schemeClr>
+    </dgm:fillClrLst>
+    <dgm:linClrLst meth="repeat">
+      <a:schemeClr val="accent1"/>
+    </dgm:linClrLst>
+    <dgm:effectClrLst/>
+    <dgm:txLinClrLst/>
+    <dgm:txFillClrLst meth="repeat">
+      <a:schemeClr val="lt1"/>
+    </dgm:txFillClrLst>
+    <dgm:txEffectClrLst/>
+  </dgm:styleLbl>
+  <dgm:styleLbl name="fgShp">
+    <dgm:fillClrLst meth="repeat">
+      <a:schemeClr val="accent1">
+        <a:tint val="60000"/>
+      </a:schemeClr>
+    </dgm:fillClrLst>
+    <dgm:linClrLst meth="repeat">
+      <a:schemeClr val="lt1"/>
+    </dgm:linClrLst>
+    <dgm:effectClrLst/>
+    <dgm:txLinClrLst/>
+    <dgm:txFillClrLst meth="repeat">
+      <a:schemeClr val="dk1"/>
+    </dgm:txFillClrLst>
+    <dgm:txEffectClrLst/>
+  </dgm:styleLbl>
+  <dgm:styleLbl name="revTx">
+    <dgm:fillClrLst meth="repeat">
+      <a:schemeClr val="lt1">
+        <a:alpha val="0"/>
+      </a:schemeClr>
+    </dgm:fillClrLst>
+    <dgm:linClrLst meth="repeat">
+      <a:schemeClr val="dk1">
+        <a:alpha val="0"/>
+      </a:schemeClr>
+    </dgm:linClrLst>
+    <dgm:effectClrLst/>
+    <dgm:txLinClrLst/>
+    <dgm:txFillClrLst meth="repeat">
+      <a:schemeClr val="tx1"/>
+    </dgm:txFillClrLst>
+    <dgm:txEffectClrLst/>
+  </dgm:styleLbl>
+</dgm:colorsDef>
+</file>
+
+<file path=ppt/diagrams/colors2.xml><?xml version="1.0" encoding="utf-8"?>
 <dgm:colorsDef xmlns:dgm="http://schemas.openxmlformats.org/drawingml/2006/diagram" xmlns:a="http://schemas.openxmlformats.org/drawingml/2006/main" uniqueId="urn:microsoft.com/office/officeart/2005/8/colors/accent1_2">
   <dgm:title val=""/>
   <dgm:desc val=""/>
@@ -1166,7 +1919,7 @@
               <a:latin typeface="微软雅黑" panose="020B0503020204020204" pitchFamily="34" charset="-122"/>
               <a:ea typeface="微软雅黑" panose="020B0503020204020204" pitchFamily="34" charset="-122"/>
             </a:rPr>
-            <a:t>x.4 XAML Islands</a:t>
+            <a:t>x.4 XAML Islands / PWA</a:t>
           </a:r>
           <a:endParaRPr lang="zh-CN" altLang="en-US" sz="2800" dirty="0">
             <a:solidFill>
@@ -1240,7 +1993,622 @@
               <a:latin typeface="微软雅黑" panose="020B0503020204020204" pitchFamily="34" charset="-122"/>
               <a:ea typeface="微软雅黑" panose="020B0503020204020204" pitchFamily="34" charset="-122"/>
             </a:rPr>
-            <a:t>x.5 PWA</a:t>
+            <a:t>x.5 Fibers / Coroutine</a:t>
+          </a:r>
+          <a:endParaRPr lang="zh-CN" altLang="en-US" sz="2800" dirty="0">
+            <a:solidFill>
+              <a:schemeClr val="accent6">
+                <a:lumMod val="60000"/>
+                <a:lumOff val="40000"/>
+              </a:schemeClr>
+            </a:solidFill>
+            <a:latin typeface="微软雅黑" panose="020B0503020204020204" pitchFamily="34" charset="-122"/>
+            <a:ea typeface="微软雅黑" panose="020B0503020204020204" pitchFamily="34" charset="-122"/>
+          </a:endParaRPr>
+        </a:p>
+      </dgm:t>
+    </dgm:pt>
+    <dgm:pt modelId="{3DC04ADC-2FB1-4B13-B56E-DEE2D2C4CAB8}" type="sibTrans" cxnId="{39F2293E-CAD9-4FAD-9C7F-C8D55367CBCE}">
+      <dgm:prSet/>
+      <dgm:spPr/>
+      <dgm:t>
+        <a:bodyPr/>
+        <a:lstStyle/>
+        <a:p>
+          <a:endParaRPr lang="zh-CN" altLang="en-US" sz="2800">
+            <a:solidFill>
+              <a:schemeClr val="accent6">
+                <a:lumMod val="60000"/>
+                <a:lumOff val="40000"/>
+              </a:schemeClr>
+            </a:solidFill>
+            <a:latin typeface="微软雅黑" panose="020B0503020204020204" pitchFamily="34" charset="-122"/>
+            <a:ea typeface="微软雅黑" panose="020B0503020204020204" pitchFamily="34" charset="-122"/>
+          </a:endParaRPr>
+        </a:p>
+      </dgm:t>
+    </dgm:pt>
+    <dgm:pt modelId="{79EA5891-947D-4CC5-AAFA-54016DE94000}" type="parTrans" cxnId="{39F2293E-CAD9-4FAD-9C7F-C8D55367CBCE}">
+      <dgm:prSet/>
+      <dgm:spPr/>
+      <dgm:t>
+        <a:bodyPr/>
+        <a:lstStyle/>
+        <a:p>
+          <a:endParaRPr lang="zh-CN" altLang="en-US" sz="2800">
+            <a:solidFill>
+              <a:schemeClr val="accent6">
+                <a:lumMod val="60000"/>
+                <a:lumOff val="40000"/>
+              </a:schemeClr>
+            </a:solidFill>
+            <a:latin typeface="微软雅黑" panose="020B0503020204020204" pitchFamily="34" charset="-122"/>
+            <a:ea typeface="微软雅黑" panose="020B0503020204020204" pitchFamily="34" charset="-122"/>
+          </a:endParaRPr>
+        </a:p>
+      </dgm:t>
+    </dgm:pt>
+    <dgm:pt modelId="{DDE2EFAC-FD0A-43B9-9885-8F584F8B2687}" type="pres">
+      <dgm:prSet presAssocID="{C0DAA090-DC2F-4A5B-84CF-FE23997C0F8D}" presName="linearFlow" presStyleCnt="0">
+        <dgm:presLayoutVars>
+          <dgm:dir/>
+          <dgm:resizeHandles val="exact"/>
+        </dgm:presLayoutVars>
+      </dgm:prSet>
+      <dgm:spPr/>
+    </dgm:pt>
+    <dgm:pt modelId="{03C015DC-9CB5-48B5-B022-9C08FF2BB67F}" type="pres">
+      <dgm:prSet presAssocID="{0EB4CFA3-2877-4CD2-8638-6B78E74A3005}" presName="composite" presStyleCnt="0"/>
+      <dgm:spPr/>
+    </dgm:pt>
+    <dgm:pt modelId="{083CB889-864A-48B4-A20B-3444EFBE5EE6}" type="pres">
+      <dgm:prSet presAssocID="{0EB4CFA3-2877-4CD2-8638-6B78E74A3005}" presName="imgShp" presStyleLbl="fgImgPlace1" presStyleIdx="0" presStyleCnt="5"/>
+      <dgm:spPr>
+        <a:blipFill>
+          <a:blip xmlns:r="http://schemas.openxmlformats.org/officeDocument/2006/relationships" r:embed="rId1">
+            <a:extLst>
+              <a:ext uri="{28A0092B-C50C-407E-A947-70E740481C1C}">
+                <a14:useLocalDpi xmlns:a14="http://schemas.microsoft.com/office/drawing/2010/main" val="0"/>
+              </a:ext>
+            </a:extLst>
+          </a:blip>
+          <a:srcRect/>
+          <a:stretch>
+            <a:fillRect/>
+          </a:stretch>
+        </a:blipFill>
+      </dgm:spPr>
+    </dgm:pt>
+    <dgm:pt modelId="{BDA9855D-7D78-437D-BD78-790FC97E081F}" type="pres">
+      <dgm:prSet presAssocID="{0EB4CFA3-2877-4CD2-8638-6B78E74A3005}" presName="txShp" presStyleLbl="node1" presStyleIdx="0" presStyleCnt="5">
+        <dgm:presLayoutVars>
+          <dgm:bulletEnabled val="1"/>
+        </dgm:presLayoutVars>
+      </dgm:prSet>
+      <dgm:spPr/>
+    </dgm:pt>
+    <dgm:pt modelId="{176E4038-6664-4B38-A111-E910267DC30B}" type="pres">
+      <dgm:prSet presAssocID="{063BDEB1-4B9A-40B2-B26D-744EA8FDC352}" presName="spacing" presStyleCnt="0"/>
+      <dgm:spPr/>
+    </dgm:pt>
+    <dgm:pt modelId="{F86355EA-7315-4404-8DB2-95216AEB3B8A}" type="pres">
+      <dgm:prSet presAssocID="{B39E45CA-4B90-4BA5-AC4B-EBDCA7F79487}" presName="composite" presStyleCnt="0"/>
+      <dgm:spPr/>
+    </dgm:pt>
+    <dgm:pt modelId="{BDA2664F-D760-4676-988D-9DECE8C71CCC}" type="pres">
+      <dgm:prSet presAssocID="{B39E45CA-4B90-4BA5-AC4B-EBDCA7F79487}" presName="imgShp" presStyleLbl="fgImgPlace1" presStyleIdx="1" presStyleCnt="5"/>
+      <dgm:spPr>
+        <a:blipFill>
+          <a:blip xmlns:r="http://schemas.openxmlformats.org/officeDocument/2006/relationships" r:embed="rId1">
+            <a:extLst>
+              <a:ext uri="{28A0092B-C50C-407E-A947-70E740481C1C}">
+                <a14:useLocalDpi xmlns:a14="http://schemas.microsoft.com/office/drawing/2010/main" val="0"/>
+              </a:ext>
+            </a:extLst>
+          </a:blip>
+          <a:srcRect/>
+          <a:stretch>
+            <a:fillRect/>
+          </a:stretch>
+        </a:blipFill>
+      </dgm:spPr>
+    </dgm:pt>
+    <dgm:pt modelId="{F907B27B-B246-4928-AC93-8A19B8E86AA6}" type="pres">
+      <dgm:prSet presAssocID="{B39E45CA-4B90-4BA5-AC4B-EBDCA7F79487}" presName="txShp" presStyleLbl="node1" presStyleIdx="1" presStyleCnt="5">
+        <dgm:presLayoutVars>
+          <dgm:bulletEnabled val="1"/>
+        </dgm:presLayoutVars>
+      </dgm:prSet>
+      <dgm:spPr/>
+    </dgm:pt>
+    <dgm:pt modelId="{11472BDA-002C-4AC8-8CC0-396DCF3ABB3B}" type="pres">
+      <dgm:prSet presAssocID="{E62A0279-F5C6-468D-A5C5-4AC2E078B623}" presName="spacing" presStyleCnt="0"/>
+      <dgm:spPr/>
+    </dgm:pt>
+    <dgm:pt modelId="{586EC0CC-8B1E-4061-BBE3-BE2792702B83}" type="pres">
+      <dgm:prSet presAssocID="{130D3908-710E-4E1A-B7D8-47B8EA36ED4A}" presName="composite" presStyleCnt="0"/>
+      <dgm:spPr/>
+    </dgm:pt>
+    <dgm:pt modelId="{7FE62E54-E85F-4DBB-997F-689B5CDFD62D}" type="pres">
+      <dgm:prSet presAssocID="{130D3908-710E-4E1A-B7D8-47B8EA36ED4A}" presName="imgShp" presStyleLbl="fgImgPlace1" presStyleIdx="2" presStyleCnt="5"/>
+      <dgm:spPr>
+        <a:blipFill>
+          <a:blip xmlns:r="http://schemas.openxmlformats.org/officeDocument/2006/relationships" r:embed="rId1">
+            <a:extLst>
+              <a:ext uri="{28A0092B-C50C-407E-A947-70E740481C1C}">
+                <a14:useLocalDpi xmlns:a14="http://schemas.microsoft.com/office/drawing/2010/main" val="0"/>
+              </a:ext>
+            </a:extLst>
+          </a:blip>
+          <a:srcRect/>
+          <a:stretch>
+            <a:fillRect/>
+          </a:stretch>
+        </a:blipFill>
+      </dgm:spPr>
+    </dgm:pt>
+    <dgm:pt modelId="{34905F94-283E-4E2E-B949-4A5102C3F22E}" type="pres">
+      <dgm:prSet presAssocID="{130D3908-710E-4E1A-B7D8-47B8EA36ED4A}" presName="txShp" presStyleLbl="node1" presStyleIdx="2" presStyleCnt="5">
+        <dgm:presLayoutVars>
+          <dgm:bulletEnabled val="1"/>
+        </dgm:presLayoutVars>
+      </dgm:prSet>
+      <dgm:spPr/>
+    </dgm:pt>
+    <dgm:pt modelId="{48586205-9294-4296-BDD7-7DD0341827D6}" type="pres">
+      <dgm:prSet presAssocID="{9007DD70-9C54-4477-9E19-C04AF4AA79E1}" presName="spacing" presStyleCnt="0"/>
+      <dgm:spPr/>
+    </dgm:pt>
+    <dgm:pt modelId="{6CC95308-025F-4033-88A7-DD028B775712}" type="pres">
+      <dgm:prSet presAssocID="{19643720-2B40-4681-B6AA-424E0E901AAB}" presName="composite" presStyleCnt="0"/>
+      <dgm:spPr/>
+    </dgm:pt>
+    <dgm:pt modelId="{9D48952A-8DE3-45EB-8CB6-5152C3B3C507}" type="pres">
+      <dgm:prSet presAssocID="{19643720-2B40-4681-B6AA-424E0E901AAB}" presName="imgShp" presStyleLbl="fgImgPlace1" presStyleIdx="3" presStyleCnt="5"/>
+      <dgm:spPr>
+        <a:blipFill>
+          <a:blip xmlns:r="http://schemas.openxmlformats.org/officeDocument/2006/relationships" r:embed="rId1">
+            <a:extLst>
+              <a:ext uri="{28A0092B-C50C-407E-A947-70E740481C1C}">
+                <a14:useLocalDpi xmlns:a14="http://schemas.microsoft.com/office/drawing/2010/main" val="0"/>
+              </a:ext>
+            </a:extLst>
+          </a:blip>
+          <a:srcRect/>
+          <a:stretch>
+            <a:fillRect/>
+          </a:stretch>
+        </a:blipFill>
+      </dgm:spPr>
+    </dgm:pt>
+    <dgm:pt modelId="{4A90FFE2-DE88-4B0D-886D-0593F18265A5}" type="pres">
+      <dgm:prSet presAssocID="{19643720-2B40-4681-B6AA-424E0E901AAB}" presName="txShp" presStyleLbl="node1" presStyleIdx="3" presStyleCnt="5">
+        <dgm:presLayoutVars>
+          <dgm:bulletEnabled val="1"/>
+        </dgm:presLayoutVars>
+      </dgm:prSet>
+      <dgm:spPr/>
+    </dgm:pt>
+    <dgm:pt modelId="{2ECABCC0-01EF-4DF3-B19F-75988E1767AF}" type="pres">
+      <dgm:prSet presAssocID="{1397822D-B5D6-4C7A-B9A1-9207CFE945C4}" presName="spacing" presStyleCnt="0"/>
+      <dgm:spPr/>
+    </dgm:pt>
+    <dgm:pt modelId="{ACDE7258-5FFC-4C2B-9049-1CB2AA5605C9}" type="pres">
+      <dgm:prSet presAssocID="{67E65F80-B749-4552-AFF6-AA62DB839F3C}" presName="composite" presStyleCnt="0"/>
+      <dgm:spPr/>
+    </dgm:pt>
+    <dgm:pt modelId="{FBC026BE-7CB9-4486-AAD6-ED1AA59A4D6B}" type="pres">
+      <dgm:prSet presAssocID="{67E65F80-B749-4552-AFF6-AA62DB839F3C}" presName="imgShp" presStyleLbl="fgImgPlace1" presStyleIdx="4" presStyleCnt="5"/>
+      <dgm:spPr>
+        <a:blipFill>
+          <a:blip xmlns:r="http://schemas.openxmlformats.org/officeDocument/2006/relationships" r:embed="rId1">
+            <a:extLst>
+              <a:ext uri="{28A0092B-C50C-407E-A947-70E740481C1C}">
+                <a14:useLocalDpi xmlns:a14="http://schemas.microsoft.com/office/drawing/2010/main" val="0"/>
+              </a:ext>
+            </a:extLst>
+          </a:blip>
+          <a:srcRect/>
+          <a:stretch>
+            <a:fillRect/>
+          </a:stretch>
+        </a:blipFill>
+      </dgm:spPr>
+    </dgm:pt>
+    <dgm:pt modelId="{E8B453A4-10D1-497E-82A0-9CF5B372D781}" type="pres">
+      <dgm:prSet presAssocID="{67E65F80-B749-4552-AFF6-AA62DB839F3C}" presName="txShp" presStyleLbl="node1" presStyleIdx="4" presStyleCnt="5">
+        <dgm:presLayoutVars>
+          <dgm:bulletEnabled val="1"/>
+        </dgm:presLayoutVars>
+      </dgm:prSet>
+      <dgm:spPr/>
+    </dgm:pt>
+  </dgm:ptLst>
+  <dgm:cxnLst>
+    <dgm:cxn modelId="{851E7807-5DCB-450F-91CB-BC7CE976400B}" srcId="{C0DAA090-DC2F-4A5B-84CF-FE23997C0F8D}" destId="{130D3908-710E-4E1A-B7D8-47B8EA36ED4A}" srcOrd="2" destOrd="0" parTransId="{42EC6CF3-FF18-437E-8D44-AA882D54CEE0}" sibTransId="{9007DD70-9C54-4477-9E19-C04AF4AA79E1}"/>
+    <dgm:cxn modelId="{4DE93A12-A6B5-47EB-ABDC-C4FD0309B456}" type="presOf" srcId="{B39E45CA-4B90-4BA5-AC4B-EBDCA7F79487}" destId="{F907B27B-B246-4928-AC93-8A19B8E86AA6}" srcOrd="0" destOrd="0" presId="urn:microsoft.com/office/officeart/2005/8/layout/vList3"/>
+    <dgm:cxn modelId="{39F2293E-CAD9-4FAD-9C7F-C8D55367CBCE}" srcId="{C0DAA090-DC2F-4A5B-84CF-FE23997C0F8D}" destId="{67E65F80-B749-4552-AFF6-AA62DB839F3C}" srcOrd="4" destOrd="0" parTransId="{79EA5891-947D-4CC5-AAFA-54016DE94000}" sibTransId="{3DC04ADC-2FB1-4B13-B56E-DEE2D2C4CAB8}"/>
+    <dgm:cxn modelId="{33A53B55-5868-4CCC-85AD-17C7FB71C2FC}" srcId="{C0DAA090-DC2F-4A5B-84CF-FE23997C0F8D}" destId="{19643720-2B40-4681-B6AA-424E0E901AAB}" srcOrd="3" destOrd="0" parTransId="{06FC63D7-59F4-4FCF-BA3C-82CA82021EE0}" sibTransId="{1397822D-B5D6-4C7A-B9A1-9207CFE945C4}"/>
+    <dgm:cxn modelId="{864E5C82-B3C8-474C-B1E4-42B78DDCD522}" type="presOf" srcId="{C0DAA090-DC2F-4A5B-84CF-FE23997C0F8D}" destId="{DDE2EFAC-FD0A-43B9-9885-8F584F8B2687}" srcOrd="0" destOrd="0" presId="urn:microsoft.com/office/officeart/2005/8/layout/vList3"/>
+    <dgm:cxn modelId="{86628A9E-22D6-4C60-8249-0BFE480BFF5A}" srcId="{C0DAA090-DC2F-4A5B-84CF-FE23997C0F8D}" destId="{B39E45CA-4B90-4BA5-AC4B-EBDCA7F79487}" srcOrd="1" destOrd="0" parTransId="{AF02B0CB-D4D3-4689-AF3F-63B0CF0E9DB7}" sibTransId="{E62A0279-F5C6-468D-A5C5-4AC2E078B623}"/>
+    <dgm:cxn modelId="{9FBF72B5-1C28-40F2-89C3-08AFB13D3E4E}" type="presOf" srcId="{0EB4CFA3-2877-4CD2-8638-6B78E74A3005}" destId="{BDA9855D-7D78-437D-BD78-790FC97E081F}" srcOrd="0" destOrd="0" presId="urn:microsoft.com/office/officeart/2005/8/layout/vList3"/>
+    <dgm:cxn modelId="{B69EE3B7-6352-4D18-85A0-6F0541D9B5D3}" type="presOf" srcId="{130D3908-710E-4E1A-B7D8-47B8EA36ED4A}" destId="{34905F94-283E-4E2E-B949-4A5102C3F22E}" srcOrd="0" destOrd="0" presId="urn:microsoft.com/office/officeart/2005/8/layout/vList3"/>
+    <dgm:cxn modelId="{3BA407BA-CFDE-47B2-B9CA-A441C576491D}" type="presOf" srcId="{19643720-2B40-4681-B6AA-424E0E901AAB}" destId="{4A90FFE2-DE88-4B0D-886D-0593F18265A5}" srcOrd="0" destOrd="0" presId="urn:microsoft.com/office/officeart/2005/8/layout/vList3"/>
+    <dgm:cxn modelId="{57B5F7F3-A8A8-450D-BF33-D78E8B90296E}" srcId="{C0DAA090-DC2F-4A5B-84CF-FE23997C0F8D}" destId="{0EB4CFA3-2877-4CD2-8638-6B78E74A3005}" srcOrd="0" destOrd="0" parTransId="{78E91C60-98EE-4736-9F1F-0A4515469F8E}" sibTransId="{063BDEB1-4B9A-40B2-B26D-744EA8FDC352}"/>
+    <dgm:cxn modelId="{27C5B7F7-7EBB-4570-917D-335ACBCC009B}" type="presOf" srcId="{67E65F80-B749-4552-AFF6-AA62DB839F3C}" destId="{E8B453A4-10D1-497E-82A0-9CF5B372D781}" srcOrd="0" destOrd="0" presId="urn:microsoft.com/office/officeart/2005/8/layout/vList3"/>
+    <dgm:cxn modelId="{41150D57-3446-4F65-BEF0-2CD54AB4CDCE}" type="presParOf" srcId="{DDE2EFAC-FD0A-43B9-9885-8F584F8B2687}" destId="{03C015DC-9CB5-48B5-B022-9C08FF2BB67F}" srcOrd="0" destOrd="0" presId="urn:microsoft.com/office/officeart/2005/8/layout/vList3"/>
+    <dgm:cxn modelId="{C0E8196C-9A1E-4935-846F-AEDFBFF57B34}" type="presParOf" srcId="{03C015DC-9CB5-48B5-B022-9C08FF2BB67F}" destId="{083CB889-864A-48B4-A20B-3444EFBE5EE6}" srcOrd="0" destOrd="0" presId="urn:microsoft.com/office/officeart/2005/8/layout/vList3"/>
+    <dgm:cxn modelId="{2CF95AF5-686C-4E81-A7B2-FDE16CD5D36A}" type="presParOf" srcId="{03C015DC-9CB5-48B5-B022-9C08FF2BB67F}" destId="{BDA9855D-7D78-437D-BD78-790FC97E081F}" srcOrd="1" destOrd="0" presId="urn:microsoft.com/office/officeart/2005/8/layout/vList3"/>
+    <dgm:cxn modelId="{F65542E3-A4E2-4D68-8174-176FAC168A7C}" type="presParOf" srcId="{DDE2EFAC-FD0A-43B9-9885-8F584F8B2687}" destId="{176E4038-6664-4B38-A111-E910267DC30B}" srcOrd="1" destOrd="0" presId="urn:microsoft.com/office/officeart/2005/8/layout/vList3"/>
+    <dgm:cxn modelId="{C12FAB64-105B-4559-8C53-95C2C43D07E7}" type="presParOf" srcId="{DDE2EFAC-FD0A-43B9-9885-8F584F8B2687}" destId="{F86355EA-7315-4404-8DB2-95216AEB3B8A}" srcOrd="2" destOrd="0" presId="urn:microsoft.com/office/officeart/2005/8/layout/vList3"/>
+    <dgm:cxn modelId="{43380A88-1503-4FE1-B70A-E2DE24F086DB}" type="presParOf" srcId="{F86355EA-7315-4404-8DB2-95216AEB3B8A}" destId="{BDA2664F-D760-4676-988D-9DECE8C71CCC}" srcOrd="0" destOrd="0" presId="urn:microsoft.com/office/officeart/2005/8/layout/vList3"/>
+    <dgm:cxn modelId="{2E348613-AAE0-4D05-B2D0-B3E54796C9D8}" type="presParOf" srcId="{F86355EA-7315-4404-8DB2-95216AEB3B8A}" destId="{F907B27B-B246-4928-AC93-8A19B8E86AA6}" srcOrd="1" destOrd="0" presId="urn:microsoft.com/office/officeart/2005/8/layout/vList3"/>
+    <dgm:cxn modelId="{DDCD5829-E3D0-4D16-87A3-191101ACF7F6}" type="presParOf" srcId="{DDE2EFAC-FD0A-43B9-9885-8F584F8B2687}" destId="{11472BDA-002C-4AC8-8CC0-396DCF3ABB3B}" srcOrd="3" destOrd="0" presId="urn:microsoft.com/office/officeart/2005/8/layout/vList3"/>
+    <dgm:cxn modelId="{3EC046C0-9C2C-4CBF-B669-0518312DA7E0}" type="presParOf" srcId="{DDE2EFAC-FD0A-43B9-9885-8F584F8B2687}" destId="{586EC0CC-8B1E-4061-BBE3-BE2792702B83}" srcOrd="4" destOrd="0" presId="urn:microsoft.com/office/officeart/2005/8/layout/vList3"/>
+    <dgm:cxn modelId="{1D30C12E-C649-4834-AE99-5F76F09FB7F9}" type="presParOf" srcId="{586EC0CC-8B1E-4061-BBE3-BE2792702B83}" destId="{7FE62E54-E85F-4DBB-997F-689B5CDFD62D}" srcOrd="0" destOrd="0" presId="urn:microsoft.com/office/officeart/2005/8/layout/vList3"/>
+    <dgm:cxn modelId="{487B7467-5FF1-4989-B025-216942697C1F}" type="presParOf" srcId="{586EC0CC-8B1E-4061-BBE3-BE2792702B83}" destId="{34905F94-283E-4E2E-B949-4A5102C3F22E}" srcOrd="1" destOrd="0" presId="urn:microsoft.com/office/officeart/2005/8/layout/vList3"/>
+    <dgm:cxn modelId="{CCB04E26-D1DA-4AC5-B322-3420F6653987}" type="presParOf" srcId="{DDE2EFAC-FD0A-43B9-9885-8F584F8B2687}" destId="{48586205-9294-4296-BDD7-7DD0341827D6}" srcOrd="5" destOrd="0" presId="urn:microsoft.com/office/officeart/2005/8/layout/vList3"/>
+    <dgm:cxn modelId="{57639972-5B41-4337-A5D5-37EEFD72A04E}" type="presParOf" srcId="{DDE2EFAC-FD0A-43B9-9885-8F584F8B2687}" destId="{6CC95308-025F-4033-88A7-DD028B775712}" srcOrd="6" destOrd="0" presId="urn:microsoft.com/office/officeart/2005/8/layout/vList3"/>
+    <dgm:cxn modelId="{6E492834-10B1-4FF5-B384-EF2FDDF83B05}" type="presParOf" srcId="{6CC95308-025F-4033-88A7-DD028B775712}" destId="{9D48952A-8DE3-45EB-8CB6-5152C3B3C507}" srcOrd="0" destOrd="0" presId="urn:microsoft.com/office/officeart/2005/8/layout/vList3"/>
+    <dgm:cxn modelId="{D6B9DA02-2B38-4082-BFC4-FAB86D467DE6}" type="presParOf" srcId="{6CC95308-025F-4033-88A7-DD028B775712}" destId="{4A90FFE2-DE88-4B0D-886D-0593F18265A5}" srcOrd="1" destOrd="0" presId="urn:microsoft.com/office/officeart/2005/8/layout/vList3"/>
+    <dgm:cxn modelId="{ADEA9839-9EF5-4D4C-9670-29289CDD39AC}" type="presParOf" srcId="{DDE2EFAC-FD0A-43B9-9885-8F584F8B2687}" destId="{2ECABCC0-01EF-4DF3-B19F-75988E1767AF}" srcOrd="7" destOrd="0" presId="urn:microsoft.com/office/officeart/2005/8/layout/vList3"/>
+    <dgm:cxn modelId="{3AAD1D96-979A-4E61-9276-429CA939D6AE}" type="presParOf" srcId="{DDE2EFAC-FD0A-43B9-9885-8F584F8B2687}" destId="{ACDE7258-5FFC-4C2B-9049-1CB2AA5605C9}" srcOrd="8" destOrd="0" presId="urn:microsoft.com/office/officeart/2005/8/layout/vList3"/>
+    <dgm:cxn modelId="{CE04890F-2747-44E5-A069-EA3E03BB9D59}" type="presParOf" srcId="{ACDE7258-5FFC-4C2B-9049-1CB2AA5605C9}" destId="{FBC026BE-7CB9-4486-AAD6-ED1AA59A4D6B}" srcOrd="0" destOrd="0" presId="urn:microsoft.com/office/officeart/2005/8/layout/vList3"/>
+    <dgm:cxn modelId="{C6CFD93E-59F8-49EB-B04D-85C74C9457C3}" type="presParOf" srcId="{ACDE7258-5FFC-4C2B-9049-1CB2AA5605C9}" destId="{E8B453A4-10D1-497E-82A0-9CF5B372D781}" srcOrd="1" destOrd="0" presId="urn:microsoft.com/office/officeart/2005/8/layout/vList3"/>
+  </dgm:cxnLst>
+  <dgm:bg/>
+  <dgm:whole/>
+  <dgm:extLst>
+    <a:ext uri="http://schemas.microsoft.com/office/drawing/2008/diagram">
+      <dsp:dataModelExt xmlns:dsp="http://schemas.microsoft.com/office/drawing/2008/diagram" relId="rId6" minVer="http://schemas.openxmlformats.org/drawingml/2006/diagram"/>
+    </a:ext>
+  </dgm:extLst>
+</dgm:dataModel>
+</file>
+
+<file path=ppt/diagrams/data2.xml><?xml version="1.0" encoding="utf-8"?>
+<dgm:dataModel xmlns:dgm="http://schemas.openxmlformats.org/drawingml/2006/diagram" xmlns:a="http://schemas.openxmlformats.org/drawingml/2006/main">
+  <dgm:ptLst>
+    <dgm:pt modelId="{C0DAA090-DC2F-4A5B-84CF-FE23997C0F8D}" type="doc">
+      <dgm:prSet loTypeId="urn:microsoft.com/office/officeart/2005/8/layout/vList3" loCatId="list" qsTypeId="urn:microsoft.com/office/officeart/2005/8/quickstyle/simple1" qsCatId="simple" csTypeId="urn:microsoft.com/office/officeart/2005/8/colors/accent1_2" csCatId="accent1" phldr="1"/>
+      <dgm:spPr/>
+      <dgm:t>
+        <a:bodyPr/>
+        <a:lstStyle/>
+        <a:p>
+          <a:endParaRPr lang="zh-CN" altLang="en-US"/>
+        </a:p>
+      </dgm:t>
+    </dgm:pt>
+    <dgm:pt modelId="{0EB4CFA3-2877-4CD2-8638-6B78E74A3005}">
+      <dgm:prSet phldrT="[文本]" custT="1"/>
+      <dgm:spPr/>
+      <dgm:t>
+        <a:bodyPr/>
+        <a:lstStyle/>
+        <a:p>
+          <a:pPr algn="l"/>
+          <a:r>
+            <a:rPr lang="en-US" altLang="zh-CN" sz="2800" dirty="0">
+              <a:solidFill>
+                <a:schemeClr val="accent6">
+                  <a:lumMod val="60000"/>
+                  <a:lumOff val="40000"/>
+                </a:schemeClr>
+              </a:solidFill>
+              <a:latin typeface="微软雅黑" panose="020B0503020204020204" pitchFamily="34" charset="-122"/>
+              <a:ea typeface="微软雅黑" panose="020B0503020204020204" pitchFamily="34" charset="-122"/>
+            </a:rPr>
+            <a:t>x.1 RAII</a:t>
+          </a:r>
+          <a:endParaRPr lang="zh-CN" altLang="en-US" sz="2800" dirty="0">
+            <a:solidFill>
+              <a:schemeClr val="accent6">
+                <a:lumMod val="60000"/>
+                <a:lumOff val="40000"/>
+              </a:schemeClr>
+            </a:solidFill>
+            <a:latin typeface="微软雅黑" panose="020B0503020204020204" pitchFamily="34" charset="-122"/>
+            <a:ea typeface="微软雅黑" panose="020B0503020204020204" pitchFamily="34" charset="-122"/>
+          </a:endParaRPr>
+        </a:p>
+      </dgm:t>
+    </dgm:pt>
+    <dgm:pt modelId="{78E91C60-98EE-4736-9F1F-0A4515469F8E}" type="parTrans" cxnId="{57B5F7F3-A8A8-450D-BF33-D78E8B90296E}">
+      <dgm:prSet/>
+      <dgm:spPr/>
+      <dgm:t>
+        <a:bodyPr/>
+        <a:lstStyle/>
+        <a:p>
+          <a:endParaRPr lang="zh-CN" altLang="en-US" sz="2800">
+            <a:solidFill>
+              <a:schemeClr val="accent6">
+                <a:lumMod val="60000"/>
+                <a:lumOff val="40000"/>
+              </a:schemeClr>
+            </a:solidFill>
+            <a:latin typeface="微软雅黑" panose="020B0503020204020204" pitchFamily="34" charset="-122"/>
+            <a:ea typeface="微软雅黑" panose="020B0503020204020204" pitchFamily="34" charset="-122"/>
+          </a:endParaRPr>
+        </a:p>
+      </dgm:t>
+    </dgm:pt>
+    <dgm:pt modelId="{063BDEB1-4B9A-40B2-B26D-744EA8FDC352}" type="sibTrans" cxnId="{57B5F7F3-A8A8-450D-BF33-D78E8B90296E}">
+      <dgm:prSet/>
+      <dgm:spPr/>
+      <dgm:t>
+        <a:bodyPr/>
+        <a:lstStyle/>
+        <a:p>
+          <a:endParaRPr lang="zh-CN" altLang="en-US" sz="2800">
+            <a:solidFill>
+              <a:schemeClr val="accent6">
+                <a:lumMod val="60000"/>
+                <a:lumOff val="40000"/>
+              </a:schemeClr>
+            </a:solidFill>
+            <a:latin typeface="微软雅黑" panose="020B0503020204020204" pitchFamily="34" charset="-122"/>
+            <a:ea typeface="微软雅黑" panose="020B0503020204020204" pitchFamily="34" charset="-122"/>
+          </a:endParaRPr>
+        </a:p>
+      </dgm:t>
+    </dgm:pt>
+    <dgm:pt modelId="{B39E45CA-4B90-4BA5-AC4B-EBDCA7F79487}">
+      <dgm:prSet phldrT="[文本]" custT="1"/>
+      <dgm:spPr/>
+      <dgm:t>
+        <a:bodyPr/>
+        <a:lstStyle/>
+        <a:p>
+          <a:pPr algn="l"/>
+          <a:r>
+            <a:rPr lang="en-US" altLang="zh-CN" sz="2800" dirty="0">
+              <a:solidFill>
+                <a:schemeClr val="accent6">
+                  <a:lumMod val="60000"/>
+                  <a:lumOff val="40000"/>
+                </a:schemeClr>
+              </a:solidFill>
+              <a:latin typeface="微软雅黑" panose="020B0503020204020204" pitchFamily="34" charset="-122"/>
+              <a:ea typeface="微软雅黑" panose="020B0503020204020204" pitchFamily="34" charset="-122"/>
+            </a:rPr>
+            <a:t>x.2 </a:t>
+          </a:r>
+          <a:r>
+            <a:rPr lang="en-US" altLang="zh-CN" sz="2800" dirty="0" err="1">
+              <a:solidFill>
+                <a:schemeClr val="accent6">
+                  <a:lumMod val="60000"/>
+                  <a:lumOff val="40000"/>
+                </a:schemeClr>
+              </a:solidFill>
+              <a:latin typeface="微软雅黑" panose="020B0503020204020204" pitchFamily="34" charset="-122"/>
+              <a:ea typeface="微软雅黑" panose="020B0503020204020204" pitchFamily="34" charset="-122"/>
+            </a:rPr>
+            <a:t>PowerToys</a:t>
+          </a:r>
+          <a:endParaRPr lang="zh-CN" altLang="en-US" sz="2800" dirty="0">
+            <a:solidFill>
+              <a:schemeClr val="accent6">
+                <a:lumMod val="60000"/>
+                <a:lumOff val="40000"/>
+              </a:schemeClr>
+            </a:solidFill>
+            <a:latin typeface="微软雅黑" panose="020B0503020204020204" pitchFamily="34" charset="-122"/>
+            <a:ea typeface="微软雅黑" panose="020B0503020204020204" pitchFamily="34" charset="-122"/>
+          </a:endParaRPr>
+        </a:p>
+      </dgm:t>
+    </dgm:pt>
+    <dgm:pt modelId="{E62A0279-F5C6-468D-A5C5-4AC2E078B623}" type="sibTrans" cxnId="{86628A9E-22D6-4C60-8249-0BFE480BFF5A}">
+      <dgm:prSet/>
+      <dgm:spPr/>
+      <dgm:t>
+        <a:bodyPr/>
+        <a:lstStyle/>
+        <a:p>
+          <a:endParaRPr lang="zh-CN" altLang="en-US" sz="2800">
+            <a:solidFill>
+              <a:schemeClr val="accent6">
+                <a:lumMod val="60000"/>
+                <a:lumOff val="40000"/>
+              </a:schemeClr>
+            </a:solidFill>
+            <a:latin typeface="微软雅黑" panose="020B0503020204020204" pitchFamily="34" charset="-122"/>
+            <a:ea typeface="微软雅黑" panose="020B0503020204020204" pitchFamily="34" charset="-122"/>
+          </a:endParaRPr>
+        </a:p>
+      </dgm:t>
+    </dgm:pt>
+    <dgm:pt modelId="{AF02B0CB-D4D3-4689-AF3F-63B0CF0E9DB7}" type="parTrans" cxnId="{86628A9E-22D6-4C60-8249-0BFE480BFF5A}">
+      <dgm:prSet/>
+      <dgm:spPr/>
+      <dgm:t>
+        <a:bodyPr/>
+        <a:lstStyle/>
+        <a:p>
+          <a:endParaRPr lang="zh-CN" altLang="en-US" sz="2800">
+            <a:solidFill>
+              <a:schemeClr val="accent6">
+                <a:lumMod val="60000"/>
+                <a:lumOff val="40000"/>
+              </a:schemeClr>
+            </a:solidFill>
+            <a:latin typeface="微软雅黑" panose="020B0503020204020204" pitchFamily="34" charset="-122"/>
+            <a:ea typeface="微软雅黑" panose="020B0503020204020204" pitchFamily="34" charset="-122"/>
+          </a:endParaRPr>
+        </a:p>
+      </dgm:t>
+    </dgm:pt>
+    <dgm:pt modelId="{130D3908-710E-4E1A-B7D8-47B8EA36ED4A}">
+      <dgm:prSet phldrT="[文本]" custT="1"/>
+      <dgm:spPr/>
+      <dgm:t>
+        <a:bodyPr/>
+        <a:lstStyle/>
+        <a:p>
+          <a:pPr algn="l"/>
+          <a:r>
+            <a:rPr lang="en-US" altLang="zh-CN" sz="2800" dirty="0">
+              <a:solidFill>
+                <a:schemeClr val="accent6">
+                  <a:lumMod val="60000"/>
+                  <a:lumOff val="40000"/>
+                </a:schemeClr>
+              </a:solidFill>
+              <a:latin typeface="微软雅黑" panose="020B0503020204020204" pitchFamily="34" charset="-122"/>
+              <a:ea typeface="微软雅黑" panose="020B0503020204020204" pitchFamily="34" charset="-122"/>
+            </a:rPr>
+            <a:t>x.3 coding style</a:t>
+          </a:r>
+          <a:endParaRPr lang="zh-CN" altLang="en-US" sz="2800" dirty="0">
+            <a:solidFill>
+              <a:schemeClr val="accent6">
+                <a:lumMod val="60000"/>
+                <a:lumOff val="40000"/>
+              </a:schemeClr>
+            </a:solidFill>
+            <a:latin typeface="微软雅黑" panose="020B0503020204020204" pitchFamily="34" charset="-122"/>
+            <a:ea typeface="微软雅黑" panose="020B0503020204020204" pitchFamily="34" charset="-122"/>
+          </a:endParaRPr>
+        </a:p>
+      </dgm:t>
+    </dgm:pt>
+    <dgm:pt modelId="{9007DD70-9C54-4477-9E19-C04AF4AA79E1}" type="sibTrans" cxnId="{851E7807-5DCB-450F-91CB-BC7CE976400B}">
+      <dgm:prSet/>
+      <dgm:spPr/>
+      <dgm:t>
+        <a:bodyPr/>
+        <a:lstStyle/>
+        <a:p>
+          <a:endParaRPr lang="zh-CN" altLang="en-US" sz="2800">
+            <a:solidFill>
+              <a:schemeClr val="accent6">
+                <a:lumMod val="60000"/>
+                <a:lumOff val="40000"/>
+              </a:schemeClr>
+            </a:solidFill>
+            <a:latin typeface="微软雅黑" panose="020B0503020204020204" pitchFamily="34" charset="-122"/>
+            <a:ea typeface="微软雅黑" panose="020B0503020204020204" pitchFamily="34" charset="-122"/>
+          </a:endParaRPr>
+        </a:p>
+      </dgm:t>
+    </dgm:pt>
+    <dgm:pt modelId="{42EC6CF3-FF18-437E-8D44-AA882D54CEE0}" type="parTrans" cxnId="{851E7807-5DCB-450F-91CB-BC7CE976400B}">
+      <dgm:prSet/>
+      <dgm:spPr/>
+      <dgm:t>
+        <a:bodyPr/>
+        <a:lstStyle/>
+        <a:p>
+          <a:endParaRPr lang="zh-CN" altLang="en-US" sz="2800">
+            <a:solidFill>
+              <a:schemeClr val="accent6">
+                <a:lumMod val="60000"/>
+                <a:lumOff val="40000"/>
+              </a:schemeClr>
+            </a:solidFill>
+            <a:latin typeface="微软雅黑" panose="020B0503020204020204" pitchFamily="34" charset="-122"/>
+            <a:ea typeface="微软雅黑" panose="020B0503020204020204" pitchFamily="34" charset="-122"/>
+          </a:endParaRPr>
+        </a:p>
+      </dgm:t>
+    </dgm:pt>
+    <dgm:pt modelId="{19643720-2B40-4681-B6AA-424E0E901AAB}">
+      <dgm:prSet phldrT="[文本]" custT="1"/>
+      <dgm:spPr/>
+      <dgm:t>
+        <a:bodyPr/>
+        <a:lstStyle/>
+        <a:p>
+          <a:pPr algn="l"/>
+          <a:r>
+            <a:rPr lang="en-US" altLang="zh-CN" sz="2800" dirty="0">
+              <a:solidFill>
+                <a:schemeClr val="accent6">
+                  <a:lumMod val="60000"/>
+                  <a:lumOff val="40000"/>
+                </a:schemeClr>
+              </a:solidFill>
+              <a:latin typeface="微软雅黑" panose="020B0503020204020204" pitchFamily="34" charset="-122"/>
+              <a:ea typeface="微软雅黑" panose="020B0503020204020204" pitchFamily="34" charset="-122"/>
+            </a:rPr>
+            <a:t>x.4 XAML Islands / PWA</a:t>
+          </a:r>
+          <a:endParaRPr lang="zh-CN" altLang="en-US" sz="2800" dirty="0">
+            <a:solidFill>
+              <a:schemeClr val="accent6">
+                <a:lumMod val="60000"/>
+                <a:lumOff val="40000"/>
+              </a:schemeClr>
+            </a:solidFill>
+            <a:latin typeface="微软雅黑" panose="020B0503020204020204" pitchFamily="34" charset="-122"/>
+            <a:ea typeface="微软雅黑" panose="020B0503020204020204" pitchFamily="34" charset="-122"/>
+          </a:endParaRPr>
+        </a:p>
+      </dgm:t>
+    </dgm:pt>
+    <dgm:pt modelId="{1397822D-B5D6-4C7A-B9A1-9207CFE945C4}" type="sibTrans" cxnId="{33A53B55-5868-4CCC-85AD-17C7FB71C2FC}">
+      <dgm:prSet/>
+      <dgm:spPr/>
+      <dgm:t>
+        <a:bodyPr/>
+        <a:lstStyle/>
+        <a:p>
+          <a:endParaRPr lang="zh-CN" altLang="en-US" sz="2800">
+            <a:solidFill>
+              <a:schemeClr val="accent6">
+                <a:lumMod val="60000"/>
+                <a:lumOff val="40000"/>
+              </a:schemeClr>
+            </a:solidFill>
+            <a:latin typeface="微软雅黑" panose="020B0503020204020204" pitchFamily="34" charset="-122"/>
+            <a:ea typeface="微软雅黑" panose="020B0503020204020204" pitchFamily="34" charset="-122"/>
+          </a:endParaRPr>
+        </a:p>
+      </dgm:t>
+    </dgm:pt>
+    <dgm:pt modelId="{06FC63D7-59F4-4FCF-BA3C-82CA82021EE0}" type="parTrans" cxnId="{33A53B55-5868-4CCC-85AD-17C7FB71C2FC}">
+      <dgm:prSet/>
+      <dgm:spPr/>
+      <dgm:t>
+        <a:bodyPr/>
+        <a:lstStyle/>
+        <a:p>
+          <a:endParaRPr lang="zh-CN" altLang="en-US" sz="2800">
+            <a:solidFill>
+              <a:schemeClr val="accent6">
+                <a:lumMod val="60000"/>
+                <a:lumOff val="40000"/>
+              </a:schemeClr>
+            </a:solidFill>
+            <a:latin typeface="微软雅黑" panose="020B0503020204020204" pitchFamily="34" charset="-122"/>
+            <a:ea typeface="微软雅黑" panose="020B0503020204020204" pitchFamily="34" charset="-122"/>
+          </a:endParaRPr>
+        </a:p>
+      </dgm:t>
+    </dgm:pt>
+    <dgm:pt modelId="{67E65F80-B749-4552-AFF6-AA62DB839F3C}">
+      <dgm:prSet phldrT="[文本]" custT="1"/>
+      <dgm:spPr/>
+      <dgm:t>
+        <a:bodyPr/>
+        <a:lstStyle/>
+        <a:p>
+          <a:pPr algn="l"/>
+          <a:r>
+            <a:rPr lang="en-US" altLang="zh-CN" sz="2800" dirty="0">
+              <a:solidFill>
+                <a:schemeClr val="accent6">
+                  <a:lumMod val="60000"/>
+                  <a:lumOff val="40000"/>
+                </a:schemeClr>
+              </a:solidFill>
+              <a:latin typeface="微软雅黑" panose="020B0503020204020204" pitchFamily="34" charset="-122"/>
+              <a:ea typeface="微软雅黑" panose="020B0503020204020204" pitchFamily="34" charset="-122"/>
+            </a:rPr>
+            <a:t>x.5 Fibers / Coroutine</a:t>
           </a:r>
           <a:endParaRPr lang="zh-CN" altLang="en-US" sz="2800" dirty="0">
             <a:solidFill>
@@ -2062,7 +3430,7 @@
               <a:latin typeface="微软雅黑" panose="020B0503020204020204" pitchFamily="34" charset="-122"/>
               <a:ea typeface="微软雅黑" panose="020B0503020204020204" pitchFamily="34" charset="-122"/>
             </a:rPr>
-            <a:t>x.4 XAML Islands</a:t>
+            <a:t>x.4 XAML Islands / PWA</a:t>
           </a:r>
           <a:endParaRPr lang="zh-CN" altLang="en-US" sz="2800" kern="1200" dirty="0">
             <a:solidFill>
@@ -2212,7 +3580,782 @@
               <a:latin typeface="微软雅黑" panose="020B0503020204020204" pitchFamily="34" charset="-122"/>
               <a:ea typeface="微软雅黑" panose="020B0503020204020204" pitchFamily="34" charset="-122"/>
             </a:rPr>
-            <a:t>x.5 PWA</a:t>
+            <a:t>x.5 Fibers / Coroutine</a:t>
+          </a:r>
+          <a:endParaRPr lang="zh-CN" altLang="en-US" sz="2800" kern="1200" dirty="0">
+            <a:solidFill>
+              <a:schemeClr val="accent6">
+                <a:lumMod val="60000"/>
+                <a:lumOff val="40000"/>
+              </a:schemeClr>
+            </a:solidFill>
+            <a:latin typeface="微软雅黑" panose="020B0503020204020204" pitchFamily="34" charset="-122"/>
+            <a:ea typeface="微软雅黑" panose="020B0503020204020204" pitchFamily="34" charset="-122"/>
+          </a:endParaRPr>
+        </a:p>
+      </dsp:txBody>
+      <dsp:txXfrm rot="10800000">
+        <a:off x="1819798" y="4384088"/>
+        <a:ext cx="5339168" cy="843687"/>
+      </dsp:txXfrm>
+    </dsp:sp>
+    <dsp:sp modelId="{FBC026BE-7CB9-4486-AAD6-ED1AA59A4D6B}">
+      <dsp:nvSpPr>
+        <dsp:cNvPr id="0" name=""/>
+        <dsp:cNvSpPr/>
+      </dsp:nvSpPr>
+      <dsp:spPr>
+        <a:xfrm>
+          <a:off x="1187033" y="4384088"/>
+          <a:ext cx="843687" cy="843687"/>
+        </a:xfrm>
+        <a:prstGeom prst="ellipse">
+          <a:avLst/>
+        </a:prstGeom>
+        <a:blipFill>
+          <a:blip xmlns:r="http://schemas.openxmlformats.org/officeDocument/2006/relationships" r:embed="rId1">
+            <a:extLst>
+              <a:ext uri="{28A0092B-C50C-407E-A947-70E740481C1C}">
+                <a14:useLocalDpi xmlns:a14="http://schemas.microsoft.com/office/drawing/2010/main" val="0"/>
+              </a:ext>
+            </a:extLst>
+          </a:blip>
+          <a:srcRect/>
+          <a:stretch>
+            <a:fillRect/>
+          </a:stretch>
+        </a:blipFill>
+        <a:ln w="12700" cap="flat" cmpd="sng" algn="ctr">
+          <a:solidFill>
+            <a:schemeClr val="lt1">
+              <a:hueOff val="0"/>
+              <a:satOff val="0"/>
+              <a:lumOff val="0"/>
+              <a:alphaOff val="0"/>
+            </a:schemeClr>
+          </a:solidFill>
+          <a:prstDash val="solid"/>
+          <a:miter lim="800000"/>
+        </a:ln>
+        <a:effectLst/>
+      </dsp:spPr>
+      <dsp:style>
+        <a:lnRef idx="2">
+          <a:scrgbClr r="0" g="0" b="0"/>
+        </a:lnRef>
+        <a:fillRef idx="1">
+          <a:scrgbClr r="0" g="0" b="0"/>
+        </a:fillRef>
+        <a:effectRef idx="0">
+          <a:scrgbClr r="0" g="0" b="0"/>
+        </a:effectRef>
+        <a:fontRef idx="minor"/>
+      </dsp:style>
+    </dsp:sp>
+  </dsp:spTree>
+</dsp:drawing>
+</file>
+
+<file path=ppt/diagrams/drawing2.xml><?xml version="1.0" encoding="utf-8"?>
+<dsp:drawing xmlns:dgm="http://schemas.openxmlformats.org/drawingml/2006/diagram" xmlns:dsp="http://schemas.microsoft.com/office/drawing/2008/diagram" xmlns:a="http://schemas.openxmlformats.org/drawingml/2006/main">
+  <dsp:spTree>
+    <dsp:nvGrpSpPr>
+      <dsp:cNvPr id="0" name=""/>
+      <dsp:cNvGrpSpPr/>
+    </dsp:nvGrpSpPr>
+    <dsp:grpSpPr/>
+    <dsp:sp modelId="{BDA9855D-7D78-437D-BD78-790FC97E081F}">
+      <dsp:nvSpPr>
+        <dsp:cNvPr id="0" name=""/>
+        <dsp:cNvSpPr/>
+      </dsp:nvSpPr>
+      <dsp:spPr>
+        <a:xfrm rot="10800000">
+          <a:off x="1608876" y="1949"/>
+          <a:ext cx="5550090" cy="843687"/>
+        </a:xfrm>
+        <a:prstGeom prst="homePlate">
+          <a:avLst/>
+        </a:prstGeom>
+        <a:solidFill>
+          <a:schemeClr val="accent1">
+            <a:hueOff val="0"/>
+            <a:satOff val="0"/>
+            <a:lumOff val="0"/>
+            <a:alphaOff val="0"/>
+          </a:schemeClr>
+        </a:solidFill>
+        <a:ln w="12700" cap="flat" cmpd="sng" algn="ctr">
+          <a:solidFill>
+            <a:schemeClr val="lt1">
+              <a:hueOff val="0"/>
+              <a:satOff val="0"/>
+              <a:lumOff val="0"/>
+              <a:alphaOff val="0"/>
+            </a:schemeClr>
+          </a:solidFill>
+          <a:prstDash val="solid"/>
+          <a:miter lim="800000"/>
+        </a:ln>
+        <a:effectLst/>
+      </dsp:spPr>
+      <dsp:style>
+        <a:lnRef idx="2">
+          <a:scrgbClr r="0" g="0" b="0"/>
+        </a:lnRef>
+        <a:fillRef idx="1">
+          <a:scrgbClr r="0" g="0" b="0"/>
+        </a:fillRef>
+        <a:effectRef idx="0">
+          <a:scrgbClr r="0" g="0" b="0"/>
+        </a:effectRef>
+        <a:fontRef idx="minor">
+          <a:schemeClr val="lt1"/>
+        </a:fontRef>
+      </dsp:style>
+      <dsp:txBody>
+        <a:bodyPr spcFirstLastPara="0" vert="horz" wrap="square" lIns="372043" tIns="106680" rIns="199136" bIns="106680" numCol="1" spcCol="1270" anchor="ctr" anchorCtr="0">
+          <a:noAutofit/>
+        </a:bodyPr>
+        <a:lstStyle/>
+        <a:p>
+          <a:pPr marL="0" lvl="0" indent="0" algn="l" defTabSz="1244600">
+            <a:lnSpc>
+              <a:spcPct val="90000"/>
+            </a:lnSpc>
+            <a:spcBef>
+              <a:spcPct val="0"/>
+            </a:spcBef>
+            <a:spcAft>
+              <a:spcPct val="35000"/>
+            </a:spcAft>
+            <a:buNone/>
+          </a:pPr>
+          <a:r>
+            <a:rPr lang="en-US" altLang="zh-CN" sz="2800" kern="1200" dirty="0">
+              <a:solidFill>
+                <a:schemeClr val="accent6">
+                  <a:lumMod val="60000"/>
+                  <a:lumOff val="40000"/>
+                </a:schemeClr>
+              </a:solidFill>
+              <a:latin typeface="微软雅黑" panose="020B0503020204020204" pitchFamily="34" charset="-122"/>
+              <a:ea typeface="微软雅黑" panose="020B0503020204020204" pitchFamily="34" charset="-122"/>
+            </a:rPr>
+            <a:t>x.1 RAII</a:t>
+          </a:r>
+          <a:endParaRPr lang="zh-CN" altLang="en-US" sz="2800" kern="1200" dirty="0">
+            <a:solidFill>
+              <a:schemeClr val="accent6">
+                <a:lumMod val="60000"/>
+                <a:lumOff val="40000"/>
+              </a:schemeClr>
+            </a:solidFill>
+            <a:latin typeface="微软雅黑" panose="020B0503020204020204" pitchFamily="34" charset="-122"/>
+            <a:ea typeface="微软雅黑" panose="020B0503020204020204" pitchFamily="34" charset="-122"/>
+          </a:endParaRPr>
+        </a:p>
+      </dsp:txBody>
+      <dsp:txXfrm rot="10800000">
+        <a:off x="1819798" y="1949"/>
+        <a:ext cx="5339168" cy="843687"/>
+      </dsp:txXfrm>
+    </dsp:sp>
+    <dsp:sp modelId="{083CB889-864A-48B4-A20B-3444EFBE5EE6}">
+      <dsp:nvSpPr>
+        <dsp:cNvPr id="0" name=""/>
+        <dsp:cNvSpPr/>
+      </dsp:nvSpPr>
+      <dsp:spPr>
+        <a:xfrm>
+          <a:off x="1187033" y="1949"/>
+          <a:ext cx="843687" cy="843687"/>
+        </a:xfrm>
+        <a:prstGeom prst="ellipse">
+          <a:avLst/>
+        </a:prstGeom>
+        <a:blipFill>
+          <a:blip xmlns:r="http://schemas.openxmlformats.org/officeDocument/2006/relationships" r:embed="rId1">
+            <a:extLst>
+              <a:ext uri="{28A0092B-C50C-407E-A947-70E740481C1C}">
+                <a14:useLocalDpi xmlns:a14="http://schemas.microsoft.com/office/drawing/2010/main" val="0"/>
+              </a:ext>
+            </a:extLst>
+          </a:blip>
+          <a:srcRect/>
+          <a:stretch>
+            <a:fillRect/>
+          </a:stretch>
+        </a:blipFill>
+        <a:ln w="12700" cap="flat" cmpd="sng" algn="ctr">
+          <a:solidFill>
+            <a:schemeClr val="lt1">
+              <a:hueOff val="0"/>
+              <a:satOff val="0"/>
+              <a:lumOff val="0"/>
+              <a:alphaOff val="0"/>
+            </a:schemeClr>
+          </a:solidFill>
+          <a:prstDash val="solid"/>
+          <a:miter lim="800000"/>
+        </a:ln>
+        <a:effectLst/>
+      </dsp:spPr>
+      <dsp:style>
+        <a:lnRef idx="2">
+          <a:scrgbClr r="0" g="0" b="0"/>
+        </a:lnRef>
+        <a:fillRef idx="1">
+          <a:scrgbClr r="0" g="0" b="0"/>
+        </a:fillRef>
+        <a:effectRef idx="0">
+          <a:scrgbClr r="0" g="0" b="0"/>
+        </a:effectRef>
+        <a:fontRef idx="minor"/>
+      </dsp:style>
+    </dsp:sp>
+    <dsp:sp modelId="{F907B27B-B246-4928-AC93-8A19B8E86AA6}">
+      <dsp:nvSpPr>
+        <dsp:cNvPr id="0" name=""/>
+        <dsp:cNvSpPr/>
+      </dsp:nvSpPr>
+      <dsp:spPr>
+        <a:xfrm rot="10800000">
+          <a:off x="1608876" y="1097483"/>
+          <a:ext cx="5550090" cy="843687"/>
+        </a:xfrm>
+        <a:prstGeom prst="homePlate">
+          <a:avLst/>
+        </a:prstGeom>
+        <a:solidFill>
+          <a:schemeClr val="accent1">
+            <a:hueOff val="0"/>
+            <a:satOff val="0"/>
+            <a:lumOff val="0"/>
+            <a:alphaOff val="0"/>
+          </a:schemeClr>
+        </a:solidFill>
+        <a:ln w="12700" cap="flat" cmpd="sng" algn="ctr">
+          <a:solidFill>
+            <a:schemeClr val="lt1">
+              <a:hueOff val="0"/>
+              <a:satOff val="0"/>
+              <a:lumOff val="0"/>
+              <a:alphaOff val="0"/>
+            </a:schemeClr>
+          </a:solidFill>
+          <a:prstDash val="solid"/>
+          <a:miter lim="800000"/>
+        </a:ln>
+        <a:effectLst/>
+      </dsp:spPr>
+      <dsp:style>
+        <a:lnRef idx="2">
+          <a:scrgbClr r="0" g="0" b="0"/>
+        </a:lnRef>
+        <a:fillRef idx="1">
+          <a:scrgbClr r="0" g="0" b="0"/>
+        </a:fillRef>
+        <a:effectRef idx="0">
+          <a:scrgbClr r="0" g="0" b="0"/>
+        </a:effectRef>
+        <a:fontRef idx="minor">
+          <a:schemeClr val="lt1"/>
+        </a:fontRef>
+      </dsp:style>
+      <dsp:txBody>
+        <a:bodyPr spcFirstLastPara="0" vert="horz" wrap="square" lIns="372043" tIns="106680" rIns="199136" bIns="106680" numCol="1" spcCol="1270" anchor="ctr" anchorCtr="0">
+          <a:noAutofit/>
+        </a:bodyPr>
+        <a:lstStyle/>
+        <a:p>
+          <a:pPr marL="0" lvl="0" indent="0" algn="l" defTabSz="1244600">
+            <a:lnSpc>
+              <a:spcPct val="90000"/>
+            </a:lnSpc>
+            <a:spcBef>
+              <a:spcPct val="0"/>
+            </a:spcBef>
+            <a:spcAft>
+              <a:spcPct val="35000"/>
+            </a:spcAft>
+            <a:buNone/>
+          </a:pPr>
+          <a:r>
+            <a:rPr lang="en-US" altLang="zh-CN" sz="2800" kern="1200" dirty="0">
+              <a:solidFill>
+                <a:schemeClr val="accent6">
+                  <a:lumMod val="60000"/>
+                  <a:lumOff val="40000"/>
+                </a:schemeClr>
+              </a:solidFill>
+              <a:latin typeface="微软雅黑" panose="020B0503020204020204" pitchFamily="34" charset="-122"/>
+              <a:ea typeface="微软雅黑" panose="020B0503020204020204" pitchFamily="34" charset="-122"/>
+            </a:rPr>
+            <a:t>x.2 </a:t>
+          </a:r>
+          <a:r>
+            <a:rPr lang="en-US" altLang="zh-CN" sz="2800" kern="1200" dirty="0" err="1">
+              <a:solidFill>
+                <a:schemeClr val="accent6">
+                  <a:lumMod val="60000"/>
+                  <a:lumOff val="40000"/>
+                </a:schemeClr>
+              </a:solidFill>
+              <a:latin typeface="微软雅黑" panose="020B0503020204020204" pitchFamily="34" charset="-122"/>
+              <a:ea typeface="微软雅黑" panose="020B0503020204020204" pitchFamily="34" charset="-122"/>
+            </a:rPr>
+            <a:t>PowerToys</a:t>
+          </a:r>
+          <a:endParaRPr lang="zh-CN" altLang="en-US" sz="2800" kern="1200" dirty="0">
+            <a:solidFill>
+              <a:schemeClr val="accent6">
+                <a:lumMod val="60000"/>
+                <a:lumOff val="40000"/>
+              </a:schemeClr>
+            </a:solidFill>
+            <a:latin typeface="微软雅黑" panose="020B0503020204020204" pitchFamily="34" charset="-122"/>
+            <a:ea typeface="微软雅黑" panose="020B0503020204020204" pitchFamily="34" charset="-122"/>
+          </a:endParaRPr>
+        </a:p>
+      </dsp:txBody>
+      <dsp:txXfrm rot="10800000">
+        <a:off x="1819798" y="1097483"/>
+        <a:ext cx="5339168" cy="843687"/>
+      </dsp:txXfrm>
+    </dsp:sp>
+    <dsp:sp modelId="{BDA2664F-D760-4676-988D-9DECE8C71CCC}">
+      <dsp:nvSpPr>
+        <dsp:cNvPr id="0" name=""/>
+        <dsp:cNvSpPr/>
+      </dsp:nvSpPr>
+      <dsp:spPr>
+        <a:xfrm>
+          <a:off x="1187033" y="1097483"/>
+          <a:ext cx="843687" cy="843687"/>
+        </a:xfrm>
+        <a:prstGeom prst="ellipse">
+          <a:avLst/>
+        </a:prstGeom>
+        <a:blipFill>
+          <a:blip xmlns:r="http://schemas.openxmlformats.org/officeDocument/2006/relationships" r:embed="rId1">
+            <a:extLst>
+              <a:ext uri="{28A0092B-C50C-407E-A947-70E740481C1C}">
+                <a14:useLocalDpi xmlns:a14="http://schemas.microsoft.com/office/drawing/2010/main" val="0"/>
+              </a:ext>
+            </a:extLst>
+          </a:blip>
+          <a:srcRect/>
+          <a:stretch>
+            <a:fillRect/>
+          </a:stretch>
+        </a:blipFill>
+        <a:ln w="12700" cap="flat" cmpd="sng" algn="ctr">
+          <a:solidFill>
+            <a:schemeClr val="lt1">
+              <a:hueOff val="0"/>
+              <a:satOff val="0"/>
+              <a:lumOff val="0"/>
+              <a:alphaOff val="0"/>
+            </a:schemeClr>
+          </a:solidFill>
+          <a:prstDash val="solid"/>
+          <a:miter lim="800000"/>
+        </a:ln>
+        <a:effectLst/>
+      </dsp:spPr>
+      <dsp:style>
+        <a:lnRef idx="2">
+          <a:scrgbClr r="0" g="0" b="0"/>
+        </a:lnRef>
+        <a:fillRef idx="1">
+          <a:scrgbClr r="0" g="0" b="0"/>
+        </a:fillRef>
+        <a:effectRef idx="0">
+          <a:scrgbClr r="0" g="0" b="0"/>
+        </a:effectRef>
+        <a:fontRef idx="minor"/>
+      </dsp:style>
+    </dsp:sp>
+    <dsp:sp modelId="{34905F94-283E-4E2E-B949-4A5102C3F22E}">
+      <dsp:nvSpPr>
+        <dsp:cNvPr id="0" name=""/>
+        <dsp:cNvSpPr/>
+      </dsp:nvSpPr>
+      <dsp:spPr>
+        <a:xfrm rot="10800000">
+          <a:off x="1608876" y="2193018"/>
+          <a:ext cx="5550090" cy="843687"/>
+        </a:xfrm>
+        <a:prstGeom prst="homePlate">
+          <a:avLst/>
+        </a:prstGeom>
+        <a:solidFill>
+          <a:schemeClr val="accent1">
+            <a:hueOff val="0"/>
+            <a:satOff val="0"/>
+            <a:lumOff val="0"/>
+            <a:alphaOff val="0"/>
+          </a:schemeClr>
+        </a:solidFill>
+        <a:ln w="12700" cap="flat" cmpd="sng" algn="ctr">
+          <a:solidFill>
+            <a:schemeClr val="lt1">
+              <a:hueOff val="0"/>
+              <a:satOff val="0"/>
+              <a:lumOff val="0"/>
+              <a:alphaOff val="0"/>
+            </a:schemeClr>
+          </a:solidFill>
+          <a:prstDash val="solid"/>
+          <a:miter lim="800000"/>
+        </a:ln>
+        <a:effectLst/>
+      </dsp:spPr>
+      <dsp:style>
+        <a:lnRef idx="2">
+          <a:scrgbClr r="0" g="0" b="0"/>
+        </a:lnRef>
+        <a:fillRef idx="1">
+          <a:scrgbClr r="0" g="0" b="0"/>
+        </a:fillRef>
+        <a:effectRef idx="0">
+          <a:scrgbClr r="0" g="0" b="0"/>
+        </a:effectRef>
+        <a:fontRef idx="minor">
+          <a:schemeClr val="lt1"/>
+        </a:fontRef>
+      </dsp:style>
+      <dsp:txBody>
+        <a:bodyPr spcFirstLastPara="0" vert="horz" wrap="square" lIns="372043" tIns="106680" rIns="199136" bIns="106680" numCol="1" spcCol="1270" anchor="ctr" anchorCtr="0">
+          <a:noAutofit/>
+        </a:bodyPr>
+        <a:lstStyle/>
+        <a:p>
+          <a:pPr marL="0" lvl="0" indent="0" algn="l" defTabSz="1244600">
+            <a:lnSpc>
+              <a:spcPct val="90000"/>
+            </a:lnSpc>
+            <a:spcBef>
+              <a:spcPct val="0"/>
+            </a:spcBef>
+            <a:spcAft>
+              <a:spcPct val="35000"/>
+            </a:spcAft>
+            <a:buNone/>
+          </a:pPr>
+          <a:r>
+            <a:rPr lang="en-US" altLang="zh-CN" sz="2800" kern="1200" dirty="0">
+              <a:solidFill>
+                <a:schemeClr val="accent6">
+                  <a:lumMod val="60000"/>
+                  <a:lumOff val="40000"/>
+                </a:schemeClr>
+              </a:solidFill>
+              <a:latin typeface="微软雅黑" panose="020B0503020204020204" pitchFamily="34" charset="-122"/>
+              <a:ea typeface="微软雅黑" panose="020B0503020204020204" pitchFamily="34" charset="-122"/>
+            </a:rPr>
+            <a:t>x.3 coding style</a:t>
+          </a:r>
+          <a:endParaRPr lang="zh-CN" altLang="en-US" sz="2800" kern="1200" dirty="0">
+            <a:solidFill>
+              <a:schemeClr val="accent6">
+                <a:lumMod val="60000"/>
+                <a:lumOff val="40000"/>
+              </a:schemeClr>
+            </a:solidFill>
+            <a:latin typeface="微软雅黑" panose="020B0503020204020204" pitchFamily="34" charset="-122"/>
+            <a:ea typeface="微软雅黑" panose="020B0503020204020204" pitchFamily="34" charset="-122"/>
+          </a:endParaRPr>
+        </a:p>
+      </dsp:txBody>
+      <dsp:txXfrm rot="10800000">
+        <a:off x="1819798" y="2193018"/>
+        <a:ext cx="5339168" cy="843687"/>
+      </dsp:txXfrm>
+    </dsp:sp>
+    <dsp:sp modelId="{7FE62E54-E85F-4DBB-997F-689B5CDFD62D}">
+      <dsp:nvSpPr>
+        <dsp:cNvPr id="0" name=""/>
+        <dsp:cNvSpPr/>
+      </dsp:nvSpPr>
+      <dsp:spPr>
+        <a:xfrm>
+          <a:off x="1187033" y="2193018"/>
+          <a:ext cx="843687" cy="843687"/>
+        </a:xfrm>
+        <a:prstGeom prst="ellipse">
+          <a:avLst/>
+        </a:prstGeom>
+        <a:blipFill>
+          <a:blip xmlns:r="http://schemas.openxmlformats.org/officeDocument/2006/relationships" r:embed="rId1">
+            <a:extLst>
+              <a:ext uri="{28A0092B-C50C-407E-A947-70E740481C1C}">
+                <a14:useLocalDpi xmlns:a14="http://schemas.microsoft.com/office/drawing/2010/main" val="0"/>
+              </a:ext>
+            </a:extLst>
+          </a:blip>
+          <a:srcRect/>
+          <a:stretch>
+            <a:fillRect/>
+          </a:stretch>
+        </a:blipFill>
+        <a:ln w="12700" cap="flat" cmpd="sng" algn="ctr">
+          <a:solidFill>
+            <a:schemeClr val="lt1">
+              <a:hueOff val="0"/>
+              <a:satOff val="0"/>
+              <a:lumOff val="0"/>
+              <a:alphaOff val="0"/>
+            </a:schemeClr>
+          </a:solidFill>
+          <a:prstDash val="solid"/>
+          <a:miter lim="800000"/>
+        </a:ln>
+        <a:effectLst/>
+      </dsp:spPr>
+      <dsp:style>
+        <a:lnRef idx="2">
+          <a:scrgbClr r="0" g="0" b="0"/>
+        </a:lnRef>
+        <a:fillRef idx="1">
+          <a:scrgbClr r="0" g="0" b="0"/>
+        </a:fillRef>
+        <a:effectRef idx="0">
+          <a:scrgbClr r="0" g="0" b="0"/>
+        </a:effectRef>
+        <a:fontRef idx="minor"/>
+      </dsp:style>
+    </dsp:sp>
+    <dsp:sp modelId="{4A90FFE2-DE88-4B0D-886D-0593F18265A5}">
+      <dsp:nvSpPr>
+        <dsp:cNvPr id="0" name=""/>
+        <dsp:cNvSpPr/>
+      </dsp:nvSpPr>
+      <dsp:spPr>
+        <a:xfrm rot="10800000">
+          <a:off x="1608876" y="3288553"/>
+          <a:ext cx="5550090" cy="843687"/>
+        </a:xfrm>
+        <a:prstGeom prst="homePlate">
+          <a:avLst/>
+        </a:prstGeom>
+        <a:solidFill>
+          <a:schemeClr val="accent1">
+            <a:hueOff val="0"/>
+            <a:satOff val="0"/>
+            <a:lumOff val="0"/>
+            <a:alphaOff val="0"/>
+          </a:schemeClr>
+        </a:solidFill>
+        <a:ln w="12700" cap="flat" cmpd="sng" algn="ctr">
+          <a:solidFill>
+            <a:schemeClr val="lt1">
+              <a:hueOff val="0"/>
+              <a:satOff val="0"/>
+              <a:lumOff val="0"/>
+              <a:alphaOff val="0"/>
+            </a:schemeClr>
+          </a:solidFill>
+          <a:prstDash val="solid"/>
+          <a:miter lim="800000"/>
+        </a:ln>
+        <a:effectLst/>
+      </dsp:spPr>
+      <dsp:style>
+        <a:lnRef idx="2">
+          <a:scrgbClr r="0" g="0" b="0"/>
+        </a:lnRef>
+        <a:fillRef idx="1">
+          <a:scrgbClr r="0" g="0" b="0"/>
+        </a:fillRef>
+        <a:effectRef idx="0">
+          <a:scrgbClr r="0" g="0" b="0"/>
+        </a:effectRef>
+        <a:fontRef idx="minor">
+          <a:schemeClr val="lt1"/>
+        </a:fontRef>
+      </dsp:style>
+      <dsp:txBody>
+        <a:bodyPr spcFirstLastPara="0" vert="horz" wrap="square" lIns="372043" tIns="106680" rIns="199136" bIns="106680" numCol="1" spcCol="1270" anchor="ctr" anchorCtr="0">
+          <a:noAutofit/>
+        </a:bodyPr>
+        <a:lstStyle/>
+        <a:p>
+          <a:pPr marL="0" lvl="0" indent="0" algn="l" defTabSz="1244600">
+            <a:lnSpc>
+              <a:spcPct val="90000"/>
+            </a:lnSpc>
+            <a:spcBef>
+              <a:spcPct val="0"/>
+            </a:spcBef>
+            <a:spcAft>
+              <a:spcPct val="35000"/>
+            </a:spcAft>
+            <a:buNone/>
+          </a:pPr>
+          <a:r>
+            <a:rPr lang="en-US" altLang="zh-CN" sz="2800" kern="1200" dirty="0">
+              <a:solidFill>
+                <a:schemeClr val="accent6">
+                  <a:lumMod val="60000"/>
+                  <a:lumOff val="40000"/>
+                </a:schemeClr>
+              </a:solidFill>
+              <a:latin typeface="微软雅黑" panose="020B0503020204020204" pitchFamily="34" charset="-122"/>
+              <a:ea typeface="微软雅黑" panose="020B0503020204020204" pitchFamily="34" charset="-122"/>
+            </a:rPr>
+            <a:t>x.4 XAML Islands / PWA</a:t>
+          </a:r>
+          <a:endParaRPr lang="zh-CN" altLang="en-US" sz="2800" kern="1200" dirty="0">
+            <a:solidFill>
+              <a:schemeClr val="accent6">
+                <a:lumMod val="60000"/>
+                <a:lumOff val="40000"/>
+              </a:schemeClr>
+            </a:solidFill>
+            <a:latin typeface="微软雅黑" panose="020B0503020204020204" pitchFamily="34" charset="-122"/>
+            <a:ea typeface="微软雅黑" panose="020B0503020204020204" pitchFamily="34" charset="-122"/>
+          </a:endParaRPr>
+        </a:p>
+      </dsp:txBody>
+      <dsp:txXfrm rot="10800000">
+        <a:off x="1819798" y="3288553"/>
+        <a:ext cx="5339168" cy="843687"/>
+      </dsp:txXfrm>
+    </dsp:sp>
+    <dsp:sp modelId="{9D48952A-8DE3-45EB-8CB6-5152C3B3C507}">
+      <dsp:nvSpPr>
+        <dsp:cNvPr id="0" name=""/>
+        <dsp:cNvSpPr/>
+      </dsp:nvSpPr>
+      <dsp:spPr>
+        <a:xfrm>
+          <a:off x="1187033" y="3288553"/>
+          <a:ext cx="843687" cy="843687"/>
+        </a:xfrm>
+        <a:prstGeom prst="ellipse">
+          <a:avLst/>
+        </a:prstGeom>
+        <a:blipFill>
+          <a:blip xmlns:r="http://schemas.openxmlformats.org/officeDocument/2006/relationships" r:embed="rId1">
+            <a:extLst>
+              <a:ext uri="{28A0092B-C50C-407E-A947-70E740481C1C}">
+                <a14:useLocalDpi xmlns:a14="http://schemas.microsoft.com/office/drawing/2010/main" val="0"/>
+              </a:ext>
+            </a:extLst>
+          </a:blip>
+          <a:srcRect/>
+          <a:stretch>
+            <a:fillRect/>
+          </a:stretch>
+        </a:blipFill>
+        <a:ln w="12700" cap="flat" cmpd="sng" algn="ctr">
+          <a:solidFill>
+            <a:schemeClr val="lt1">
+              <a:hueOff val="0"/>
+              <a:satOff val="0"/>
+              <a:lumOff val="0"/>
+              <a:alphaOff val="0"/>
+            </a:schemeClr>
+          </a:solidFill>
+          <a:prstDash val="solid"/>
+          <a:miter lim="800000"/>
+        </a:ln>
+        <a:effectLst/>
+      </dsp:spPr>
+      <dsp:style>
+        <a:lnRef idx="2">
+          <a:scrgbClr r="0" g="0" b="0"/>
+        </a:lnRef>
+        <a:fillRef idx="1">
+          <a:scrgbClr r="0" g="0" b="0"/>
+        </a:fillRef>
+        <a:effectRef idx="0">
+          <a:scrgbClr r="0" g="0" b="0"/>
+        </a:effectRef>
+        <a:fontRef idx="minor"/>
+      </dsp:style>
+    </dsp:sp>
+    <dsp:sp modelId="{E8B453A4-10D1-497E-82A0-9CF5B372D781}">
+      <dsp:nvSpPr>
+        <dsp:cNvPr id="0" name=""/>
+        <dsp:cNvSpPr/>
+      </dsp:nvSpPr>
+      <dsp:spPr>
+        <a:xfrm rot="10800000">
+          <a:off x="1608876" y="4384088"/>
+          <a:ext cx="5550090" cy="843687"/>
+        </a:xfrm>
+        <a:prstGeom prst="homePlate">
+          <a:avLst/>
+        </a:prstGeom>
+        <a:solidFill>
+          <a:schemeClr val="accent1">
+            <a:hueOff val="0"/>
+            <a:satOff val="0"/>
+            <a:lumOff val="0"/>
+            <a:alphaOff val="0"/>
+          </a:schemeClr>
+        </a:solidFill>
+        <a:ln w="12700" cap="flat" cmpd="sng" algn="ctr">
+          <a:solidFill>
+            <a:schemeClr val="lt1">
+              <a:hueOff val="0"/>
+              <a:satOff val="0"/>
+              <a:lumOff val="0"/>
+              <a:alphaOff val="0"/>
+            </a:schemeClr>
+          </a:solidFill>
+          <a:prstDash val="solid"/>
+          <a:miter lim="800000"/>
+        </a:ln>
+        <a:effectLst/>
+      </dsp:spPr>
+      <dsp:style>
+        <a:lnRef idx="2">
+          <a:scrgbClr r="0" g="0" b="0"/>
+        </a:lnRef>
+        <a:fillRef idx="1">
+          <a:scrgbClr r="0" g="0" b="0"/>
+        </a:fillRef>
+        <a:effectRef idx="0">
+          <a:scrgbClr r="0" g="0" b="0"/>
+        </a:effectRef>
+        <a:fontRef idx="minor">
+          <a:schemeClr val="lt1"/>
+        </a:fontRef>
+      </dsp:style>
+      <dsp:txBody>
+        <a:bodyPr spcFirstLastPara="0" vert="horz" wrap="square" lIns="372043" tIns="106680" rIns="199136" bIns="106680" numCol="1" spcCol="1270" anchor="ctr" anchorCtr="0">
+          <a:noAutofit/>
+        </a:bodyPr>
+        <a:lstStyle/>
+        <a:p>
+          <a:pPr marL="0" lvl="0" indent="0" algn="l" defTabSz="1244600">
+            <a:lnSpc>
+              <a:spcPct val="90000"/>
+            </a:lnSpc>
+            <a:spcBef>
+              <a:spcPct val="0"/>
+            </a:spcBef>
+            <a:spcAft>
+              <a:spcPct val="35000"/>
+            </a:spcAft>
+            <a:buNone/>
+          </a:pPr>
+          <a:r>
+            <a:rPr lang="en-US" altLang="zh-CN" sz="2800" kern="1200" dirty="0">
+              <a:solidFill>
+                <a:schemeClr val="accent6">
+                  <a:lumMod val="60000"/>
+                  <a:lumOff val="40000"/>
+                </a:schemeClr>
+              </a:solidFill>
+              <a:latin typeface="微软雅黑" panose="020B0503020204020204" pitchFamily="34" charset="-122"/>
+              <a:ea typeface="微软雅黑" panose="020B0503020204020204" pitchFamily="34" charset="-122"/>
+            </a:rPr>
+            <a:t>x.5 Fibers / Coroutine</a:t>
           </a:r>
           <a:endParaRPr lang="zh-CN" altLang="en-US" sz="2800" kern="1200" dirty="0">
             <a:solidFill>
@@ -2289,6 +4432,169 @@
 </file>
 
 <file path=ppt/diagrams/layout1.xml><?xml version="1.0" encoding="utf-8"?>
+<dgm:layoutDef xmlns:dgm="http://schemas.openxmlformats.org/drawingml/2006/diagram" xmlns:a="http://schemas.openxmlformats.org/drawingml/2006/main" uniqueId="urn:microsoft.com/office/officeart/2005/8/layout/vList3">
+  <dgm:title val=""/>
+  <dgm:desc val=""/>
+  <dgm:catLst>
+    <dgm:cat type="list" pri="14000"/>
+    <dgm:cat type="convert" pri="3000"/>
+    <dgm:cat type="picture" pri="27000"/>
+    <dgm:cat type="pictureconvert" pri="27000"/>
+  </dgm:catLst>
+  <dgm:sampData useDef="1">
+    <dgm:dataModel>
+      <dgm:ptLst/>
+      <dgm:bg/>
+      <dgm:whole/>
+    </dgm:dataModel>
+  </dgm:sampData>
+  <dgm:styleData>
+    <dgm:dataModel>
+      <dgm:ptLst>
+        <dgm:pt modelId="0" type="doc"/>
+        <dgm:pt modelId="1"/>
+        <dgm:pt modelId="2"/>
+      </dgm:ptLst>
+      <dgm:cxnLst>
+        <dgm:cxn modelId="3" srcId="0" destId="1" srcOrd="0" destOrd="0"/>
+        <dgm:cxn modelId="4" srcId="0" destId="2" srcOrd="1" destOrd="0"/>
+      </dgm:cxnLst>
+      <dgm:bg/>
+      <dgm:whole/>
+    </dgm:dataModel>
+  </dgm:styleData>
+  <dgm:clrData>
+    <dgm:dataModel>
+      <dgm:ptLst>
+        <dgm:pt modelId="0" type="doc"/>
+        <dgm:pt modelId="1"/>
+        <dgm:pt modelId="2"/>
+        <dgm:pt modelId="3"/>
+        <dgm:pt modelId="4"/>
+      </dgm:ptLst>
+      <dgm:cxnLst>
+        <dgm:cxn modelId="5" srcId="0" destId="1" srcOrd="0" destOrd="0"/>
+        <dgm:cxn modelId="6" srcId="0" destId="2" srcOrd="1" destOrd="0"/>
+        <dgm:cxn modelId="7" srcId="0" destId="3" srcOrd="2" destOrd="0"/>
+        <dgm:cxn modelId="8" srcId="0" destId="4" srcOrd="3" destOrd="0"/>
+      </dgm:cxnLst>
+      <dgm:bg/>
+      <dgm:whole/>
+    </dgm:dataModel>
+  </dgm:clrData>
+  <dgm:layoutNode name="linearFlow">
+    <dgm:varLst>
+      <dgm:dir/>
+      <dgm:resizeHandles val="exact"/>
+    </dgm:varLst>
+    <dgm:alg type="lin">
+      <dgm:param type="linDir" val="fromT"/>
+      <dgm:param type="vertAlign" val="mid"/>
+      <dgm:param type="horzAlign" val="ctr"/>
+    </dgm:alg>
+    <dgm:shape xmlns:r="http://schemas.openxmlformats.org/officeDocument/2006/relationships" r:blip="">
+      <dgm:adjLst/>
+    </dgm:shape>
+    <dgm:presOf/>
+    <dgm:constrLst>
+      <dgm:constr type="w" for="ch" forName="composite" refType="w"/>
+      <dgm:constr type="h" for="ch" forName="composite" refType="h"/>
+      <dgm:constr type="h" for="ch" forName="spacing" refType="h" refFor="ch" refForName="composite" fact="0.25"/>
+      <dgm:constr type="h" for="ch" forName="spacing" refType="w" op="lte" fact="0.1"/>
+      <dgm:constr type="primFontSz" for="des" ptType="node" op="equ" val="65"/>
+    </dgm:constrLst>
+    <dgm:ruleLst/>
+    <dgm:forEach name="Name0" axis="ch" ptType="node">
+      <dgm:layoutNode name="composite">
+        <dgm:alg type="composite"/>
+        <dgm:shape xmlns:r="http://schemas.openxmlformats.org/officeDocument/2006/relationships" r:blip="">
+          <dgm:adjLst/>
+        </dgm:shape>
+        <dgm:presOf/>
+        <dgm:choose name="Name1">
+          <dgm:if name="Name2" func="var" arg="dir" op="equ" val="norm">
+            <dgm:constrLst>
+              <dgm:constr type="w" for="ch" forName="imgShp" refType="w" fact="0.335"/>
+              <dgm:constr type="h" for="ch" forName="imgShp" refType="w" refFor="ch" refForName="imgShp" op="equ"/>
+              <dgm:constr type="h" for="ch" forName="imgShp" refType="h" op="lte"/>
+              <dgm:constr type="ctrY" for="ch" forName="imgShp" refType="h" fact="0.5"/>
+              <dgm:constr type="l" for="ch" forName="imgShp"/>
+              <dgm:constr type="w" for="ch" forName="txShp" refType="w" op="equ" fact="0.665"/>
+              <dgm:constr type="h" for="ch" forName="txShp" refType="h" refFor="ch" refForName="imgShp" op="equ"/>
+              <dgm:constr type="ctrY" for="ch" forName="txShp" refType="h" fact="0.5"/>
+              <dgm:constr type="l" for="ch" forName="txShp" refType="w" refFor="ch" refForName="imgShp" fact="0.5"/>
+              <dgm:constr type="lMarg" for="ch" forName="txShp" refType="w" refFor="ch" refForName="imgShp" fact="1.25"/>
+            </dgm:constrLst>
+          </dgm:if>
+          <dgm:else name="Name3">
+            <dgm:constrLst>
+              <dgm:constr type="w" for="ch" forName="imgShp" refType="w" fact="0.335"/>
+              <dgm:constr type="h" for="ch" forName="imgShp" refType="w" refFor="ch" refForName="imgShp" op="equ"/>
+              <dgm:constr type="h" for="ch" forName="imgShp" refType="h" op="lte"/>
+              <dgm:constr type="ctrY" for="ch" forName="imgShp" refType="h" fact="0.5"/>
+              <dgm:constr type="r" for="ch" forName="imgShp" refType="w"/>
+              <dgm:constr type="w" for="ch" forName="txShp" refType="w" op="equ" fact="0.665"/>
+              <dgm:constr type="h" for="ch" forName="txShp" refType="h" refFor="ch" refForName="imgShp" op="equ"/>
+              <dgm:constr type="ctrY" for="ch" forName="txShp" refType="h" fact="0.5"/>
+              <dgm:constr type="r" for="ch" forName="txShp" refType="ctrX" refFor="ch" refForName="imgShp"/>
+              <dgm:constr type="rMarg" for="ch" forName="txShp" refType="w" refFor="ch" refForName="imgShp" fact="1.25"/>
+            </dgm:constrLst>
+          </dgm:else>
+        </dgm:choose>
+        <dgm:ruleLst/>
+        <dgm:layoutNode name="imgShp" styleLbl="fgImgPlace1">
+          <dgm:alg type="sp"/>
+          <dgm:shape xmlns:r="http://schemas.openxmlformats.org/officeDocument/2006/relationships" type="ellipse" r:blip="" blipPhldr="1">
+            <dgm:adjLst/>
+          </dgm:shape>
+          <dgm:presOf/>
+          <dgm:constrLst/>
+          <dgm:ruleLst/>
+        </dgm:layoutNode>
+        <dgm:layoutNode name="txShp">
+          <dgm:varLst>
+            <dgm:bulletEnabled val="1"/>
+          </dgm:varLst>
+          <dgm:alg type="tx"/>
+          <dgm:choose name="Name4">
+            <dgm:if name="Name5" func="var" arg="dir" op="equ" val="norm">
+              <dgm:shape xmlns:r="http://schemas.openxmlformats.org/officeDocument/2006/relationships" rot="180" type="homePlate" r:blip="" zOrderOff="-1">
+                <dgm:adjLst/>
+              </dgm:shape>
+            </dgm:if>
+            <dgm:else name="Name6">
+              <dgm:shape xmlns:r="http://schemas.openxmlformats.org/officeDocument/2006/relationships" type="homePlate" r:blip="" zOrderOff="-1">
+                <dgm:adjLst/>
+              </dgm:shape>
+            </dgm:else>
+          </dgm:choose>
+          <dgm:presOf axis="desOrSelf" ptType="node"/>
+          <dgm:constrLst>
+            <dgm:constr type="tMarg" refType="primFontSz" fact="0.3"/>
+            <dgm:constr type="bMarg" refType="primFontSz" fact="0.3"/>
+          </dgm:constrLst>
+          <dgm:ruleLst>
+            <dgm:rule type="primFontSz" val="5" fact="NaN" max="NaN"/>
+          </dgm:ruleLst>
+        </dgm:layoutNode>
+      </dgm:layoutNode>
+      <dgm:forEach name="Name7" axis="followSib" ptType="sibTrans" cnt="1">
+        <dgm:layoutNode name="spacing">
+          <dgm:alg type="sp"/>
+          <dgm:shape xmlns:r="http://schemas.openxmlformats.org/officeDocument/2006/relationships" r:blip="">
+            <dgm:adjLst/>
+          </dgm:shape>
+          <dgm:presOf axis="self"/>
+          <dgm:constrLst/>
+          <dgm:ruleLst/>
+        </dgm:layoutNode>
+      </dgm:forEach>
+    </dgm:forEach>
+  </dgm:layoutNode>
+</dgm:layoutDef>
+</file>
+
+<file path=ppt/diagrams/layout2.xml><?xml version="1.0" encoding="utf-8"?>
 <dgm:layoutDef xmlns:dgm="http://schemas.openxmlformats.org/drawingml/2006/diagram" xmlns:a="http://schemas.openxmlformats.org/drawingml/2006/main" uniqueId="urn:microsoft.com/office/officeart/2005/8/layout/vList3">
   <dgm:title val=""/>
   <dgm:desc val=""/>
@@ -3485,6 +5791,1040 @@
 </dgm:styleDef>
 </file>
 
+<file path=ppt/diagrams/quickStyle2.xml><?xml version="1.0" encoding="utf-8"?>
+<dgm:styleDef xmlns:dgm="http://schemas.openxmlformats.org/drawingml/2006/diagram" xmlns:a="http://schemas.openxmlformats.org/drawingml/2006/main" uniqueId="urn:microsoft.com/office/officeart/2005/8/quickstyle/simple1">
+  <dgm:title val=""/>
+  <dgm:desc val=""/>
+  <dgm:catLst>
+    <dgm:cat type="simple" pri="10100"/>
+  </dgm:catLst>
+  <dgm:scene3d>
+    <a:camera prst="orthographicFront"/>
+    <a:lightRig rig="threePt" dir="t"/>
+  </dgm:scene3d>
+  <dgm:styleLbl name="node0">
+    <dgm:scene3d>
+      <a:camera prst="orthographicFront"/>
+      <a:lightRig rig="threePt" dir="t"/>
+    </dgm:scene3d>
+    <dgm:sp3d/>
+    <dgm:txPr/>
+    <dgm:style>
+      <a:lnRef idx="2">
+        <a:scrgbClr r="0" g="0" b="0"/>
+      </a:lnRef>
+      <a:fillRef idx="1">
+        <a:scrgbClr r="0" g="0" b="0"/>
+      </a:fillRef>
+      <a:effectRef idx="0">
+        <a:scrgbClr r="0" g="0" b="0"/>
+      </a:effectRef>
+      <a:fontRef idx="minor">
+        <a:schemeClr val="lt1"/>
+      </a:fontRef>
+    </dgm:style>
+  </dgm:styleLbl>
+  <dgm:styleLbl name="lnNode1">
+    <dgm:scene3d>
+      <a:camera prst="orthographicFront"/>
+      <a:lightRig rig="threePt" dir="t"/>
+    </dgm:scene3d>
+    <dgm:sp3d/>
+    <dgm:txPr/>
+    <dgm:style>
+      <a:lnRef idx="2">
+        <a:scrgbClr r="0" g="0" b="0"/>
+      </a:lnRef>
+      <a:fillRef idx="1">
+        <a:scrgbClr r="0" g="0" b="0"/>
+      </a:fillRef>
+      <a:effectRef idx="0">
+        <a:scrgbClr r="0" g="0" b="0"/>
+      </a:effectRef>
+      <a:fontRef idx="minor">
+        <a:schemeClr val="lt1"/>
+      </a:fontRef>
+    </dgm:style>
+  </dgm:styleLbl>
+  <dgm:styleLbl name="vennNode1">
+    <dgm:scene3d>
+      <a:camera prst="orthographicFront"/>
+      <a:lightRig rig="threePt" dir="t"/>
+    </dgm:scene3d>
+    <dgm:sp3d/>
+    <dgm:txPr/>
+    <dgm:style>
+      <a:lnRef idx="2">
+        <a:scrgbClr r="0" g="0" b="0"/>
+      </a:lnRef>
+      <a:fillRef idx="1">
+        <a:scrgbClr r="0" g="0" b="0"/>
+      </a:fillRef>
+      <a:effectRef idx="0">
+        <a:scrgbClr r="0" g="0" b="0"/>
+      </a:effectRef>
+      <a:fontRef idx="minor">
+        <a:schemeClr val="tx1"/>
+      </a:fontRef>
+    </dgm:style>
+  </dgm:styleLbl>
+  <dgm:styleLbl name="alignNode1">
+    <dgm:scene3d>
+      <a:camera prst="orthographicFront"/>
+      <a:lightRig rig="threePt" dir="t"/>
+    </dgm:scene3d>
+    <dgm:sp3d/>
+    <dgm:txPr/>
+    <dgm:style>
+      <a:lnRef idx="2">
+        <a:scrgbClr r="0" g="0" b="0"/>
+      </a:lnRef>
+      <a:fillRef idx="1">
+        <a:scrgbClr r="0" g="0" b="0"/>
+      </a:fillRef>
+      <a:effectRef idx="0">
+        <a:scrgbClr r="0" g="0" b="0"/>
+      </a:effectRef>
+      <a:fontRef idx="minor">
+        <a:schemeClr val="lt1"/>
+      </a:fontRef>
+    </dgm:style>
+  </dgm:styleLbl>
+  <dgm:styleLbl name="node1">
+    <dgm:scene3d>
+      <a:camera prst="orthographicFront"/>
+      <a:lightRig rig="threePt" dir="t"/>
+    </dgm:scene3d>
+    <dgm:sp3d/>
+    <dgm:txPr/>
+    <dgm:style>
+      <a:lnRef idx="2">
+        <a:scrgbClr r="0" g="0" b="0"/>
+      </a:lnRef>
+      <a:fillRef idx="1">
+        <a:scrgbClr r="0" g="0" b="0"/>
+      </a:fillRef>
+      <a:effectRef idx="0">
+        <a:scrgbClr r="0" g="0" b="0"/>
+      </a:effectRef>
+      <a:fontRef idx="minor">
+        <a:schemeClr val="lt1"/>
+      </a:fontRef>
+    </dgm:style>
+  </dgm:styleLbl>
+  <dgm:styleLbl name="node2">
+    <dgm:scene3d>
+      <a:camera prst="orthographicFront"/>
+      <a:lightRig rig="threePt" dir="t"/>
+    </dgm:scene3d>
+    <dgm:sp3d/>
+    <dgm:txPr/>
+    <dgm:style>
+      <a:lnRef idx="2">
+        <a:scrgbClr r="0" g="0" b="0"/>
+      </a:lnRef>
+      <a:fillRef idx="1">
+        <a:scrgbClr r="0" g="0" b="0"/>
+      </a:fillRef>
+      <a:effectRef idx="0">
+        <a:scrgbClr r="0" g="0" b="0"/>
+      </a:effectRef>
+      <a:fontRef idx="minor">
+        <a:schemeClr val="lt1"/>
+      </a:fontRef>
+    </dgm:style>
+  </dgm:styleLbl>
+  <dgm:styleLbl name="node3">
+    <dgm:scene3d>
+      <a:camera prst="orthographicFront"/>
+      <a:lightRig rig="threePt" dir="t"/>
+    </dgm:scene3d>
+    <dgm:sp3d/>
+    <dgm:txPr/>
+    <dgm:style>
+      <a:lnRef idx="2">
+        <a:scrgbClr r="0" g="0" b="0"/>
+      </a:lnRef>
+      <a:fillRef idx="1">
+        <a:scrgbClr r="0" g="0" b="0"/>
+      </a:fillRef>
+      <a:effectRef idx="0">
+        <a:scrgbClr r="0" g="0" b="0"/>
+      </a:effectRef>
+      <a:fontRef idx="minor">
+        <a:schemeClr val="lt1"/>
+      </a:fontRef>
+    </dgm:style>
+  </dgm:styleLbl>
+  <dgm:styleLbl name="node4">
+    <dgm:scene3d>
+      <a:camera prst="orthographicFront"/>
+      <a:lightRig rig="threePt" dir="t"/>
+    </dgm:scene3d>
+    <dgm:sp3d/>
+    <dgm:txPr/>
+    <dgm:style>
+      <a:lnRef idx="2">
+        <a:scrgbClr r="0" g="0" b="0"/>
+      </a:lnRef>
+      <a:fillRef idx="1">
+        <a:scrgbClr r="0" g="0" b="0"/>
+      </a:fillRef>
+      <a:effectRef idx="0">
+        <a:scrgbClr r="0" g="0" b="0"/>
+      </a:effectRef>
+      <a:fontRef idx="minor">
+        <a:schemeClr val="lt1"/>
+      </a:fontRef>
+    </dgm:style>
+  </dgm:styleLbl>
+  <dgm:styleLbl name="fgImgPlace1">
+    <dgm:scene3d>
+      <a:camera prst="orthographicFront"/>
+      <a:lightRig rig="threePt" dir="t"/>
+    </dgm:scene3d>
+    <dgm:sp3d/>
+    <dgm:txPr/>
+    <dgm:style>
+      <a:lnRef idx="2">
+        <a:scrgbClr r="0" g="0" b="0"/>
+      </a:lnRef>
+      <a:fillRef idx="1">
+        <a:scrgbClr r="0" g="0" b="0"/>
+      </a:fillRef>
+      <a:effectRef idx="0">
+        <a:scrgbClr r="0" g="0" b="0"/>
+      </a:effectRef>
+      <a:fontRef idx="minor"/>
+    </dgm:style>
+  </dgm:styleLbl>
+  <dgm:styleLbl name="alignImgPlace1">
+    <dgm:scene3d>
+      <a:camera prst="orthographicFront"/>
+      <a:lightRig rig="threePt" dir="t"/>
+    </dgm:scene3d>
+    <dgm:sp3d/>
+    <dgm:txPr/>
+    <dgm:style>
+      <a:lnRef idx="2">
+        <a:scrgbClr r="0" g="0" b="0"/>
+      </a:lnRef>
+      <a:fillRef idx="1">
+        <a:scrgbClr r="0" g="0" b="0"/>
+      </a:fillRef>
+      <a:effectRef idx="0">
+        <a:scrgbClr r="0" g="0" b="0"/>
+      </a:effectRef>
+      <a:fontRef idx="minor"/>
+    </dgm:style>
+  </dgm:styleLbl>
+  <dgm:styleLbl name="bgImgPlace1">
+    <dgm:scene3d>
+      <a:camera prst="orthographicFront"/>
+      <a:lightRig rig="threePt" dir="t"/>
+    </dgm:scene3d>
+    <dgm:sp3d/>
+    <dgm:txPr/>
+    <dgm:style>
+      <a:lnRef idx="2">
+        <a:scrgbClr r="0" g="0" b="0"/>
+      </a:lnRef>
+      <a:fillRef idx="1">
+        <a:scrgbClr r="0" g="0" b="0"/>
+      </a:fillRef>
+      <a:effectRef idx="0">
+        <a:scrgbClr r="0" g="0" b="0"/>
+      </a:effectRef>
+      <a:fontRef idx="minor"/>
+    </dgm:style>
+  </dgm:styleLbl>
+  <dgm:styleLbl name="sibTrans2D1">
+    <dgm:scene3d>
+      <a:camera prst="orthographicFront"/>
+      <a:lightRig rig="threePt" dir="t"/>
+    </dgm:scene3d>
+    <dgm:sp3d/>
+    <dgm:txPr/>
+    <dgm:style>
+      <a:lnRef idx="0">
+        <a:scrgbClr r="0" g="0" b="0"/>
+      </a:lnRef>
+      <a:fillRef idx="1">
+        <a:scrgbClr r="0" g="0" b="0"/>
+      </a:fillRef>
+      <a:effectRef idx="0">
+        <a:scrgbClr r="0" g="0" b="0"/>
+      </a:effectRef>
+      <a:fontRef idx="minor">
+        <a:schemeClr val="lt1"/>
+      </a:fontRef>
+    </dgm:style>
+  </dgm:styleLbl>
+  <dgm:styleLbl name="fgSibTrans2D1">
+    <dgm:scene3d>
+      <a:camera prst="orthographicFront"/>
+      <a:lightRig rig="threePt" dir="t"/>
+    </dgm:scene3d>
+    <dgm:sp3d/>
+    <dgm:txPr/>
+    <dgm:style>
+      <a:lnRef idx="0">
+        <a:scrgbClr r="0" g="0" b="0"/>
+      </a:lnRef>
+      <a:fillRef idx="1">
+        <a:scrgbClr r="0" g="0" b="0"/>
+      </a:fillRef>
+      <a:effectRef idx="0">
+        <a:scrgbClr r="0" g="0" b="0"/>
+      </a:effectRef>
+      <a:fontRef idx="minor">
+        <a:schemeClr val="lt1"/>
+      </a:fontRef>
+    </dgm:style>
+  </dgm:styleLbl>
+  <dgm:styleLbl name="bgSibTrans2D1">
+    <dgm:scene3d>
+      <a:camera prst="orthographicFront"/>
+      <a:lightRig rig="threePt" dir="t"/>
+    </dgm:scene3d>
+    <dgm:sp3d/>
+    <dgm:txPr/>
+    <dgm:style>
+      <a:lnRef idx="0">
+        <a:scrgbClr r="0" g="0" b="0"/>
+      </a:lnRef>
+      <a:fillRef idx="1">
+        <a:scrgbClr r="0" g="0" b="0"/>
+      </a:fillRef>
+      <a:effectRef idx="0">
+        <a:scrgbClr r="0" g="0" b="0"/>
+      </a:effectRef>
+      <a:fontRef idx="minor">
+        <a:schemeClr val="lt1"/>
+      </a:fontRef>
+    </dgm:style>
+  </dgm:styleLbl>
+  <dgm:styleLbl name="sibTrans1D1">
+    <dgm:scene3d>
+      <a:camera prst="orthographicFront"/>
+      <a:lightRig rig="threePt" dir="t"/>
+    </dgm:scene3d>
+    <dgm:sp3d/>
+    <dgm:txPr/>
+    <dgm:style>
+      <a:lnRef idx="1">
+        <a:scrgbClr r="0" g="0" b="0"/>
+      </a:lnRef>
+      <a:fillRef idx="0">
+        <a:scrgbClr r="0" g="0" b="0"/>
+      </a:fillRef>
+      <a:effectRef idx="0">
+        <a:scrgbClr r="0" g="0" b="0"/>
+      </a:effectRef>
+      <a:fontRef idx="minor"/>
+    </dgm:style>
+  </dgm:styleLbl>
+  <dgm:styleLbl name="callout">
+    <dgm:scene3d>
+      <a:camera prst="orthographicFront"/>
+      <a:lightRig rig="threePt" dir="t"/>
+    </dgm:scene3d>
+    <dgm:sp3d/>
+    <dgm:txPr/>
+    <dgm:style>
+      <a:lnRef idx="2">
+        <a:scrgbClr r="0" g="0" b="0"/>
+      </a:lnRef>
+      <a:fillRef idx="1">
+        <a:scrgbClr r="0" g="0" b="0"/>
+      </a:fillRef>
+      <a:effectRef idx="0">
+        <a:scrgbClr r="0" g="0" b="0"/>
+      </a:effectRef>
+      <a:fontRef idx="minor"/>
+    </dgm:style>
+  </dgm:styleLbl>
+  <dgm:styleLbl name="asst0">
+    <dgm:scene3d>
+      <a:camera prst="orthographicFront"/>
+      <a:lightRig rig="threePt" dir="t"/>
+    </dgm:scene3d>
+    <dgm:sp3d/>
+    <dgm:txPr/>
+    <dgm:style>
+      <a:lnRef idx="2">
+        <a:scrgbClr r="0" g="0" b="0"/>
+      </a:lnRef>
+      <a:fillRef idx="1">
+        <a:scrgbClr r="0" g="0" b="0"/>
+      </a:fillRef>
+      <a:effectRef idx="0">
+        <a:scrgbClr r="0" g="0" b="0"/>
+      </a:effectRef>
+      <a:fontRef idx="minor">
+        <a:schemeClr val="lt1"/>
+      </a:fontRef>
+    </dgm:style>
+  </dgm:styleLbl>
+  <dgm:styleLbl name="asst1">
+    <dgm:scene3d>
+      <a:camera prst="orthographicFront"/>
+      <a:lightRig rig="threePt" dir="t"/>
+    </dgm:scene3d>
+    <dgm:sp3d/>
+    <dgm:txPr/>
+    <dgm:style>
+      <a:lnRef idx="2">
+        <a:scrgbClr r="0" g="0" b="0"/>
+      </a:lnRef>
+      <a:fillRef idx="1">
+        <a:scrgbClr r="0" g="0" b="0"/>
+      </a:fillRef>
+      <a:effectRef idx="0">
+        <a:scrgbClr r="0" g="0" b="0"/>
+      </a:effectRef>
+      <a:fontRef idx="minor">
+        <a:schemeClr val="lt1"/>
+      </a:fontRef>
+    </dgm:style>
+  </dgm:styleLbl>
+  <dgm:styleLbl name="asst2">
+    <dgm:scene3d>
+      <a:camera prst="orthographicFront"/>
+      <a:lightRig rig="threePt" dir="t"/>
+    </dgm:scene3d>
+    <dgm:sp3d/>
+    <dgm:txPr/>
+    <dgm:style>
+      <a:lnRef idx="2">
+        <a:scrgbClr r="0" g="0" b="0"/>
+      </a:lnRef>
+      <a:fillRef idx="1">
+        <a:scrgbClr r="0" g="0" b="0"/>
+      </a:fillRef>
+      <a:effectRef idx="0">
+        <a:scrgbClr r="0" g="0" b="0"/>
+      </a:effectRef>
+      <a:fontRef idx="minor">
+        <a:schemeClr val="lt1"/>
+      </a:fontRef>
+    </dgm:style>
+  </dgm:styleLbl>
+  <dgm:styleLbl name="asst3">
+    <dgm:scene3d>
+      <a:camera prst="orthographicFront"/>
+      <a:lightRig rig="threePt" dir="t"/>
+    </dgm:scene3d>
+    <dgm:sp3d/>
+    <dgm:txPr/>
+    <dgm:style>
+      <a:lnRef idx="2">
+        <a:scrgbClr r="0" g="0" b="0"/>
+      </a:lnRef>
+      <a:fillRef idx="1">
+        <a:scrgbClr r="0" g="0" b="0"/>
+      </a:fillRef>
+      <a:effectRef idx="0">
+        <a:scrgbClr r="0" g="0" b="0"/>
+      </a:effectRef>
+      <a:fontRef idx="minor">
+        <a:schemeClr val="lt1"/>
+      </a:fontRef>
+    </dgm:style>
+  </dgm:styleLbl>
+  <dgm:styleLbl name="asst4">
+    <dgm:scene3d>
+      <a:camera prst="orthographicFront"/>
+      <a:lightRig rig="threePt" dir="t"/>
+    </dgm:scene3d>
+    <dgm:sp3d/>
+    <dgm:txPr/>
+    <dgm:style>
+      <a:lnRef idx="2">
+        <a:scrgbClr r="0" g="0" b="0"/>
+      </a:lnRef>
+      <a:fillRef idx="1">
+        <a:scrgbClr r="0" g="0" b="0"/>
+      </a:fillRef>
+      <a:effectRef idx="0">
+        <a:scrgbClr r="0" g="0" b="0"/>
+      </a:effectRef>
+      <a:fontRef idx="minor">
+        <a:schemeClr val="lt1"/>
+      </a:fontRef>
+    </dgm:style>
+  </dgm:styleLbl>
+  <dgm:styleLbl name="parChTrans2D1">
+    <dgm:scene3d>
+      <a:camera prst="orthographicFront"/>
+      <a:lightRig rig="threePt" dir="t"/>
+    </dgm:scene3d>
+    <dgm:sp3d/>
+    <dgm:txPr/>
+    <dgm:style>
+      <a:lnRef idx="2">
+        <a:scrgbClr r="0" g="0" b="0"/>
+      </a:lnRef>
+      <a:fillRef idx="1">
+        <a:scrgbClr r="0" g="0" b="0"/>
+      </a:fillRef>
+      <a:effectRef idx="0">
+        <a:scrgbClr r="0" g="0" b="0"/>
+      </a:effectRef>
+      <a:fontRef idx="minor">
+        <a:schemeClr val="lt1"/>
+      </a:fontRef>
+    </dgm:style>
+  </dgm:styleLbl>
+  <dgm:styleLbl name="parChTrans2D2">
+    <dgm:scene3d>
+      <a:camera prst="orthographicFront"/>
+      <a:lightRig rig="threePt" dir="t"/>
+    </dgm:scene3d>
+    <dgm:sp3d/>
+    <dgm:txPr/>
+    <dgm:style>
+      <a:lnRef idx="2">
+        <a:scrgbClr r="0" g="0" b="0"/>
+      </a:lnRef>
+      <a:fillRef idx="1">
+        <a:scrgbClr r="0" g="0" b="0"/>
+      </a:fillRef>
+      <a:effectRef idx="0">
+        <a:scrgbClr r="0" g="0" b="0"/>
+      </a:effectRef>
+      <a:fontRef idx="minor">
+        <a:schemeClr val="lt1"/>
+      </a:fontRef>
+    </dgm:style>
+  </dgm:styleLbl>
+  <dgm:styleLbl name="parChTrans2D3">
+    <dgm:scene3d>
+      <a:camera prst="orthographicFront"/>
+      <a:lightRig rig="threePt" dir="t"/>
+    </dgm:scene3d>
+    <dgm:sp3d/>
+    <dgm:txPr/>
+    <dgm:style>
+      <a:lnRef idx="2">
+        <a:scrgbClr r="0" g="0" b="0"/>
+      </a:lnRef>
+      <a:fillRef idx="1">
+        <a:scrgbClr r="0" g="0" b="0"/>
+      </a:fillRef>
+      <a:effectRef idx="0">
+        <a:scrgbClr r="0" g="0" b="0"/>
+      </a:effectRef>
+      <a:fontRef idx="minor">
+        <a:schemeClr val="lt1"/>
+      </a:fontRef>
+    </dgm:style>
+  </dgm:styleLbl>
+  <dgm:styleLbl name="parChTrans2D4">
+    <dgm:scene3d>
+      <a:camera prst="orthographicFront"/>
+      <a:lightRig rig="threePt" dir="t"/>
+    </dgm:scene3d>
+    <dgm:sp3d/>
+    <dgm:txPr/>
+    <dgm:style>
+      <a:lnRef idx="2">
+        <a:scrgbClr r="0" g="0" b="0"/>
+      </a:lnRef>
+      <a:fillRef idx="1">
+        <a:scrgbClr r="0" g="0" b="0"/>
+      </a:fillRef>
+      <a:effectRef idx="0">
+        <a:scrgbClr r="0" g="0" b="0"/>
+      </a:effectRef>
+      <a:fontRef idx="minor">
+        <a:schemeClr val="lt1"/>
+      </a:fontRef>
+    </dgm:style>
+  </dgm:styleLbl>
+  <dgm:styleLbl name="parChTrans1D1">
+    <dgm:scene3d>
+      <a:camera prst="orthographicFront"/>
+      <a:lightRig rig="threePt" dir="t"/>
+    </dgm:scene3d>
+    <dgm:sp3d/>
+    <dgm:txPr/>
+    <dgm:style>
+      <a:lnRef idx="2">
+        <a:scrgbClr r="0" g="0" b="0"/>
+      </a:lnRef>
+      <a:fillRef idx="0">
+        <a:scrgbClr r="0" g="0" b="0"/>
+      </a:fillRef>
+      <a:effectRef idx="0">
+        <a:scrgbClr r="0" g="0" b="0"/>
+      </a:effectRef>
+      <a:fontRef idx="minor"/>
+    </dgm:style>
+  </dgm:styleLbl>
+  <dgm:styleLbl name="parChTrans1D2">
+    <dgm:scene3d>
+      <a:camera prst="orthographicFront"/>
+      <a:lightRig rig="threePt" dir="t"/>
+    </dgm:scene3d>
+    <dgm:sp3d/>
+    <dgm:txPr/>
+    <dgm:style>
+      <a:lnRef idx="2">
+        <a:scrgbClr r="0" g="0" b="0"/>
+      </a:lnRef>
+      <a:fillRef idx="0">
+        <a:scrgbClr r="0" g="0" b="0"/>
+      </a:fillRef>
+      <a:effectRef idx="0">
+        <a:scrgbClr r="0" g="0" b="0"/>
+      </a:effectRef>
+      <a:fontRef idx="minor"/>
+    </dgm:style>
+  </dgm:styleLbl>
+  <dgm:styleLbl name="parChTrans1D3">
+    <dgm:scene3d>
+      <a:camera prst="orthographicFront"/>
+      <a:lightRig rig="threePt" dir="t"/>
+    </dgm:scene3d>
+    <dgm:sp3d/>
+    <dgm:txPr/>
+    <dgm:style>
+      <a:lnRef idx="2">
+        <a:scrgbClr r="0" g="0" b="0"/>
+      </a:lnRef>
+      <a:fillRef idx="0">
+        <a:scrgbClr r="0" g="0" b="0"/>
+      </a:fillRef>
+      <a:effectRef idx="0">
+        <a:scrgbClr r="0" g="0" b="0"/>
+      </a:effectRef>
+      <a:fontRef idx="minor"/>
+    </dgm:style>
+  </dgm:styleLbl>
+  <dgm:styleLbl name="parChTrans1D4">
+    <dgm:scene3d>
+      <a:camera prst="orthographicFront"/>
+      <a:lightRig rig="threePt" dir="t"/>
+    </dgm:scene3d>
+    <dgm:sp3d/>
+    <dgm:txPr/>
+    <dgm:style>
+      <a:lnRef idx="2">
+        <a:scrgbClr r="0" g="0" b="0"/>
+      </a:lnRef>
+      <a:fillRef idx="0">
+        <a:scrgbClr r="0" g="0" b="0"/>
+      </a:fillRef>
+      <a:effectRef idx="0">
+        <a:scrgbClr r="0" g="0" b="0"/>
+      </a:effectRef>
+      <a:fontRef idx="minor"/>
+    </dgm:style>
+  </dgm:styleLbl>
+  <dgm:styleLbl name="fgAcc1">
+    <dgm:scene3d>
+      <a:camera prst="orthographicFront"/>
+      <a:lightRig rig="threePt" dir="t"/>
+    </dgm:scene3d>
+    <dgm:sp3d/>
+    <dgm:txPr/>
+    <dgm:style>
+      <a:lnRef idx="2">
+        <a:scrgbClr r="0" g="0" b="0"/>
+      </a:lnRef>
+      <a:fillRef idx="1">
+        <a:scrgbClr r="0" g="0" b="0"/>
+      </a:fillRef>
+      <a:effectRef idx="0">
+        <a:scrgbClr r="0" g="0" b="0"/>
+      </a:effectRef>
+      <a:fontRef idx="minor"/>
+    </dgm:style>
+  </dgm:styleLbl>
+  <dgm:styleLbl name="conFgAcc1">
+    <dgm:scene3d>
+      <a:camera prst="orthographicFront"/>
+      <a:lightRig rig="threePt" dir="t"/>
+    </dgm:scene3d>
+    <dgm:sp3d/>
+    <dgm:txPr/>
+    <dgm:style>
+      <a:lnRef idx="2">
+        <a:scrgbClr r="0" g="0" b="0"/>
+      </a:lnRef>
+      <a:fillRef idx="1">
+        <a:scrgbClr r="0" g="0" b="0"/>
+      </a:fillRef>
+      <a:effectRef idx="0">
+        <a:scrgbClr r="0" g="0" b="0"/>
+      </a:effectRef>
+      <a:fontRef idx="minor"/>
+    </dgm:style>
+  </dgm:styleLbl>
+  <dgm:styleLbl name="alignAcc1">
+    <dgm:scene3d>
+      <a:camera prst="orthographicFront"/>
+      <a:lightRig rig="threePt" dir="t"/>
+    </dgm:scene3d>
+    <dgm:sp3d/>
+    <dgm:txPr/>
+    <dgm:style>
+      <a:lnRef idx="2">
+        <a:scrgbClr r="0" g="0" b="0"/>
+      </a:lnRef>
+      <a:fillRef idx="1">
+        <a:scrgbClr r="0" g="0" b="0"/>
+      </a:fillRef>
+      <a:effectRef idx="0">
+        <a:scrgbClr r="0" g="0" b="0"/>
+      </a:effectRef>
+      <a:fontRef idx="minor"/>
+    </dgm:style>
+  </dgm:styleLbl>
+  <dgm:styleLbl name="trAlignAcc1">
+    <dgm:scene3d>
+      <a:camera prst="orthographicFront"/>
+      <a:lightRig rig="threePt" dir="t"/>
+    </dgm:scene3d>
+    <dgm:sp3d/>
+    <dgm:txPr/>
+    <dgm:style>
+      <a:lnRef idx="1">
+        <a:scrgbClr r="0" g="0" b="0"/>
+      </a:lnRef>
+      <a:fillRef idx="1">
+        <a:scrgbClr r="0" g="0" b="0"/>
+      </a:fillRef>
+      <a:effectRef idx="0">
+        <a:scrgbClr r="0" g="0" b="0"/>
+      </a:effectRef>
+      <a:fontRef idx="minor"/>
+    </dgm:style>
+  </dgm:styleLbl>
+  <dgm:styleLbl name="bgAcc1">
+    <dgm:scene3d>
+      <a:camera prst="orthographicFront"/>
+      <a:lightRig rig="threePt" dir="t"/>
+    </dgm:scene3d>
+    <dgm:sp3d/>
+    <dgm:txPr/>
+    <dgm:style>
+      <a:lnRef idx="2">
+        <a:scrgbClr r="0" g="0" b="0"/>
+      </a:lnRef>
+      <a:fillRef idx="1">
+        <a:scrgbClr r="0" g="0" b="0"/>
+      </a:fillRef>
+      <a:effectRef idx="0">
+        <a:scrgbClr r="0" g="0" b="0"/>
+      </a:effectRef>
+      <a:fontRef idx="minor"/>
+    </dgm:style>
+  </dgm:styleLbl>
+  <dgm:styleLbl name="solidFgAcc1">
+    <dgm:scene3d>
+      <a:camera prst="orthographicFront"/>
+      <a:lightRig rig="threePt" dir="t"/>
+    </dgm:scene3d>
+    <dgm:sp3d/>
+    <dgm:txPr/>
+    <dgm:style>
+      <a:lnRef idx="2">
+        <a:scrgbClr r="0" g="0" b="0"/>
+      </a:lnRef>
+      <a:fillRef idx="1">
+        <a:scrgbClr r="0" g="0" b="0"/>
+      </a:fillRef>
+      <a:effectRef idx="0">
+        <a:scrgbClr r="0" g="0" b="0"/>
+      </a:effectRef>
+      <a:fontRef idx="minor"/>
+    </dgm:style>
+  </dgm:styleLbl>
+  <dgm:styleLbl name="solidAlignAcc1">
+    <dgm:scene3d>
+      <a:camera prst="orthographicFront"/>
+      <a:lightRig rig="threePt" dir="t"/>
+    </dgm:scene3d>
+    <dgm:sp3d/>
+    <dgm:txPr/>
+    <dgm:style>
+      <a:lnRef idx="2">
+        <a:scrgbClr r="0" g="0" b="0"/>
+      </a:lnRef>
+      <a:fillRef idx="1">
+        <a:scrgbClr r="0" g="0" b="0"/>
+      </a:fillRef>
+      <a:effectRef idx="0">
+        <a:scrgbClr r="0" g="0" b="0"/>
+      </a:effectRef>
+      <a:fontRef idx="minor"/>
+    </dgm:style>
+  </dgm:styleLbl>
+  <dgm:styleLbl name="solidBgAcc1">
+    <dgm:scene3d>
+      <a:camera prst="orthographicFront"/>
+      <a:lightRig rig="threePt" dir="t"/>
+    </dgm:scene3d>
+    <dgm:sp3d/>
+    <dgm:txPr/>
+    <dgm:style>
+      <a:lnRef idx="2">
+        <a:scrgbClr r="0" g="0" b="0"/>
+      </a:lnRef>
+      <a:fillRef idx="1">
+        <a:scrgbClr r="0" g="0" b="0"/>
+      </a:fillRef>
+      <a:effectRef idx="0">
+        <a:scrgbClr r="0" g="0" b="0"/>
+      </a:effectRef>
+      <a:fontRef idx="minor"/>
+    </dgm:style>
+  </dgm:styleLbl>
+  <dgm:styleLbl name="fgAccFollowNode1">
+    <dgm:scene3d>
+      <a:camera prst="orthographicFront"/>
+      <a:lightRig rig="threePt" dir="t"/>
+    </dgm:scene3d>
+    <dgm:sp3d/>
+    <dgm:txPr/>
+    <dgm:style>
+      <a:lnRef idx="2">
+        <a:scrgbClr r="0" g="0" b="0"/>
+      </a:lnRef>
+      <a:fillRef idx="1">
+        <a:scrgbClr r="0" g="0" b="0"/>
+      </a:fillRef>
+      <a:effectRef idx="0">
+        <a:scrgbClr r="0" g="0" b="0"/>
+      </a:effectRef>
+      <a:fontRef idx="minor"/>
+    </dgm:style>
+  </dgm:styleLbl>
+  <dgm:styleLbl name="alignAccFollowNode1">
+    <dgm:scene3d>
+      <a:camera prst="orthographicFront"/>
+      <a:lightRig rig="threePt" dir="t"/>
+    </dgm:scene3d>
+    <dgm:sp3d/>
+    <dgm:txPr/>
+    <dgm:style>
+      <a:lnRef idx="2">
+        <a:scrgbClr r="0" g="0" b="0"/>
+      </a:lnRef>
+      <a:fillRef idx="1">
+        <a:scrgbClr r="0" g="0" b="0"/>
+      </a:fillRef>
+      <a:effectRef idx="0">
+        <a:scrgbClr r="0" g="0" b="0"/>
+      </a:effectRef>
+      <a:fontRef idx="minor"/>
+    </dgm:style>
+  </dgm:styleLbl>
+  <dgm:styleLbl name="bgAccFollowNode1">
+    <dgm:scene3d>
+      <a:camera prst="orthographicFront"/>
+      <a:lightRig rig="threePt" dir="t"/>
+    </dgm:scene3d>
+    <dgm:sp3d/>
+    <dgm:txPr/>
+    <dgm:style>
+      <a:lnRef idx="2">
+        <a:scrgbClr r="0" g="0" b="0"/>
+      </a:lnRef>
+      <a:fillRef idx="1">
+        <a:scrgbClr r="0" g="0" b="0"/>
+      </a:fillRef>
+      <a:effectRef idx="0">
+        <a:scrgbClr r="0" g="0" b="0"/>
+      </a:effectRef>
+      <a:fontRef idx="minor"/>
+    </dgm:style>
+  </dgm:styleLbl>
+  <dgm:styleLbl name="fgAcc0">
+    <dgm:scene3d>
+      <a:camera prst="orthographicFront"/>
+      <a:lightRig rig="threePt" dir="t"/>
+    </dgm:scene3d>
+    <dgm:sp3d/>
+    <dgm:txPr/>
+    <dgm:style>
+      <a:lnRef idx="2">
+        <a:scrgbClr r="0" g="0" b="0"/>
+      </a:lnRef>
+      <a:fillRef idx="1">
+        <a:scrgbClr r="0" g="0" b="0"/>
+      </a:fillRef>
+      <a:effectRef idx="0">
+        <a:scrgbClr r="0" g="0" b="0"/>
+      </a:effectRef>
+      <a:fontRef idx="minor"/>
+    </dgm:style>
+  </dgm:styleLbl>
+  <dgm:styleLbl name="fgAcc2">
+    <dgm:scene3d>
+      <a:camera prst="orthographicFront"/>
+      <a:lightRig rig="threePt" dir="t"/>
+    </dgm:scene3d>
+    <dgm:sp3d/>
+    <dgm:txPr/>
+    <dgm:style>
+      <a:lnRef idx="2">
+        <a:scrgbClr r="0" g="0" b="0"/>
+      </a:lnRef>
+      <a:fillRef idx="1">
+        <a:scrgbClr r="0" g="0" b="0"/>
+      </a:fillRef>
+      <a:effectRef idx="0">
+        <a:scrgbClr r="0" g="0" b="0"/>
+      </a:effectRef>
+      <a:fontRef idx="minor"/>
+    </dgm:style>
+  </dgm:styleLbl>
+  <dgm:styleLbl name="fgAcc3">
+    <dgm:scene3d>
+      <a:camera prst="orthographicFront"/>
+      <a:lightRig rig="threePt" dir="t"/>
+    </dgm:scene3d>
+    <dgm:sp3d/>
+    <dgm:txPr/>
+    <dgm:style>
+      <a:lnRef idx="2">
+        <a:scrgbClr r="0" g="0" b="0"/>
+      </a:lnRef>
+      <a:fillRef idx="1">
+        <a:scrgbClr r="0" g="0" b="0"/>
+      </a:fillRef>
+      <a:effectRef idx="0">
+        <a:scrgbClr r="0" g="0" b="0"/>
+      </a:effectRef>
+      <a:fontRef idx="minor"/>
+    </dgm:style>
+  </dgm:styleLbl>
+  <dgm:styleLbl name="fgAcc4">
+    <dgm:scene3d>
+      <a:camera prst="orthographicFront"/>
+      <a:lightRig rig="threePt" dir="t"/>
+    </dgm:scene3d>
+    <dgm:sp3d/>
+    <dgm:txPr/>
+    <dgm:style>
+      <a:lnRef idx="2">
+        <a:scrgbClr r="0" g="0" b="0"/>
+      </a:lnRef>
+      <a:fillRef idx="1">
+        <a:scrgbClr r="0" g="0" b="0"/>
+      </a:fillRef>
+      <a:effectRef idx="0">
+        <a:scrgbClr r="0" g="0" b="0"/>
+      </a:effectRef>
+      <a:fontRef idx="minor"/>
+    </dgm:style>
+  </dgm:styleLbl>
+  <dgm:styleLbl name="bgShp">
+    <dgm:scene3d>
+      <a:camera prst="orthographicFront"/>
+      <a:lightRig rig="threePt" dir="t"/>
+    </dgm:scene3d>
+    <dgm:sp3d/>
+    <dgm:txPr/>
+    <dgm:style>
+      <a:lnRef idx="0">
+        <a:scrgbClr r="0" g="0" b="0"/>
+      </a:lnRef>
+      <a:fillRef idx="1">
+        <a:scrgbClr r="0" g="0" b="0"/>
+      </a:fillRef>
+      <a:effectRef idx="0">
+        <a:scrgbClr r="0" g="0" b="0"/>
+      </a:effectRef>
+      <a:fontRef idx="minor"/>
+    </dgm:style>
+  </dgm:styleLbl>
+  <dgm:styleLbl name="dkBgShp">
+    <dgm:scene3d>
+      <a:camera prst="orthographicFront"/>
+      <a:lightRig rig="threePt" dir="t"/>
+    </dgm:scene3d>
+    <dgm:sp3d/>
+    <dgm:txPr/>
+    <dgm:style>
+      <a:lnRef idx="0">
+        <a:scrgbClr r="0" g="0" b="0"/>
+      </a:lnRef>
+      <a:fillRef idx="1">
+        <a:scrgbClr r="0" g="0" b="0"/>
+      </a:fillRef>
+      <a:effectRef idx="0">
+        <a:scrgbClr r="0" g="0" b="0"/>
+      </a:effectRef>
+      <a:fontRef idx="minor"/>
+    </dgm:style>
+  </dgm:styleLbl>
+  <dgm:styleLbl name="trBgShp">
+    <dgm:scene3d>
+      <a:camera prst="orthographicFront"/>
+      <a:lightRig rig="threePt" dir="t"/>
+    </dgm:scene3d>
+    <dgm:sp3d/>
+    <dgm:txPr/>
+    <dgm:style>
+      <a:lnRef idx="0">
+        <a:scrgbClr r="0" g="0" b="0"/>
+      </a:lnRef>
+      <a:fillRef idx="1">
+        <a:scrgbClr r="0" g="0" b="0"/>
+      </a:fillRef>
+      <a:effectRef idx="0">
+        <a:scrgbClr r="0" g="0" b="0"/>
+      </a:effectRef>
+      <a:fontRef idx="minor"/>
+    </dgm:style>
+  </dgm:styleLbl>
+  <dgm:styleLbl name="fgShp">
+    <dgm:scene3d>
+      <a:camera prst="orthographicFront"/>
+      <a:lightRig rig="threePt" dir="t"/>
+    </dgm:scene3d>
+    <dgm:sp3d/>
+    <dgm:txPr/>
+    <dgm:style>
+      <a:lnRef idx="2">
+        <a:scrgbClr r="0" g="0" b="0"/>
+      </a:lnRef>
+      <a:fillRef idx="1">
+        <a:scrgbClr r="0" g="0" b="0"/>
+      </a:fillRef>
+      <a:effectRef idx="0">
+        <a:scrgbClr r="0" g="0" b="0"/>
+      </a:effectRef>
+      <a:fontRef idx="minor"/>
+    </dgm:style>
+  </dgm:styleLbl>
+  <dgm:styleLbl name="revTx">
+    <dgm:scene3d>
+      <a:camera prst="orthographicFront"/>
+      <a:lightRig rig="threePt" dir="t"/>
+    </dgm:scene3d>
+    <dgm:sp3d/>
+    <dgm:txPr/>
+    <dgm:style>
+      <a:lnRef idx="0">
+        <a:scrgbClr r="0" g="0" b="0"/>
+      </a:lnRef>
+      <a:fillRef idx="0">
+        <a:scrgbClr r="0" g="0" b="0"/>
+      </a:fillRef>
+      <a:effectRef idx="0">
+        <a:scrgbClr r="0" g="0" b="0"/>
+      </a:effectRef>
+      <a:fontRef idx="minor"/>
+    </dgm:style>
+  </dgm:styleLbl>
+</dgm:styleDef>
+</file>
+
 <file path=ppt/notesMasters/notesMaster1.xml><?xml version="1.0" encoding="utf-8"?>
 <p:notesMaster xmlns:a="http://schemas.openxmlformats.org/drawingml/2006/main" xmlns:r="http://schemas.openxmlformats.org/officeDocument/2006/relationships" xmlns:p="http://schemas.openxmlformats.org/presentationml/2006/main">
   <p:cSld>
@@ -3567,7 +6907,7 @@
           <a:p>
             <a:fld id="{62B690D2-9F6C-4A40-B045-5871089CDE7B}" type="datetimeFigureOut">
               <a:rPr lang="zh-CN" altLang="en-US" smtClean="0"/>
-              <a:t>2021/8/30</a:t>
+              <a:t>2021/9/29</a:t>
             </a:fld>
             <a:endParaRPr lang="zh-CN" altLang="en-US"/>
           </a:p>
@@ -4526,6 +7866,407 @@
 </p:notes>
 </file>
 
+<file path=ppt/notesSlides/notesSlide17.xml><?xml version="1.0" encoding="utf-8"?>
+<p:notes xmlns:a="http://schemas.openxmlformats.org/drawingml/2006/main" xmlns:r="http://schemas.openxmlformats.org/officeDocument/2006/relationships" xmlns:p="http://schemas.openxmlformats.org/presentationml/2006/main">
+  <p:cSld>
+    <p:spTree>
+      <p:nvGrpSpPr>
+        <p:cNvPr id="1" name=""/>
+        <p:cNvGrpSpPr/>
+        <p:nvPr/>
+      </p:nvGrpSpPr>
+      <p:grpSpPr>
+        <a:xfrm>
+          <a:off x="0" y="0"/>
+          <a:ext cx="0" cy="0"/>
+          <a:chOff x="0" y="0"/>
+          <a:chExt cx="0" cy="0"/>
+        </a:xfrm>
+      </p:grpSpPr>
+      <p:sp>
+        <p:nvSpPr>
+          <p:cNvPr id="2" name="幻灯片图像占位符 1"/>
+          <p:cNvSpPr>
+            <a:spLocks noGrp="1" noRot="1" noChangeAspect="1"/>
+          </p:cNvSpPr>
+          <p:nvPr>
+            <p:ph type="sldImg"/>
+          </p:nvPr>
+        </p:nvSpPr>
+        <p:spPr/>
+      </p:sp>
+      <p:sp>
+        <p:nvSpPr>
+          <p:cNvPr id="3" name="备注占位符 2"/>
+          <p:cNvSpPr>
+            <a:spLocks noGrp="1"/>
+          </p:cNvSpPr>
+          <p:nvPr>
+            <p:ph type="body" idx="1"/>
+          </p:nvPr>
+        </p:nvSpPr>
+        <p:spPr/>
+        <p:txBody>
+          <a:bodyPr/>
+          <a:lstStyle/>
+          <a:p>
+            <a:pPr marL="0" marR="0" lvl="0" indent="0" algn="l" defTabSz="914400" rtl="0" eaLnBrk="1" fontAlgn="auto" latinLnBrk="0" hangingPunct="1">
+              <a:lnSpc>
+                <a:spcPct val="100000"/>
+              </a:lnSpc>
+              <a:spcBef>
+                <a:spcPts val="0"/>
+              </a:spcBef>
+              <a:spcAft>
+                <a:spcPts val="0"/>
+              </a:spcAft>
+              <a:buClrTx/>
+              <a:buSzTx/>
+              <a:buFontTx/>
+              <a:buNone/>
+              <a:tabLst/>
+              <a:defRPr/>
+            </a:pPr>
+            <a:r>
+              <a:rPr lang="en-US" altLang="zh-CN" sz="1200" dirty="0"/>
+              <a:t>In general, fibers do not provide advantages over a well-designed multithreaded application. However, using fibers can make it easier to port applications that were designed to schedule their own threads.</a:t>
+            </a:r>
+          </a:p>
+          <a:p>
+            <a:endParaRPr lang="zh-CN" altLang="en-US" dirty="0"/>
+          </a:p>
+        </p:txBody>
+      </p:sp>
+      <p:sp>
+        <p:nvSpPr>
+          <p:cNvPr id="4" name="灯片编号占位符 3"/>
+          <p:cNvSpPr>
+            <a:spLocks noGrp="1"/>
+          </p:cNvSpPr>
+          <p:nvPr>
+            <p:ph type="sldNum" sz="quarter" idx="5"/>
+          </p:nvPr>
+        </p:nvSpPr>
+        <p:spPr/>
+        <p:txBody>
+          <a:bodyPr/>
+          <a:lstStyle/>
+          <a:p>
+            <a:fld id="{FF6B7014-1CA7-42FF-9E69-87C27AE33F47}" type="slidenum">
+              <a:rPr lang="zh-CN" altLang="en-US" smtClean="0"/>
+              <a:t>33</a:t>
+            </a:fld>
+            <a:endParaRPr lang="zh-CN" altLang="en-US"/>
+          </a:p>
+        </p:txBody>
+      </p:sp>
+    </p:spTree>
+    <p:extLst>
+      <p:ext uri="{BB962C8B-B14F-4D97-AF65-F5344CB8AC3E}">
+        <p14:creationId xmlns:p14="http://schemas.microsoft.com/office/powerpoint/2010/main" val="3824399390"/>
+      </p:ext>
+    </p:extLst>
+  </p:cSld>
+  <p:clrMapOvr>
+    <a:masterClrMapping/>
+  </p:clrMapOvr>
+</p:notes>
+</file>
+
+<file path=ppt/notesSlides/notesSlide18.xml><?xml version="1.0" encoding="utf-8"?>
+<p:notes xmlns:a="http://schemas.openxmlformats.org/drawingml/2006/main" xmlns:r="http://schemas.openxmlformats.org/officeDocument/2006/relationships" xmlns:p="http://schemas.openxmlformats.org/presentationml/2006/main">
+  <p:cSld>
+    <p:spTree>
+      <p:nvGrpSpPr>
+        <p:cNvPr id="1" name=""/>
+        <p:cNvGrpSpPr/>
+        <p:nvPr/>
+      </p:nvGrpSpPr>
+      <p:grpSpPr>
+        <a:xfrm>
+          <a:off x="0" y="0"/>
+          <a:ext cx="0" cy="0"/>
+          <a:chOff x="0" y="0"/>
+          <a:chExt cx="0" cy="0"/>
+        </a:xfrm>
+      </p:grpSpPr>
+      <p:sp>
+        <p:nvSpPr>
+          <p:cNvPr id="2" name="幻灯片图像占位符 1"/>
+          <p:cNvSpPr>
+            <a:spLocks noGrp="1" noRot="1" noChangeAspect="1"/>
+          </p:cNvSpPr>
+          <p:nvPr>
+            <p:ph type="sldImg"/>
+          </p:nvPr>
+        </p:nvSpPr>
+        <p:spPr/>
+      </p:sp>
+      <p:sp>
+        <p:nvSpPr>
+          <p:cNvPr id="3" name="备注占位符 2"/>
+          <p:cNvSpPr>
+            <a:spLocks noGrp="1"/>
+          </p:cNvSpPr>
+          <p:nvPr>
+            <p:ph type="body" idx="1"/>
+          </p:nvPr>
+        </p:nvSpPr>
+        <p:spPr/>
+        <p:txBody>
+          <a:bodyPr/>
+          <a:lstStyle/>
+          <a:p>
+            <a:endParaRPr lang="en-US" altLang="zh-CN" dirty="0"/>
+          </a:p>
+          <a:p>
+            <a:endParaRPr lang="zh-CN" altLang="en-US" dirty="0"/>
+          </a:p>
+        </p:txBody>
+      </p:sp>
+      <p:sp>
+        <p:nvSpPr>
+          <p:cNvPr id="4" name="灯片编号占位符 3"/>
+          <p:cNvSpPr>
+            <a:spLocks noGrp="1"/>
+          </p:cNvSpPr>
+          <p:nvPr>
+            <p:ph type="sldNum" sz="quarter" idx="5"/>
+          </p:nvPr>
+        </p:nvSpPr>
+        <p:spPr/>
+        <p:txBody>
+          <a:bodyPr/>
+          <a:lstStyle/>
+          <a:p>
+            <a:pPr marL="0" marR="0" lvl="0" indent="0" algn="r" defTabSz="685800" rtl="0" eaLnBrk="1" fontAlgn="auto" latinLnBrk="0" hangingPunct="1">
+              <a:lnSpc>
+                <a:spcPct val="100000"/>
+              </a:lnSpc>
+              <a:spcBef>
+                <a:spcPts val="0"/>
+              </a:spcBef>
+              <a:spcAft>
+                <a:spcPts val="0"/>
+              </a:spcAft>
+              <a:buClrTx/>
+              <a:buSzTx/>
+              <a:buFontTx/>
+              <a:buNone/>
+              <a:tabLst/>
+              <a:defRPr/>
+            </a:pPr>
+            <a:fld id="{FF6B7014-1CA7-42FF-9E69-87C27AE33F47}" type="slidenum">
+              <a:rPr kumimoji="0" lang="zh-CN" altLang="en-US" sz="1200" b="0" i="0" u="none" strike="noStrike" kern="1200" cap="none" spc="0" normalizeH="0" baseline="0" noProof="0" smtClean="0">
+                <a:ln>
+                  <a:noFill/>
+                </a:ln>
+                <a:solidFill>
+                  <a:prstClr val="black"/>
+                </a:solidFill>
+                <a:effectLst/>
+                <a:uLnTx/>
+                <a:uFillTx/>
+                <a:latin typeface="Calibri" panose="020F0502020204030204"/>
+                <a:ea typeface="宋体" panose="02010600030101010101" pitchFamily="2" charset="-122"/>
+                <a:cs typeface="+mn-cs"/>
+              </a:rPr>
+              <a:pPr marL="0" marR="0" lvl="0" indent="0" algn="r" defTabSz="685800" rtl="0" eaLnBrk="1" fontAlgn="auto" latinLnBrk="0" hangingPunct="1">
+                <a:lnSpc>
+                  <a:spcPct val="100000"/>
+                </a:lnSpc>
+                <a:spcBef>
+                  <a:spcPts val="0"/>
+                </a:spcBef>
+                <a:spcAft>
+                  <a:spcPts val="0"/>
+                </a:spcAft>
+                <a:buClrTx/>
+                <a:buSzTx/>
+                <a:buFontTx/>
+                <a:buNone/>
+                <a:tabLst/>
+                <a:defRPr/>
+              </a:pPr>
+              <a:t>34</a:t>
+            </a:fld>
+            <a:endParaRPr kumimoji="0" lang="zh-CN" altLang="en-US" sz="1200" b="0" i="0" u="none" strike="noStrike" kern="1200" cap="none" spc="0" normalizeH="0" baseline="0" noProof="0">
+              <a:ln>
+                <a:noFill/>
+              </a:ln>
+              <a:solidFill>
+                <a:prstClr val="black"/>
+              </a:solidFill>
+              <a:effectLst/>
+              <a:uLnTx/>
+              <a:uFillTx/>
+              <a:latin typeface="Calibri" panose="020F0502020204030204"/>
+              <a:ea typeface="宋体" panose="02010600030101010101" pitchFamily="2" charset="-122"/>
+              <a:cs typeface="+mn-cs"/>
+            </a:endParaRPr>
+          </a:p>
+        </p:txBody>
+      </p:sp>
+    </p:spTree>
+    <p:extLst>
+      <p:ext uri="{BB962C8B-B14F-4D97-AF65-F5344CB8AC3E}">
+        <p14:creationId xmlns:p14="http://schemas.microsoft.com/office/powerpoint/2010/main" val="761218423"/>
+      </p:ext>
+    </p:extLst>
+  </p:cSld>
+  <p:clrMapOvr>
+    <a:masterClrMapping/>
+  </p:clrMapOvr>
+</p:notes>
+</file>
+
+<file path=ppt/notesSlides/notesSlide19.xml><?xml version="1.0" encoding="utf-8"?>
+<p:notes xmlns:a="http://schemas.openxmlformats.org/drawingml/2006/main" xmlns:r="http://schemas.openxmlformats.org/officeDocument/2006/relationships" xmlns:p="http://schemas.openxmlformats.org/presentationml/2006/main">
+  <p:cSld>
+    <p:spTree>
+      <p:nvGrpSpPr>
+        <p:cNvPr id="1" name=""/>
+        <p:cNvGrpSpPr/>
+        <p:nvPr/>
+      </p:nvGrpSpPr>
+      <p:grpSpPr>
+        <a:xfrm>
+          <a:off x="0" y="0"/>
+          <a:ext cx="0" cy="0"/>
+          <a:chOff x="0" y="0"/>
+          <a:chExt cx="0" cy="0"/>
+        </a:xfrm>
+      </p:grpSpPr>
+      <p:sp>
+        <p:nvSpPr>
+          <p:cNvPr id="2" name="幻灯片图像占位符 1"/>
+          <p:cNvSpPr>
+            <a:spLocks noGrp="1" noRot="1" noChangeAspect="1"/>
+          </p:cNvSpPr>
+          <p:nvPr>
+            <p:ph type="sldImg"/>
+          </p:nvPr>
+        </p:nvSpPr>
+        <p:spPr/>
+      </p:sp>
+      <p:sp>
+        <p:nvSpPr>
+          <p:cNvPr id="3" name="备注占位符 2"/>
+          <p:cNvSpPr>
+            <a:spLocks noGrp="1"/>
+          </p:cNvSpPr>
+          <p:nvPr>
+            <p:ph type="body" idx="1"/>
+          </p:nvPr>
+        </p:nvSpPr>
+        <p:spPr/>
+        <p:txBody>
+          <a:bodyPr/>
+          <a:lstStyle/>
+          <a:p>
+            <a:endParaRPr lang="en-US" altLang="zh-CN" dirty="0"/>
+          </a:p>
+          <a:p>
+            <a:endParaRPr lang="zh-CN" altLang="en-US" dirty="0"/>
+          </a:p>
+        </p:txBody>
+      </p:sp>
+      <p:sp>
+        <p:nvSpPr>
+          <p:cNvPr id="4" name="灯片编号占位符 3"/>
+          <p:cNvSpPr>
+            <a:spLocks noGrp="1"/>
+          </p:cNvSpPr>
+          <p:nvPr>
+            <p:ph type="sldNum" sz="quarter" idx="5"/>
+          </p:nvPr>
+        </p:nvSpPr>
+        <p:spPr/>
+        <p:txBody>
+          <a:bodyPr/>
+          <a:lstStyle/>
+          <a:p>
+            <a:pPr marL="0" marR="0" lvl="0" indent="0" algn="r" defTabSz="685800" rtl="0" eaLnBrk="1" fontAlgn="auto" latinLnBrk="0" hangingPunct="1">
+              <a:lnSpc>
+                <a:spcPct val="100000"/>
+              </a:lnSpc>
+              <a:spcBef>
+                <a:spcPts val="0"/>
+              </a:spcBef>
+              <a:spcAft>
+                <a:spcPts val="0"/>
+              </a:spcAft>
+              <a:buClrTx/>
+              <a:buSzTx/>
+              <a:buFontTx/>
+              <a:buNone/>
+              <a:tabLst/>
+              <a:defRPr/>
+            </a:pPr>
+            <a:fld id="{FF6B7014-1CA7-42FF-9E69-87C27AE33F47}" type="slidenum">
+              <a:rPr kumimoji="0" lang="zh-CN" altLang="en-US" sz="1200" b="0" i="0" u="none" strike="noStrike" kern="1200" cap="none" spc="0" normalizeH="0" baseline="0" noProof="0" smtClean="0">
+                <a:ln>
+                  <a:noFill/>
+                </a:ln>
+                <a:solidFill>
+                  <a:prstClr val="black"/>
+                </a:solidFill>
+                <a:effectLst/>
+                <a:uLnTx/>
+                <a:uFillTx/>
+                <a:latin typeface="Calibri" panose="020F0502020204030204"/>
+                <a:ea typeface="宋体" panose="02010600030101010101" pitchFamily="2" charset="-122"/>
+                <a:cs typeface="+mn-cs"/>
+              </a:rPr>
+              <a:pPr marL="0" marR="0" lvl="0" indent="0" algn="r" defTabSz="685800" rtl="0" eaLnBrk="1" fontAlgn="auto" latinLnBrk="0" hangingPunct="1">
+                <a:lnSpc>
+                  <a:spcPct val="100000"/>
+                </a:lnSpc>
+                <a:spcBef>
+                  <a:spcPts val="0"/>
+                </a:spcBef>
+                <a:spcAft>
+                  <a:spcPts val="0"/>
+                </a:spcAft>
+                <a:buClrTx/>
+                <a:buSzTx/>
+                <a:buFontTx/>
+                <a:buNone/>
+                <a:tabLst/>
+                <a:defRPr/>
+              </a:pPr>
+              <a:t>35</a:t>
+            </a:fld>
+            <a:endParaRPr kumimoji="0" lang="zh-CN" altLang="en-US" sz="1200" b="0" i="0" u="none" strike="noStrike" kern="1200" cap="none" spc="0" normalizeH="0" baseline="0" noProof="0">
+              <a:ln>
+                <a:noFill/>
+              </a:ln>
+              <a:solidFill>
+                <a:prstClr val="black"/>
+              </a:solidFill>
+              <a:effectLst/>
+              <a:uLnTx/>
+              <a:uFillTx/>
+              <a:latin typeface="Calibri" panose="020F0502020204030204"/>
+              <a:ea typeface="宋体" panose="02010600030101010101" pitchFamily="2" charset="-122"/>
+              <a:cs typeface="+mn-cs"/>
+            </a:endParaRPr>
+          </a:p>
+        </p:txBody>
+      </p:sp>
+    </p:spTree>
+    <p:extLst>
+      <p:ext uri="{BB962C8B-B14F-4D97-AF65-F5344CB8AC3E}">
+        <p14:creationId xmlns:p14="http://schemas.microsoft.com/office/powerpoint/2010/main" val="4025031901"/>
+      </p:ext>
+    </p:extLst>
+  </p:cSld>
+  <p:clrMapOvr>
+    <a:masterClrMapping/>
+  </p:clrMapOvr>
+</p:notes>
+</file>
+
 <file path=ppt/notesSlides/notesSlide2.xml><?xml version="1.0" encoding="utf-8"?>
 <p:notes xmlns:a="http://schemas.openxmlformats.org/drawingml/2006/main" xmlns:r="http://schemas.openxmlformats.org/officeDocument/2006/relationships" xmlns:p="http://schemas.openxmlformats.org/presentationml/2006/main">
   <p:cSld>
@@ -4601,6 +8342,352 @@
     <p:extLst>
       <p:ext uri="{BB962C8B-B14F-4D97-AF65-F5344CB8AC3E}">
         <p14:creationId xmlns:p14="http://schemas.microsoft.com/office/powerpoint/2010/main" val="459313815"/>
+      </p:ext>
+    </p:extLst>
+  </p:cSld>
+  <p:clrMapOvr>
+    <a:masterClrMapping/>
+  </p:clrMapOvr>
+</p:notes>
+</file>
+
+<file path=ppt/notesSlides/notesSlide20.xml><?xml version="1.0" encoding="utf-8"?>
+<p:notes xmlns:a="http://schemas.openxmlformats.org/drawingml/2006/main" xmlns:r="http://schemas.openxmlformats.org/officeDocument/2006/relationships" xmlns:p="http://schemas.openxmlformats.org/presentationml/2006/main">
+  <p:cSld>
+    <p:spTree>
+      <p:nvGrpSpPr>
+        <p:cNvPr id="1" name=""/>
+        <p:cNvGrpSpPr/>
+        <p:nvPr/>
+      </p:nvGrpSpPr>
+      <p:grpSpPr>
+        <a:xfrm>
+          <a:off x="0" y="0"/>
+          <a:ext cx="0" cy="0"/>
+          <a:chOff x="0" y="0"/>
+          <a:chExt cx="0" cy="0"/>
+        </a:xfrm>
+      </p:grpSpPr>
+      <p:sp>
+        <p:nvSpPr>
+          <p:cNvPr id="2" name="幻灯片图像占位符 1"/>
+          <p:cNvSpPr>
+            <a:spLocks noGrp="1" noRot="1" noChangeAspect="1"/>
+          </p:cNvSpPr>
+          <p:nvPr>
+            <p:ph type="sldImg"/>
+          </p:nvPr>
+        </p:nvSpPr>
+        <p:spPr/>
+      </p:sp>
+      <p:sp>
+        <p:nvSpPr>
+          <p:cNvPr id="3" name="备注占位符 2"/>
+          <p:cNvSpPr>
+            <a:spLocks noGrp="1"/>
+          </p:cNvSpPr>
+          <p:nvPr>
+            <p:ph type="body" idx="1"/>
+          </p:nvPr>
+        </p:nvSpPr>
+        <p:spPr/>
+        <p:txBody>
+          <a:bodyPr/>
+          <a:lstStyle/>
+          <a:p>
+            <a:r>
+              <a:rPr lang="en-US" altLang="zh-CN" dirty="0"/>
+              <a:t>The coroutine TS is the base of the </a:t>
+            </a:r>
+            <a:r>
+              <a:rPr lang="en-US" altLang="zh-CN" dirty="0" err="1"/>
+              <a:t>cppcoro</a:t>
+            </a:r>
+            <a:r>
+              <a:rPr lang="en-US" altLang="zh-CN" dirty="0"/>
+              <a:t> library from Lewis Baker. TS stands for technical specifications and is the preliminary version of the coroutines framework we get with C++20. Lewis ported the </a:t>
+            </a:r>
+            <a:r>
+              <a:rPr lang="en-US" altLang="zh-CN" dirty="0" err="1"/>
+              <a:t>cppcoro</a:t>
+            </a:r>
+            <a:r>
+              <a:rPr lang="en-US" altLang="zh-CN" dirty="0"/>
+              <a:t> library from the coroutines TS framework to the coroutines framework we get with C++20.</a:t>
+            </a:r>
+          </a:p>
+          <a:p>
+            <a:endParaRPr lang="en-US" altLang="zh-CN" dirty="0"/>
+          </a:p>
+          <a:p>
+            <a:r>
+              <a:rPr lang="en-US" altLang="zh-CN" dirty="0"/>
+              <a:t>fibers are switched by an internal scheduler while coroutines use no internal scheduler</a:t>
+            </a:r>
+          </a:p>
+          <a:p>
+            <a:endParaRPr lang="en-US" altLang="zh-CN" dirty="0"/>
+          </a:p>
+          <a:p>
+            <a:r>
+              <a:rPr lang="en-US" altLang="zh-CN" dirty="0"/>
+              <a:t>In the book Linux System Programming, 2nd Edition, the difference between coroutines and fiber is explained as follows:</a:t>
+            </a:r>
+          </a:p>
+          <a:p>
+            <a:r>
+              <a:rPr lang="en-US" altLang="zh-CN" dirty="0"/>
+              <a:t>Coroutines and fibers provide a unit of execution even lighter in weight than the thread (with the former being their name when they are a programming language construct, and the latter when they are a system construct).</a:t>
+            </a:r>
+          </a:p>
+          <a:p>
+            <a:endParaRPr lang="en-US" altLang="zh-CN" dirty="0"/>
+          </a:p>
+          <a:p>
+            <a:endParaRPr lang="zh-CN" altLang="en-US" dirty="0"/>
+          </a:p>
+        </p:txBody>
+      </p:sp>
+      <p:sp>
+        <p:nvSpPr>
+          <p:cNvPr id="4" name="灯片编号占位符 3"/>
+          <p:cNvSpPr>
+            <a:spLocks noGrp="1"/>
+          </p:cNvSpPr>
+          <p:nvPr>
+            <p:ph type="sldNum" sz="quarter" idx="5"/>
+          </p:nvPr>
+        </p:nvSpPr>
+        <p:spPr/>
+        <p:txBody>
+          <a:bodyPr/>
+          <a:lstStyle/>
+          <a:p>
+            <a:pPr marL="0" marR="0" lvl="0" indent="0" algn="r" defTabSz="685800" rtl="0" eaLnBrk="1" fontAlgn="auto" latinLnBrk="0" hangingPunct="1">
+              <a:lnSpc>
+                <a:spcPct val="100000"/>
+              </a:lnSpc>
+              <a:spcBef>
+                <a:spcPts val="0"/>
+              </a:spcBef>
+              <a:spcAft>
+                <a:spcPts val="0"/>
+              </a:spcAft>
+              <a:buClrTx/>
+              <a:buSzTx/>
+              <a:buFontTx/>
+              <a:buNone/>
+              <a:tabLst/>
+              <a:defRPr/>
+            </a:pPr>
+            <a:fld id="{FF6B7014-1CA7-42FF-9E69-87C27AE33F47}" type="slidenum">
+              <a:rPr kumimoji="0" lang="zh-CN" altLang="en-US" sz="1200" b="0" i="0" u="none" strike="noStrike" kern="1200" cap="none" spc="0" normalizeH="0" baseline="0" noProof="0" smtClean="0">
+                <a:ln>
+                  <a:noFill/>
+                </a:ln>
+                <a:solidFill>
+                  <a:prstClr val="black"/>
+                </a:solidFill>
+                <a:effectLst/>
+                <a:uLnTx/>
+                <a:uFillTx/>
+                <a:latin typeface="Calibri" panose="020F0502020204030204"/>
+                <a:ea typeface="宋体" panose="02010600030101010101" pitchFamily="2" charset="-122"/>
+                <a:cs typeface="+mn-cs"/>
+              </a:rPr>
+              <a:pPr marL="0" marR="0" lvl="0" indent="0" algn="r" defTabSz="685800" rtl="0" eaLnBrk="1" fontAlgn="auto" latinLnBrk="0" hangingPunct="1">
+                <a:lnSpc>
+                  <a:spcPct val="100000"/>
+                </a:lnSpc>
+                <a:spcBef>
+                  <a:spcPts val="0"/>
+                </a:spcBef>
+                <a:spcAft>
+                  <a:spcPts val="0"/>
+                </a:spcAft>
+                <a:buClrTx/>
+                <a:buSzTx/>
+                <a:buFontTx/>
+                <a:buNone/>
+                <a:tabLst/>
+                <a:defRPr/>
+              </a:pPr>
+              <a:t>36</a:t>
+            </a:fld>
+            <a:endParaRPr kumimoji="0" lang="zh-CN" altLang="en-US" sz="1200" b="0" i="0" u="none" strike="noStrike" kern="1200" cap="none" spc="0" normalizeH="0" baseline="0" noProof="0">
+              <a:ln>
+                <a:noFill/>
+              </a:ln>
+              <a:solidFill>
+                <a:prstClr val="black"/>
+              </a:solidFill>
+              <a:effectLst/>
+              <a:uLnTx/>
+              <a:uFillTx/>
+              <a:latin typeface="Calibri" panose="020F0502020204030204"/>
+              <a:ea typeface="宋体" panose="02010600030101010101" pitchFamily="2" charset="-122"/>
+              <a:cs typeface="+mn-cs"/>
+            </a:endParaRPr>
+          </a:p>
+        </p:txBody>
+      </p:sp>
+    </p:spTree>
+    <p:extLst>
+      <p:ext uri="{BB962C8B-B14F-4D97-AF65-F5344CB8AC3E}">
+        <p14:creationId xmlns:p14="http://schemas.microsoft.com/office/powerpoint/2010/main" val="322225968"/>
+      </p:ext>
+    </p:extLst>
+  </p:cSld>
+  <p:clrMapOvr>
+    <a:masterClrMapping/>
+  </p:clrMapOvr>
+</p:notes>
+</file>
+
+<file path=ppt/notesSlides/notesSlide21.xml><?xml version="1.0" encoding="utf-8"?>
+<p:notes xmlns:a="http://schemas.openxmlformats.org/drawingml/2006/main" xmlns:r="http://schemas.openxmlformats.org/officeDocument/2006/relationships" xmlns:p="http://schemas.openxmlformats.org/presentationml/2006/main">
+  <p:cSld>
+    <p:spTree>
+      <p:nvGrpSpPr>
+        <p:cNvPr id="1" name=""/>
+        <p:cNvGrpSpPr/>
+        <p:nvPr/>
+      </p:nvGrpSpPr>
+      <p:grpSpPr>
+        <a:xfrm>
+          <a:off x="0" y="0"/>
+          <a:ext cx="0" cy="0"/>
+          <a:chOff x="0" y="0"/>
+          <a:chExt cx="0" cy="0"/>
+        </a:xfrm>
+      </p:grpSpPr>
+      <p:sp>
+        <p:nvSpPr>
+          <p:cNvPr id="2" name="幻灯片图像占位符 1"/>
+          <p:cNvSpPr>
+            <a:spLocks noGrp="1" noRot="1" noChangeAspect="1"/>
+          </p:cNvSpPr>
+          <p:nvPr>
+            <p:ph type="sldImg"/>
+          </p:nvPr>
+        </p:nvSpPr>
+        <p:spPr/>
+      </p:sp>
+      <p:sp>
+        <p:nvSpPr>
+          <p:cNvPr id="3" name="备注占位符 2"/>
+          <p:cNvSpPr>
+            <a:spLocks noGrp="1"/>
+          </p:cNvSpPr>
+          <p:nvPr>
+            <p:ph type="body" idx="1"/>
+          </p:nvPr>
+        </p:nvSpPr>
+        <p:spPr/>
+        <p:txBody>
+          <a:bodyPr/>
+          <a:lstStyle/>
+          <a:p>
+            <a:r>
+              <a:rPr lang="en-US" altLang="zh-CN" dirty="0"/>
+              <a:t>https://www.cnblogs.com/pointer-smq/p/8780895.html</a:t>
+            </a:r>
+          </a:p>
+          <a:p>
+            <a:endParaRPr lang="en-US" altLang="zh-CN" dirty="0"/>
+          </a:p>
+          <a:p>
+            <a:endParaRPr lang="zh-CN" altLang="en-US" dirty="0"/>
+          </a:p>
+        </p:txBody>
+      </p:sp>
+      <p:sp>
+        <p:nvSpPr>
+          <p:cNvPr id="4" name="灯片编号占位符 3"/>
+          <p:cNvSpPr>
+            <a:spLocks noGrp="1"/>
+          </p:cNvSpPr>
+          <p:nvPr>
+            <p:ph type="sldNum" sz="quarter" idx="5"/>
+          </p:nvPr>
+        </p:nvSpPr>
+        <p:spPr/>
+        <p:txBody>
+          <a:bodyPr/>
+          <a:lstStyle/>
+          <a:p>
+            <a:pPr marL="0" marR="0" lvl="0" indent="0" algn="r" defTabSz="685800" rtl="0" eaLnBrk="1" fontAlgn="auto" latinLnBrk="0" hangingPunct="1">
+              <a:lnSpc>
+                <a:spcPct val="100000"/>
+              </a:lnSpc>
+              <a:spcBef>
+                <a:spcPts val="0"/>
+              </a:spcBef>
+              <a:spcAft>
+                <a:spcPts val="0"/>
+              </a:spcAft>
+              <a:buClrTx/>
+              <a:buSzTx/>
+              <a:buFontTx/>
+              <a:buNone/>
+              <a:tabLst/>
+              <a:defRPr/>
+            </a:pPr>
+            <a:fld id="{FF6B7014-1CA7-42FF-9E69-87C27AE33F47}" type="slidenum">
+              <a:rPr kumimoji="0" lang="zh-CN" altLang="en-US" sz="1200" b="0" i="0" u="none" strike="noStrike" kern="1200" cap="none" spc="0" normalizeH="0" baseline="0" noProof="0" smtClean="0">
+                <a:ln>
+                  <a:noFill/>
+                </a:ln>
+                <a:solidFill>
+                  <a:prstClr val="black"/>
+                </a:solidFill>
+                <a:effectLst/>
+                <a:uLnTx/>
+                <a:uFillTx/>
+                <a:latin typeface="Calibri" panose="020F0502020204030204"/>
+                <a:ea typeface="宋体" panose="02010600030101010101" pitchFamily="2" charset="-122"/>
+                <a:cs typeface="+mn-cs"/>
+              </a:rPr>
+              <a:pPr marL="0" marR="0" lvl="0" indent="0" algn="r" defTabSz="685800" rtl="0" eaLnBrk="1" fontAlgn="auto" latinLnBrk="0" hangingPunct="1">
+                <a:lnSpc>
+                  <a:spcPct val="100000"/>
+                </a:lnSpc>
+                <a:spcBef>
+                  <a:spcPts val="0"/>
+                </a:spcBef>
+                <a:spcAft>
+                  <a:spcPts val="0"/>
+                </a:spcAft>
+                <a:buClrTx/>
+                <a:buSzTx/>
+                <a:buFontTx/>
+                <a:buNone/>
+                <a:tabLst/>
+                <a:defRPr/>
+              </a:pPr>
+              <a:t>37</a:t>
+            </a:fld>
+            <a:endParaRPr kumimoji="0" lang="zh-CN" altLang="en-US" sz="1200" b="0" i="0" u="none" strike="noStrike" kern="1200" cap="none" spc="0" normalizeH="0" baseline="0" noProof="0">
+              <a:ln>
+                <a:noFill/>
+              </a:ln>
+              <a:solidFill>
+                <a:prstClr val="black"/>
+              </a:solidFill>
+              <a:effectLst/>
+              <a:uLnTx/>
+              <a:uFillTx/>
+              <a:latin typeface="Calibri" panose="020F0502020204030204"/>
+              <a:ea typeface="宋体" panose="02010600030101010101" pitchFamily="2" charset="-122"/>
+              <a:cs typeface="+mn-cs"/>
+            </a:endParaRPr>
+          </a:p>
+        </p:txBody>
+      </p:sp>
+    </p:spTree>
+    <p:extLst>
+      <p:ext uri="{BB962C8B-B14F-4D97-AF65-F5344CB8AC3E}">
+        <p14:creationId xmlns:p14="http://schemas.microsoft.com/office/powerpoint/2010/main" val="302275551"/>
       </p:ext>
     </p:extLst>
   </p:cSld>
@@ -8099,7 +12186,7 @@
         <p:spPr bwMode="auto">
           <a:xfrm>
             <a:off x="44019" y="63145"/>
-            <a:ext cx="2415402" cy="328231"/>
+            <a:ext cx="3210336" cy="328231"/>
           </a:xfrm>
           <a:prstGeom prst="rect">
             <a:avLst/>
@@ -8135,27 +12222,7 @@
                 <a:latin typeface="微软雅黑" panose="020B0503020204020204" pitchFamily="34" charset="-122"/>
                 <a:ea typeface="微软雅黑" panose="020B0503020204020204" pitchFamily="34" charset="-122"/>
               </a:rPr>
-              <a:t>x.5 </a:t>
-            </a:r>
-            <a:r>
-              <a:rPr lang="zh-CN" altLang="en-US" sz="2133" b="1" dirty="0">
-                <a:solidFill>
-                  <a:srgbClr val="1C4885"/>
-                </a:solidFill>
-                <a:latin typeface="微软雅黑" panose="020B0503020204020204" pitchFamily="34" charset="-122"/>
-                <a:ea typeface="微软雅黑" panose="020B0503020204020204" pitchFamily="34" charset="-122"/>
-              </a:rPr>
-              <a:t>内容</a:t>
-            </a:r>
-            <a:r>
-              <a:rPr lang="en-US" altLang="zh-CN" sz="2133" b="1" dirty="0">
-                <a:solidFill>
-                  <a:srgbClr val="1C4885"/>
-                </a:solidFill>
-                <a:latin typeface="微软雅黑" panose="020B0503020204020204" pitchFamily="34" charset="-122"/>
-                <a:ea typeface="微软雅黑" panose="020B0503020204020204" pitchFamily="34" charset="-122"/>
-              </a:rPr>
-              <a:t>5</a:t>
+              <a:t>x.5 Fibers / Coroutine</a:t>
             </a:r>
             <a:endParaRPr lang="zh-CN" altLang="en-US" sz="2133" b="1" dirty="0">
               <a:solidFill>
@@ -8333,7 +12400,7 @@
           <a:p>
             <a:fld id="{F0A08C6D-CA89-457F-88D7-56281A3E4E44}" type="datetimeFigureOut">
               <a:rPr lang="zh-CN" altLang="en-US" smtClean="0"/>
-              <a:t>2021/8/30</a:t>
+              <a:t>2021/9/29</a:t>
             </a:fld>
             <a:endParaRPr lang="zh-CN" altLang="en-US"/>
           </a:p>
@@ -8782,7 +12849,7 @@
             <a:pPr lvl="0" algn="l"/>
             <a:r>
               <a:rPr lang="en-US" sz="1333" dirty="0"/>
-              <a:t>FALL 2020</a:t>
+              <a:t>FALL 2021</a:t>
             </a:r>
           </a:p>
         </p:txBody>
@@ -27687,7 +31754,7 @@
           <p:nvPr>
             <p:extLst>
               <p:ext uri="{D42A27DB-BD31-4B8C-83A1-F6EECF244321}">
-                <p14:modId xmlns:p14="http://schemas.microsoft.com/office/powerpoint/2010/main" val="3999372415"/>
+                <p14:modId xmlns:p14="http://schemas.microsoft.com/office/powerpoint/2010/main" val="157713895"/>
               </p:ext>
             </p:extLst>
           </p:nvPr>
@@ -29714,6 +33781,2685 @@
 </file>
 
 <file path=ppt/slides/slide32.xml><?xml version="1.0" encoding="utf-8"?>
+<p:sld xmlns:a="http://schemas.openxmlformats.org/drawingml/2006/main" xmlns:r="http://schemas.openxmlformats.org/officeDocument/2006/relationships" xmlns:p="http://schemas.openxmlformats.org/presentationml/2006/main">
+  <p:cSld>
+    <p:spTree>
+      <p:nvGrpSpPr>
+        <p:cNvPr id="1" name=""/>
+        <p:cNvGrpSpPr/>
+        <p:nvPr/>
+      </p:nvGrpSpPr>
+      <p:grpSpPr>
+        <a:xfrm>
+          <a:off x="0" y="0"/>
+          <a:ext cx="0" cy="0"/>
+          <a:chOff x="0" y="0"/>
+          <a:chExt cx="0" cy="0"/>
+        </a:xfrm>
+      </p:grpSpPr>
+      <p:graphicFrame>
+        <p:nvGraphicFramePr>
+          <p:cNvPr id="4" name="图示 3"/>
+          <p:cNvGraphicFramePr/>
+          <p:nvPr>
+            <p:extLst/>
+          </p:nvPr>
+        </p:nvGraphicFramePr>
+        <p:xfrm>
+          <a:off x="2698362" y="1415390"/>
+          <a:ext cx="8346000" cy="5229725"/>
+        </p:xfrm>
+        <a:graphic>
+          <a:graphicData uri="http://schemas.openxmlformats.org/drawingml/2006/diagram">
+            <dgm:relIds xmlns:dgm="http://schemas.openxmlformats.org/drawingml/2006/diagram" xmlns:r="http://schemas.openxmlformats.org/officeDocument/2006/relationships" r:dm="rId2" r:lo="rId3" r:qs="rId4" r:cs="rId5"/>
+          </a:graphicData>
+        </a:graphic>
+      </p:graphicFrame>
+      <p:sp>
+        <p:nvSpPr>
+          <p:cNvPr id="5" name="标题 4"/>
+          <p:cNvSpPr>
+            <a:spLocks noGrp="1"/>
+          </p:cNvSpPr>
+          <p:nvPr>
+            <p:ph type="ctrTitle"/>
+          </p:nvPr>
+        </p:nvSpPr>
+        <p:spPr>
+          <a:xfrm>
+            <a:off x="-1" y="174928"/>
+            <a:ext cx="7331104" cy="1027366"/>
+          </a:xfrm>
+        </p:spPr>
+        <p:txBody>
+          <a:bodyPr>
+            <a:normAutofit/>
+          </a:bodyPr>
+          <a:lstStyle/>
+          <a:p>
+            <a:pPr lvl="0" algn="ctr"/>
+            <a:r>
+              <a:rPr lang="zh-CN" altLang="en-US" dirty="0"/>
+              <a:t>内容提要 </a:t>
+            </a:r>
+            <a:endParaRPr lang="zh-CN" altLang="en-US" sz="3100" dirty="0"/>
+          </a:p>
+        </p:txBody>
+      </p:sp>
+    </p:spTree>
+    <p:extLst>
+      <p:ext uri="{BB962C8B-B14F-4D97-AF65-F5344CB8AC3E}">
+        <p14:creationId xmlns:p14="http://schemas.microsoft.com/office/powerpoint/2010/main" val="2142889235"/>
+      </p:ext>
+    </p:extLst>
+  </p:cSld>
+  <p:clrMapOvr>
+    <a:masterClrMapping/>
+  </p:clrMapOvr>
+  <p:timing>
+    <p:tnLst>
+      <p:par>
+        <p:cTn id="1" dur="indefinite" restart="never" nodeType="tmRoot">
+          <p:childTnLst>
+            <p:seq concurrent="1" nextAc="seek">
+              <p:cTn id="2" dur="indefinite" nodeType="mainSeq">
+                <p:childTnLst>
+                  <p:par>
+                    <p:cTn id="3" fill="hold">
+                      <p:stCondLst>
+                        <p:cond delay="indefinite"/>
+                        <p:cond evt="onBegin" delay="0">
+                          <p:tn val="2"/>
+                        </p:cond>
+                      </p:stCondLst>
+                      <p:childTnLst>
+                        <p:par>
+                          <p:cTn id="4" fill="hold">
+                            <p:stCondLst>
+                              <p:cond delay="0"/>
+                            </p:stCondLst>
+                            <p:childTnLst>
+                              <p:par>
+                                <p:cTn id="5" presetID="42" presetClass="entr" presetSubtype="0" fill="hold" grpId="0" nodeType="afterEffect">
+                                  <p:stCondLst>
+                                    <p:cond delay="0"/>
+                                  </p:stCondLst>
+                                  <p:childTnLst>
+                                    <p:set>
+                                      <p:cBhvr>
+                                        <p:cTn id="6" dur="1" fill="hold">
+                                          <p:stCondLst>
+                                            <p:cond delay="0"/>
+                                          </p:stCondLst>
+                                        </p:cTn>
+                                        <p:tgtEl>
+                                          <p:spTgt spid="4">
+                                            <p:graphicEl>
+                                              <a:dgm id="{083CB889-864A-48B4-A20B-3444EFBE5EE6}"/>
+                                            </p:graphicEl>
+                                          </p:spTgt>
+                                        </p:tgtEl>
+                                        <p:attrNameLst>
+                                          <p:attrName>style.visibility</p:attrName>
+                                        </p:attrNameLst>
+                                      </p:cBhvr>
+                                      <p:to>
+                                        <p:strVal val="visible"/>
+                                      </p:to>
+                                    </p:set>
+                                    <p:animEffect transition="in" filter="fade">
+                                      <p:cBhvr>
+                                        <p:cTn id="7" dur="1000"/>
+                                        <p:tgtEl>
+                                          <p:spTgt spid="4">
+                                            <p:graphicEl>
+                                              <a:dgm id="{083CB889-864A-48B4-A20B-3444EFBE5EE6}"/>
+                                            </p:graphicEl>
+                                          </p:spTgt>
+                                        </p:tgtEl>
+                                      </p:cBhvr>
+                                    </p:animEffect>
+                                    <p:anim calcmode="lin" valueType="num">
+                                      <p:cBhvr>
+                                        <p:cTn id="8" dur="1000" fill="hold"/>
+                                        <p:tgtEl>
+                                          <p:spTgt spid="4">
+                                            <p:graphicEl>
+                                              <a:dgm id="{083CB889-864A-48B4-A20B-3444EFBE5EE6}"/>
+                                            </p:graphicEl>
+                                          </p:spTgt>
+                                        </p:tgtEl>
+                                        <p:attrNameLst>
+                                          <p:attrName>ppt_x</p:attrName>
+                                        </p:attrNameLst>
+                                      </p:cBhvr>
+                                      <p:tavLst>
+                                        <p:tav tm="0">
+                                          <p:val>
+                                            <p:strVal val="#ppt_x"/>
+                                          </p:val>
+                                        </p:tav>
+                                        <p:tav tm="100000">
+                                          <p:val>
+                                            <p:strVal val="#ppt_x"/>
+                                          </p:val>
+                                        </p:tav>
+                                      </p:tavLst>
+                                    </p:anim>
+                                    <p:anim calcmode="lin" valueType="num">
+                                      <p:cBhvr>
+                                        <p:cTn id="9" dur="1000" fill="hold"/>
+                                        <p:tgtEl>
+                                          <p:spTgt spid="4">
+                                            <p:graphicEl>
+                                              <a:dgm id="{083CB889-864A-48B4-A20B-3444EFBE5EE6}"/>
+                                            </p:graphicEl>
+                                          </p:spTgt>
+                                        </p:tgtEl>
+                                        <p:attrNameLst>
+                                          <p:attrName>ppt_y</p:attrName>
+                                        </p:attrNameLst>
+                                      </p:cBhvr>
+                                      <p:tavLst>
+                                        <p:tav tm="0">
+                                          <p:val>
+                                            <p:strVal val="#ppt_y+.1"/>
+                                          </p:val>
+                                        </p:tav>
+                                        <p:tav tm="100000">
+                                          <p:val>
+                                            <p:strVal val="#ppt_y"/>
+                                          </p:val>
+                                        </p:tav>
+                                      </p:tavLst>
+                                    </p:anim>
+                                  </p:childTnLst>
+                                </p:cTn>
+                              </p:par>
+                            </p:childTnLst>
+                          </p:cTn>
+                        </p:par>
+                        <p:par>
+                          <p:cTn id="10" fill="hold">
+                            <p:stCondLst>
+                              <p:cond delay="1000"/>
+                            </p:stCondLst>
+                            <p:childTnLst>
+                              <p:par>
+                                <p:cTn id="11" presetID="42" presetClass="entr" presetSubtype="0" fill="hold" grpId="0" nodeType="afterEffect">
+                                  <p:stCondLst>
+                                    <p:cond delay="0"/>
+                                  </p:stCondLst>
+                                  <p:childTnLst>
+                                    <p:set>
+                                      <p:cBhvr>
+                                        <p:cTn id="12" dur="1" fill="hold">
+                                          <p:stCondLst>
+                                            <p:cond delay="0"/>
+                                          </p:stCondLst>
+                                        </p:cTn>
+                                        <p:tgtEl>
+                                          <p:spTgt spid="4">
+                                            <p:graphicEl>
+                                              <a:dgm id="{BDA9855D-7D78-437D-BD78-790FC97E081F}"/>
+                                            </p:graphicEl>
+                                          </p:spTgt>
+                                        </p:tgtEl>
+                                        <p:attrNameLst>
+                                          <p:attrName>style.visibility</p:attrName>
+                                        </p:attrNameLst>
+                                      </p:cBhvr>
+                                      <p:to>
+                                        <p:strVal val="visible"/>
+                                      </p:to>
+                                    </p:set>
+                                    <p:animEffect transition="in" filter="fade">
+                                      <p:cBhvr>
+                                        <p:cTn id="13" dur="1000"/>
+                                        <p:tgtEl>
+                                          <p:spTgt spid="4">
+                                            <p:graphicEl>
+                                              <a:dgm id="{BDA9855D-7D78-437D-BD78-790FC97E081F}"/>
+                                            </p:graphicEl>
+                                          </p:spTgt>
+                                        </p:tgtEl>
+                                      </p:cBhvr>
+                                    </p:animEffect>
+                                    <p:anim calcmode="lin" valueType="num">
+                                      <p:cBhvr>
+                                        <p:cTn id="14" dur="1000" fill="hold"/>
+                                        <p:tgtEl>
+                                          <p:spTgt spid="4">
+                                            <p:graphicEl>
+                                              <a:dgm id="{BDA9855D-7D78-437D-BD78-790FC97E081F}"/>
+                                            </p:graphicEl>
+                                          </p:spTgt>
+                                        </p:tgtEl>
+                                        <p:attrNameLst>
+                                          <p:attrName>ppt_x</p:attrName>
+                                        </p:attrNameLst>
+                                      </p:cBhvr>
+                                      <p:tavLst>
+                                        <p:tav tm="0">
+                                          <p:val>
+                                            <p:strVal val="#ppt_x"/>
+                                          </p:val>
+                                        </p:tav>
+                                        <p:tav tm="100000">
+                                          <p:val>
+                                            <p:strVal val="#ppt_x"/>
+                                          </p:val>
+                                        </p:tav>
+                                      </p:tavLst>
+                                    </p:anim>
+                                    <p:anim calcmode="lin" valueType="num">
+                                      <p:cBhvr>
+                                        <p:cTn id="15" dur="1000" fill="hold"/>
+                                        <p:tgtEl>
+                                          <p:spTgt spid="4">
+                                            <p:graphicEl>
+                                              <a:dgm id="{BDA9855D-7D78-437D-BD78-790FC97E081F}"/>
+                                            </p:graphicEl>
+                                          </p:spTgt>
+                                        </p:tgtEl>
+                                        <p:attrNameLst>
+                                          <p:attrName>ppt_y</p:attrName>
+                                        </p:attrNameLst>
+                                      </p:cBhvr>
+                                      <p:tavLst>
+                                        <p:tav tm="0">
+                                          <p:val>
+                                            <p:strVal val="#ppt_y+.1"/>
+                                          </p:val>
+                                        </p:tav>
+                                        <p:tav tm="100000">
+                                          <p:val>
+                                            <p:strVal val="#ppt_y"/>
+                                          </p:val>
+                                        </p:tav>
+                                      </p:tavLst>
+                                    </p:anim>
+                                  </p:childTnLst>
+                                </p:cTn>
+                              </p:par>
+                            </p:childTnLst>
+                          </p:cTn>
+                        </p:par>
+                        <p:par>
+                          <p:cTn id="16" fill="hold">
+                            <p:stCondLst>
+                              <p:cond delay="2000"/>
+                            </p:stCondLst>
+                            <p:childTnLst>
+                              <p:par>
+                                <p:cTn id="17" presetID="42" presetClass="entr" presetSubtype="0" fill="hold" grpId="0" nodeType="afterEffect">
+                                  <p:stCondLst>
+                                    <p:cond delay="0"/>
+                                  </p:stCondLst>
+                                  <p:childTnLst>
+                                    <p:set>
+                                      <p:cBhvr>
+                                        <p:cTn id="18" dur="1" fill="hold">
+                                          <p:stCondLst>
+                                            <p:cond delay="0"/>
+                                          </p:stCondLst>
+                                        </p:cTn>
+                                        <p:tgtEl>
+                                          <p:spTgt spid="4">
+                                            <p:graphicEl>
+                                              <a:dgm id="{BDA2664F-D760-4676-988D-9DECE8C71CCC}"/>
+                                            </p:graphicEl>
+                                          </p:spTgt>
+                                        </p:tgtEl>
+                                        <p:attrNameLst>
+                                          <p:attrName>style.visibility</p:attrName>
+                                        </p:attrNameLst>
+                                      </p:cBhvr>
+                                      <p:to>
+                                        <p:strVal val="visible"/>
+                                      </p:to>
+                                    </p:set>
+                                    <p:animEffect transition="in" filter="fade">
+                                      <p:cBhvr>
+                                        <p:cTn id="19" dur="1000"/>
+                                        <p:tgtEl>
+                                          <p:spTgt spid="4">
+                                            <p:graphicEl>
+                                              <a:dgm id="{BDA2664F-D760-4676-988D-9DECE8C71CCC}"/>
+                                            </p:graphicEl>
+                                          </p:spTgt>
+                                        </p:tgtEl>
+                                      </p:cBhvr>
+                                    </p:animEffect>
+                                    <p:anim calcmode="lin" valueType="num">
+                                      <p:cBhvr>
+                                        <p:cTn id="20" dur="1000" fill="hold"/>
+                                        <p:tgtEl>
+                                          <p:spTgt spid="4">
+                                            <p:graphicEl>
+                                              <a:dgm id="{BDA2664F-D760-4676-988D-9DECE8C71CCC}"/>
+                                            </p:graphicEl>
+                                          </p:spTgt>
+                                        </p:tgtEl>
+                                        <p:attrNameLst>
+                                          <p:attrName>ppt_x</p:attrName>
+                                        </p:attrNameLst>
+                                      </p:cBhvr>
+                                      <p:tavLst>
+                                        <p:tav tm="0">
+                                          <p:val>
+                                            <p:strVal val="#ppt_x"/>
+                                          </p:val>
+                                        </p:tav>
+                                        <p:tav tm="100000">
+                                          <p:val>
+                                            <p:strVal val="#ppt_x"/>
+                                          </p:val>
+                                        </p:tav>
+                                      </p:tavLst>
+                                    </p:anim>
+                                    <p:anim calcmode="lin" valueType="num">
+                                      <p:cBhvr>
+                                        <p:cTn id="21" dur="1000" fill="hold"/>
+                                        <p:tgtEl>
+                                          <p:spTgt spid="4">
+                                            <p:graphicEl>
+                                              <a:dgm id="{BDA2664F-D760-4676-988D-9DECE8C71CCC}"/>
+                                            </p:graphicEl>
+                                          </p:spTgt>
+                                        </p:tgtEl>
+                                        <p:attrNameLst>
+                                          <p:attrName>ppt_y</p:attrName>
+                                        </p:attrNameLst>
+                                      </p:cBhvr>
+                                      <p:tavLst>
+                                        <p:tav tm="0">
+                                          <p:val>
+                                            <p:strVal val="#ppt_y+.1"/>
+                                          </p:val>
+                                        </p:tav>
+                                        <p:tav tm="100000">
+                                          <p:val>
+                                            <p:strVal val="#ppt_y"/>
+                                          </p:val>
+                                        </p:tav>
+                                      </p:tavLst>
+                                    </p:anim>
+                                  </p:childTnLst>
+                                </p:cTn>
+                              </p:par>
+                            </p:childTnLst>
+                          </p:cTn>
+                        </p:par>
+                        <p:par>
+                          <p:cTn id="22" fill="hold">
+                            <p:stCondLst>
+                              <p:cond delay="3000"/>
+                            </p:stCondLst>
+                            <p:childTnLst>
+                              <p:par>
+                                <p:cTn id="23" presetID="42" presetClass="entr" presetSubtype="0" fill="hold" grpId="0" nodeType="afterEffect">
+                                  <p:stCondLst>
+                                    <p:cond delay="0"/>
+                                  </p:stCondLst>
+                                  <p:childTnLst>
+                                    <p:set>
+                                      <p:cBhvr>
+                                        <p:cTn id="24" dur="1" fill="hold">
+                                          <p:stCondLst>
+                                            <p:cond delay="0"/>
+                                          </p:stCondLst>
+                                        </p:cTn>
+                                        <p:tgtEl>
+                                          <p:spTgt spid="4">
+                                            <p:graphicEl>
+                                              <a:dgm id="{F907B27B-B246-4928-AC93-8A19B8E86AA6}"/>
+                                            </p:graphicEl>
+                                          </p:spTgt>
+                                        </p:tgtEl>
+                                        <p:attrNameLst>
+                                          <p:attrName>style.visibility</p:attrName>
+                                        </p:attrNameLst>
+                                      </p:cBhvr>
+                                      <p:to>
+                                        <p:strVal val="visible"/>
+                                      </p:to>
+                                    </p:set>
+                                    <p:animEffect transition="in" filter="fade">
+                                      <p:cBhvr>
+                                        <p:cTn id="25" dur="1000"/>
+                                        <p:tgtEl>
+                                          <p:spTgt spid="4">
+                                            <p:graphicEl>
+                                              <a:dgm id="{F907B27B-B246-4928-AC93-8A19B8E86AA6}"/>
+                                            </p:graphicEl>
+                                          </p:spTgt>
+                                        </p:tgtEl>
+                                      </p:cBhvr>
+                                    </p:animEffect>
+                                    <p:anim calcmode="lin" valueType="num">
+                                      <p:cBhvr>
+                                        <p:cTn id="26" dur="1000" fill="hold"/>
+                                        <p:tgtEl>
+                                          <p:spTgt spid="4">
+                                            <p:graphicEl>
+                                              <a:dgm id="{F907B27B-B246-4928-AC93-8A19B8E86AA6}"/>
+                                            </p:graphicEl>
+                                          </p:spTgt>
+                                        </p:tgtEl>
+                                        <p:attrNameLst>
+                                          <p:attrName>ppt_x</p:attrName>
+                                        </p:attrNameLst>
+                                      </p:cBhvr>
+                                      <p:tavLst>
+                                        <p:tav tm="0">
+                                          <p:val>
+                                            <p:strVal val="#ppt_x"/>
+                                          </p:val>
+                                        </p:tav>
+                                        <p:tav tm="100000">
+                                          <p:val>
+                                            <p:strVal val="#ppt_x"/>
+                                          </p:val>
+                                        </p:tav>
+                                      </p:tavLst>
+                                    </p:anim>
+                                    <p:anim calcmode="lin" valueType="num">
+                                      <p:cBhvr>
+                                        <p:cTn id="27" dur="1000" fill="hold"/>
+                                        <p:tgtEl>
+                                          <p:spTgt spid="4">
+                                            <p:graphicEl>
+                                              <a:dgm id="{F907B27B-B246-4928-AC93-8A19B8E86AA6}"/>
+                                            </p:graphicEl>
+                                          </p:spTgt>
+                                        </p:tgtEl>
+                                        <p:attrNameLst>
+                                          <p:attrName>ppt_y</p:attrName>
+                                        </p:attrNameLst>
+                                      </p:cBhvr>
+                                      <p:tavLst>
+                                        <p:tav tm="0">
+                                          <p:val>
+                                            <p:strVal val="#ppt_y+.1"/>
+                                          </p:val>
+                                        </p:tav>
+                                        <p:tav tm="100000">
+                                          <p:val>
+                                            <p:strVal val="#ppt_y"/>
+                                          </p:val>
+                                        </p:tav>
+                                      </p:tavLst>
+                                    </p:anim>
+                                  </p:childTnLst>
+                                </p:cTn>
+                              </p:par>
+                            </p:childTnLst>
+                          </p:cTn>
+                        </p:par>
+                        <p:par>
+                          <p:cTn id="28" fill="hold">
+                            <p:stCondLst>
+                              <p:cond delay="4000"/>
+                            </p:stCondLst>
+                            <p:childTnLst>
+                              <p:par>
+                                <p:cTn id="29" presetID="42" presetClass="entr" presetSubtype="0" fill="hold" grpId="0" nodeType="afterEffect">
+                                  <p:stCondLst>
+                                    <p:cond delay="0"/>
+                                  </p:stCondLst>
+                                  <p:childTnLst>
+                                    <p:set>
+                                      <p:cBhvr>
+                                        <p:cTn id="30" dur="1" fill="hold">
+                                          <p:stCondLst>
+                                            <p:cond delay="0"/>
+                                          </p:stCondLst>
+                                        </p:cTn>
+                                        <p:tgtEl>
+                                          <p:spTgt spid="4">
+                                            <p:graphicEl>
+                                              <a:dgm id="{7FE62E54-E85F-4DBB-997F-689B5CDFD62D}"/>
+                                            </p:graphicEl>
+                                          </p:spTgt>
+                                        </p:tgtEl>
+                                        <p:attrNameLst>
+                                          <p:attrName>style.visibility</p:attrName>
+                                        </p:attrNameLst>
+                                      </p:cBhvr>
+                                      <p:to>
+                                        <p:strVal val="visible"/>
+                                      </p:to>
+                                    </p:set>
+                                    <p:animEffect transition="in" filter="fade">
+                                      <p:cBhvr>
+                                        <p:cTn id="31" dur="1000"/>
+                                        <p:tgtEl>
+                                          <p:spTgt spid="4">
+                                            <p:graphicEl>
+                                              <a:dgm id="{7FE62E54-E85F-4DBB-997F-689B5CDFD62D}"/>
+                                            </p:graphicEl>
+                                          </p:spTgt>
+                                        </p:tgtEl>
+                                      </p:cBhvr>
+                                    </p:animEffect>
+                                    <p:anim calcmode="lin" valueType="num">
+                                      <p:cBhvr>
+                                        <p:cTn id="32" dur="1000" fill="hold"/>
+                                        <p:tgtEl>
+                                          <p:spTgt spid="4">
+                                            <p:graphicEl>
+                                              <a:dgm id="{7FE62E54-E85F-4DBB-997F-689B5CDFD62D}"/>
+                                            </p:graphicEl>
+                                          </p:spTgt>
+                                        </p:tgtEl>
+                                        <p:attrNameLst>
+                                          <p:attrName>ppt_x</p:attrName>
+                                        </p:attrNameLst>
+                                      </p:cBhvr>
+                                      <p:tavLst>
+                                        <p:tav tm="0">
+                                          <p:val>
+                                            <p:strVal val="#ppt_x"/>
+                                          </p:val>
+                                        </p:tav>
+                                        <p:tav tm="100000">
+                                          <p:val>
+                                            <p:strVal val="#ppt_x"/>
+                                          </p:val>
+                                        </p:tav>
+                                      </p:tavLst>
+                                    </p:anim>
+                                    <p:anim calcmode="lin" valueType="num">
+                                      <p:cBhvr>
+                                        <p:cTn id="33" dur="1000" fill="hold"/>
+                                        <p:tgtEl>
+                                          <p:spTgt spid="4">
+                                            <p:graphicEl>
+                                              <a:dgm id="{7FE62E54-E85F-4DBB-997F-689B5CDFD62D}"/>
+                                            </p:graphicEl>
+                                          </p:spTgt>
+                                        </p:tgtEl>
+                                        <p:attrNameLst>
+                                          <p:attrName>ppt_y</p:attrName>
+                                        </p:attrNameLst>
+                                      </p:cBhvr>
+                                      <p:tavLst>
+                                        <p:tav tm="0">
+                                          <p:val>
+                                            <p:strVal val="#ppt_y+.1"/>
+                                          </p:val>
+                                        </p:tav>
+                                        <p:tav tm="100000">
+                                          <p:val>
+                                            <p:strVal val="#ppt_y"/>
+                                          </p:val>
+                                        </p:tav>
+                                      </p:tavLst>
+                                    </p:anim>
+                                  </p:childTnLst>
+                                </p:cTn>
+                              </p:par>
+                            </p:childTnLst>
+                          </p:cTn>
+                        </p:par>
+                        <p:par>
+                          <p:cTn id="34" fill="hold">
+                            <p:stCondLst>
+                              <p:cond delay="5000"/>
+                            </p:stCondLst>
+                            <p:childTnLst>
+                              <p:par>
+                                <p:cTn id="35" presetID="42" presetClass="entr" presetSubtype="0" fill="hold" grpId="0" nodeType="afterEffect">
+                                  <p:stCondLst>
+                                    <p:cond delay="0"/>
+                                  </p:stCondLst>
+                                  <p:childTnLst>
+                                    <p:set>
+                                      <p:cBhvr>
+                                        <p:cTn id="36" dur="1" fill="hold">
+                                          <p:stCondLst>
+                                            <p:cond delay="0"/>
+                                          </p:stCondLst>
+                                        </p:cTn>
+                                        <p:tgtEl>
+                                          <p:spTgt spid="4">
+                                            <p:graphicEl>
+                                              <a:dgm id="{34905F94-283E-4E2E-B949-4A5102C3F22E}"/>
+                                            </p:graphicEl>
+                                          </p:spTgt>
+                                        </p:tgtEl>
+                                        <p:attrNameLst>
+                                          <p:attrName>style.visibility</p:attrName>
+                                        </p:attrNameLst>
+                                      </p:cBhvr>
+                                      <p:to>
+                                        <p:strVal val="visible"/>
+                                      </p:to>
+                                    </p:set>
+                                    <p:animEffect transition="in" filter="fade">
+                                      <p:cBhvr>
+                                        <p:cTn id="37" dur="1000"/>
+                                        <p:tgtEl>
+                                          <p:spTgt spid="4">
+                                            <p:graphicEl>
+                                              <a:dgm id="{34905F94-283E-4E2E-B949-4A5102C3F22E}"/>
+                                            </p:graphicEl>
+                                          </p:spTgt>
+                                        </p:tgtEl>
+                                      </p:cBhvr>
+                                    </p:animEffect>
+                                    <p:anim calcmode="lin" valueType="num">
+                                      <p:cBhvr>
+                                        <p:cTn id="38" dur="1000" fill="hold"/>
+                                        <p:tgtEl>
+                                          <p:spTgt spid="4">
+                                            <p:graphicEl>
+                                              <a:dgm id="{34905F94-283E-4E2E-B949-4A5102C3F22E}"/>
+                                            </p:graphicEl>
+                                          </p:spTgt>
+                                        </p:tgtEl>
+                                        <p:attrNameLst>
+                                          <p:attrName>ppt_x</p:attrName>
+                                        </p:attrNameLst>
+                                      </p:cBhvr>
+                                      <p:tavLst>
+                                        <p:tav tm="0">
+                                          <p:val>
+                                            <p:strVal val="#ppt_x"/>
+                                          </p:val>
+                                        </p:tav>
+                                        <p:tav tm="100000">
+                                          <p:val>
+                                            <p:strVal val="#ppt_x"/>
+                                          </p:val>
+                                        </p:tav>
+                                      </p:tavLst>
+                                    </p:anim>
+                                    <p:anim calcmode="lin" valueType="num">
+                                      <p:cBhvr>
+                                        <p:cTn id="39" dur="1000" fill="hold"/>
+                                        <p:tgtEl>
+                                          <p:spTgt spid="4">
+                                            <p:graphicEl>
+                                              <a:dgm id="{34905F94-283E-4E2E-B949-4A5102C3F22E}"/>
+                                            </p:graphicEl>
+                                          </p:spTgt>
+                                        </p:tgtEl>
+                                        <p:attrNameLst>
+                                          <p:attrName>ppt_y</p:attrName>
+                                        </p:attrNameLst>
+                                      </p:cBhvr>
+                                      <p:tavLst>
+                                        <p:tav tm="0">
+                                          <p:val>
+                                            <p:strVal val="#ppt_y+.1"/>
+                                          </p:val>
+                                        </p:tav>
+                                        <p:tav tm="100000">
+                                          <p:val>
+                                            <p:strVal val="#ppt_y"/>
+                                          </p:val>
+                                        </p:tav>
+                                      </p:tavLst>
+                                    </p:anim>
+                                  </p:childTnLst>
+                                </p:cTn>
+                              </p:par>
+                            </p:childTnLst>
+                          </p:cTn>
+                        </p:par>
+                        <p:par>
+                          <p:cTn id="40" fill="hold">
+                            <p:stCondLst>
+                              <p:cond delay="6000"/>
+                            </p:stCondLst>
+                            <p:childTnLst>
+                              <p:par>
+                                <p:cTn id="41" presetID="42" presetClass="entr" presetSubtype="0" fill="hold" grpId="0" nodeType="afterEffect">
+                                  <p:stCondLst>
+                                    <p:cond delay="0"/>
+                                  </p:stCondLst>
+                                  <p:childTnLst>
+                                    <p:set>
+                                      <p:cBhvr>
+                                        <p:cTn id="42" dur="1" fill="hold">
+                                          <p:stCondLst>
+                                            <p:cond delay="0"/>
+                                          </p:stCondLst>
+                                        </p:cTn>
+                                        <p:tgtEl>
+                                          <p:spTgt spid="4">
+                                            <p:graphicEl>
+                                              <a:dgm id="{9D48952A-8DE3-45EB-8CB6-5152C3B3C507}"/>
+                                            </p:graphicEl>
+                                          </p:spTgt>
+                                        </p:tgtEl>
+                                        <p:attrNameLst>
+                                          <p:attrName>style.visibility</p:attrName>
+                                        </p:attrNameLst>
+                                      </p:cBhvr>
+                                      <p:to>
+                                        <p:strVal val="visible"/>
+                                      </p:to>
+                                    </p:set>
+                                    <p:animEffect transition="in" filter="fade">
+                                      <p:cBhvr>
+                                        <p:cTn id="43" dur="1000"/>
+                                        <p:tgtEl>
+                                          <p:spTgt spid="4">
+                                            <p:graphicEl>
+                                              <a:dgm id="{9D48952A-8DE3-45EB-8CB6-5152C3B3C507}"/>
+                                            </p:graphicEl>
+                                          </p:spTgt>
+                                        </p:tgtEl>
+                                      </p:cBhvr>
+                                    </p:animEffect>
+                                    <p:anim calcmode="lin" valueType="num">
+                                      <p:cBhvr>
+                                        <p:cTn id="44" dur="1000" fill="hold"/>
+                                        <p:tgtEl>
+                                          <p:spTgt spid="4">
+                                            <p:graphicEl>
+                                              <a:dgm id="{9D48952A-8DE3-45EB-8CB6-5152C3B3C507}"/>
+                                            </p:graphicEl>
+                                          </p:spTgt>
+                                        </p:tgtEl>
+                                        <p:attrNameLst>
+                                          <p:attrName>ppt_x</p:attrName>
+                                        </p:attrNameLst>
+                                      </p:cBhvr>
+                                      <p:tavLst>
+                                        <p:tav tm="0">
+                                          <p:val>
+                                            <p:strVal val="#ppt_x"/>
+                                          </p:val>
+                                        </p:tav>
+                                        <p:tav tm="100000">
+                                          <p:val>
+                                            <p:strVal val="#ppt_x"/>
+                                          </p:val>
+                                        </p:tav>
+                                      </p:tavLst>
+                                    </p:anim>
+                                    <p:anim calcmode="lin" valueType="num">
+                                      <p:cBhvr>
+                                        <p:cTn id="45" dur="1000" fill="hold"/>
+                                        <p:tgtEl>
+                                          <p:spTgt spid="4">
+                                            <p:graphicEl>
+                                              <a:dgm id="{9D48952A-8DE3-45EB-8CB6-5152C3B3C507}"/>
+                                            </p:graphicEl>
+                                          </p:spTgt>
+                                        </p:tgtEl>
+                                        <p:attrNameLst>
+                                          <p:attrName>ppt_y</p:attrName>
+                                        </p:attrNameLst>
+                                      </p:cBhvr>
+                                      <p:tavLst>
+                                        <p:tav tm="0">
+                                          <p:val>
+                                            <p:strVal val="#ppt_y+.1"/>
+                                          </p:val>
+                                        </p:tav>
+                                        <p:tav tm="100000">
+                                          <p:val>
+                                            <p:strVal val="#ppt_y"/>
+                                          </p:val>
+                                        </p:tav>
+                                      </p:tavLst>
+                                    </p:anim>
+                                  </p:childTnLst>
+                                </p:cTn>
+                              </p:par>
+                            </p:childTnLst>
+                          </p:cTn>
+                        </p:par>
+                        <p:par>
+                          <p:cTn id="46" fill="hold">
+                            <p:stCondLst>
+                              <p:cond delay="7000"/>
+                            </p:stCondLst>
+                            <p:childTnLst>
+                              <p:par>
+                                <p:cTn id="47" presetID="42" presetClass="entr" presetSubtype="0" fill="hold" grpId="0" nodeType="afterEffect">
+                                  <p:stCondLst>
+                                    <p:cond delay="0"/>
+                                  </p:stCondLst>
+                                  <p:childTnLst>
+                                    <p:set>
+                                      <p:cBhvr>
+                                        <p:cTn id="48" dur="1" fill="hold">
+                                          <p:stCondLst>
+                                            <p:cond delay="0"/>
+                                          </p:stCondLst>
+                                        </p:cTn>
+                                        <p:tgtEl>
+                                          <p:spTgt spid="4">
+                                            <p:graphicEl>
+                                              <a:dgm id="{4A90FFE2-DE88-4B0D-886D-0593F18265A5}"/>
+                                            </p:graphicEl>
+                                          </p:spTgt>
+                                        </p:tgtEl>
+                                        <p:attrNameLst>
+                                          <p:attrName>style.visibility</p:attrName>
+                                        </p:attrNameLst>
+                                      </p:cBhvr>
+                                      <p:to>
+                                        <p:strVal val="visible"/>
+                                      </p:to>
+                                    </p:set>
+                                    <p:animEffect transition="in" filter="fade">
+                                      <p:cBhvr>
+                                        <p:cTn id="49" dur="1000"/>
+                                        <p:tgtEl>
+                                          <p:spTgt spid="4">
+                                            <p:graphicEl>
+                                              <a:dgm id="{4A90FFE2-DE88-4B0D-886D-0593F18265A5}"/>
+                                            </p:graphicEl>
+                                          </p:spTgt>
+                                        </p:tgtEl>
+                                      </p:cBhvr>
+                                    </p:animEffect>
+                                    <p:anim calcmode="lin" valueType="num">
+                                      <p:cBhvr>
+                                        <p:cTn id="50" dur="1000" fill="hold"/>
+                                        <p:tgtEl>
+                                          <p:spTgt spid="4">
+                                            <p:graphicEl>
+                                              <a:dgm id="{4A90FFE2-DE88-4B0D-886D-0593F18265A5}"/>
+                                            </p:graphicEl>
+                                          </p:spTgt>
+                                        </p:tgtEl>
+                                        <p:attrNameLst>
+                                          <p:attrName>ppt_x</p:attrName>
+                                        </p:attrNameLst>
+                                      </p:cBhvr>
+                                      <p:tavLst>
+                                        <p:tav tm="0">
+                                          <p:val>
+                                            <p:strVal val="#ppt_x"/>
+                                          </p:val>
+                                        </p:tav>
+                                        <p:tav tm="100000">
+                                          <p:val>
+                                            <p:strVal val="#ppt_x"/>
+                                          </p:val>
+                                        </p:tav>
+                                      </p:tavLst>
+                                    </p:anim>
+                                    <p:anim calcmode="lin" valueType="num">
+                                      <p:cBhvr>
+                                        <p:cTn id="51" dur="1000" fill="hold"/>
+                                        <p:tgtEl>
+                                          <p:spTgt spid="4">
+                                            <p:graphicEl>
+                                              <a:dgm id="{4A90FFE2-DE88-4B0D-886D-0593F18265A5}"/>
+                                            </p:graphicEl>
+                                          </p:spTgt>
+                                        </p:tgtEl>
+                                        <p:attrNameLst>
+                                          <p:attrName>ppt_y</p:attrName>
+                                        </p:attrNameLst>
+                                      </p:cBhvr>
+                                      <p:tavLst>
+                                        <p:tav tm="0">
+                                          <p:val>
+                                            <p:strVal val="#ppt_y+.1"/>
+                                          </p:val>
+                                        </p:tav>
+                                        <p:tav tm="100000">
+                                          <p:val>
+                                            <p:strVal val="#ppt_y"/>
+                                          </p:val>
+                                        </p:tav>
+                                      </p:tavLst>
+                                    </p:anim>
+                                  </p:childTnLst>
+                                </p:cTn>
+                              </p:par>
+                            </p:childTnLst>
+                          </p:cTn>
+                        </p:par>
+                        <p:par>
+                          <p:cTn id="52" fill="hold">
+                            <p:stCondLst>
+                              <p:cond delay="8000"/>
+                            </p:stCondLst>
+                            <p:childTnLst>
+                              <p:par>
+                                <p:cTn id="53" presetID="42" presetClass="entr" presetSubtype="0" fill="hold" grpId="0" nodeType="afterEffect">
+                                  <p:stCondLst>
+                                    <p:cond delay="0"/>
+                                  </p:stCondLst>
+                                  <p:childTnLst>
+                                    <p:set>
+                                      <p:cBhvr>
+                                        <p:cTn id="54" dur="1" fill="hold">
+                                          <p:stCondLst>
+                                            <p:cond delay="0"/>
+                                          </p:stCondLst>
+                                        </p:cTn>
+                                        <p:tgtEl>
+                                          <p:spTgt spid="4">
+                                            <p:graphicEl>
+                                              <a:dgm id="{FBC026BE-7CB9-4486-AAD6-ED1AA59A4D6B}"/>
+                                            </p:graphicEl>
+                                          </p:spTgt>
+                                        </p:tgtEl>
+                                        <p:attrNameLst>
+                                          <p:attrName>style.visibility</p:attrName>
+                                        </p:attrNameLst>
+                                      </p:cBhvr>
+                                      <p:to>
+                                        <p:strVal val="visible"/>
+                                      </p:to>
+                                    </p:set>
+                                    <p:animEffect transition="in" filter="fade">
+                                      <p:cBhvr>
+                                        <p:cTn id="55" dur="1000"/>
+                                        <p:tgtEl>
+                                          <p:spTgt spid="4">
+                                            <p:graphicEl>
+                                              <a:dgm id="{FBC026BE-7CB9-4486-AAD6-ED1AA59A4D6B}"/>
+                                            </p:graphicEl>
+                                          </p:spTgt>
+                                        </p:tgtEl>
+                                      </p:cBhvr>
+                                    </p:animEffect>
+                                    <p:anim calcmode="lin" valueType="num">
+                                      <p:cBhvr>
+                                        <p:cTn id="56" dur="1000" fill="hold"/>
+                                        <p:tgtEl>
+                                          <p:spTgt spid="4">
+                                            <p:graphicEl>
+                                              <a:dgm id="{FBC026BE-7CB9-4486-AAD6-ED1AA59A4D6B}"/>
+                                            </p:graphicEl>
+                                          </p:spTgt>
+                                        </p:tgtEl>
+                                        <p:attrNameLst>
+                                          <p:attrName>ppt_x</p:attrName>
+                                        </p:attrNameLst>
+                                      </p:cBhvr>
+                                      <p:tavLst>
+                                        <p:tav tm="0">
+                                          <p:val>
+                                            <p:strVal val="#ppt_x"/>
+                                          </p:val>
+                                        </p:tav>
+                                        <p:tav tm="100000">
+                                          <p:val>
+                                            <p:strVal val="#ppt_x"/>
+                                          </p:val>
+                                        </p:tav>
+                                      </p:tavLst>
+                                    </p:anim>
+                                    <p:anim calcmode="lin" valueType="num">
+                                      <p:cBhvr>
+                                        <p:cTn id="57" dur="1000" fill="hold"/>
+                                        <p:tgtEl>
+                                          <p:spTgt spid="4">
+                                            <p:graphicEl>
+                                              <a:dgm id="{FBC026BE-7CB9-4486-AAD6-ED1AA59A4D6B}"/>
+                                            </p:graphicEl>
+                                          </p:spTgt>
+                                        </p:tgtEl>
+                                        <p:attrNameLst>
+                                          <p:attrName>ppt_y</p:attrName>
+                                        </p:attrNameLst>
+                                      </p:cBhvr>
+                                      <p:tavLst>
+                                        <p:tav tm="0">
+                                          <p:val>
+                                            <p:strVal val="#ppt_y+.1"/>
+                                          </p:val>
+                                        </p:tav>
+                                        <p:tav tm="100000">
+                                          <p:val>
+                                            <p:strVal val="#ppt_y"/>
+                                          </p:val>
+                                        </p:tav>
+                                      </p:tavLst>
+                                    </p:anim>
+                                  </p:childTnLst>
+                                </p:cTn>
+                              </p:par>
+                            </p:childTnLst>
+                          </p:cTn>
+                        </p:par>
+                        <p:par>
+                          <p:cTn id="58" fill="hold">
+                            <p:stCondLst>
+                              <p:cond delay="9000"/>
+                            </p:stCondLst>
+                            <p:childTnLst>
+                              <p:par>
+                                <p:cTn id="59" presetID="42" presetClass="entr" presetSubtype="0" fill="hold" grpId="0" nodeType="afterEffect">
+                                  <p:stCondLst>
+                                    <p:cond delay="0"/>
+                                  </p:stCondLst>
+                                  <p:childTnLst>
+                                    <p:set>
+                                      <p:cBhvr>
+                                        <p:cTn id="60" dur="1" fill="hold">
+                                          <p:stCondLst>
+                                            <p:cond delay="0"/>
+                                          </p:stCondLst>
+                                        </p:cTn>
+                                        <p:tgtEl>
+                                          <p:spTgt spid="4">
+                                            <p:graphicEl>
+                                              <a:dgm id="{E8B453A4-10D1-497E-82A0-9CF5B372D781}"/>
+                                            </p:graphicEl>
+                                          </p:spTgt>
+                                        </p:tgtEl>
+                                        <p:attrNameLst>
+                                          <p:attrName>style.visibility</p:attrName>
+                                        </p:attrNameLst>
+                                      </p:cBhvr>
+                                      <p:to>
+                                        <p:strVal val="visible"/>
+                                      </p:to>
+                                    </p:set>
+                                    <p:animEffect transition="in" filter="fade">
+                                      <p:cBhvr>
+                                        <p:cTn id="61" dur="1000"/>
+                                        <p:tgtEl>
+                                          <p:spTgt spid="4">
+                                            <p:graphicEl>
+                                              <a:dgm id="{E8B453A4-10D1-497E-82A0-9CF5B372D781}"/>
+                                            </p:graphicEl>
+                                          </p:spTgt>
+                                        </p:tgtEl>
+                                      </p:cBhvr>
+                                    </p:animEffect>
+                                    <p:anim calcmode="lin" valueType="num">
+                                      <p:cBhvr>
+                                        <p:cTn id="62" dur="1000" fill="hold"/>
+                                        <p:tgtEl>
+                                          <p:spTgt spid="4">
+                                            <p:graphicEl>
+                                              <a:dgm id="{E8B453A4-10D1-497E-82A0-9CF5B372D781}"/>
+                                            </p:graphicEl>
+                                          </p:spTgt>
+                                        </p:tgtEl>
+                                        <p:attrNameLst>
+                                          <p:attrName>ppt_x</p:attrName>
+                                        </p:attrNameLst>
+                                      </p:cBhvr>
+                                      <p:tavLst>
+                                        <p:tav tm="0">
+                                          <p:val>
+                                            <p:strVal val="#ppt_x"/>
+                                          </p:val>
+                                        </p:tav>
+                                        <p:tav tm="100000">
+                                          <p:val>
+                                            <p:strVal val="#ppt_x"/>
+                                          </p:val>
+                                        </p:tav>
+                                      </p:tavLst>
+                                    </p:anim>
+                                    <p:anim calcmode="lin" valueType="num">
+                                      <p:cBhvr>
+                                        <p:cTn id="63" dur="1000" fill="hold"/>
+                                        <p:tgtEl>
+                                          <p:spTgt spid="4">
+                                            <p:graphicEl>
+                                              <a:dgm id="{E8B453A4-10D1-497E-82A0-9CF5B372D781}"/>
+                                            </p:graphicEl>
+                                          </p:spTgt>
+                                        </p:tgtEl>
+                                        <p:attrNameLst>
+                                          <p:attrName>ppt_y</p:attrName>
+                                        </p:attrNameLst>
+                                      </p:cBhvr>
+                                      <p:tavLst>
+                                        <p:tav tm="0">
+                                          <p:val>
+                                            <p:strVal val="#ppt_y+.1"/>
+                                          </p:val>
+                                        </p:tav>
+                                        <p:tav tm="100000">
+                                          <p:val>
+                                            <p:strVal val="#ppt_y"/>
+                                          </p:val>
+                                        </p:tav>
+                                      </p:tavLst>
+                                    </p:anim>
+                                  </p:childTnLst>
+                                </p:cTn>
+                              </p:par>
+                            </p:childTnLst>
+                          </p:cTn>
+                        </p:par>
+                      </p:childTnLst>
+                    </p:cTn>
+                  </p:par>
+                </p:childTnLst>
+              </p:cTn>
+              <p:prevCondLst>
+                <p:cond evt="onPrev" delay="0">
+                  <p:tgtEl>
+                    <p:sldTgt/>
+                  </p:tgtEl>
+                </p:cond>
+              </p:prevCondLst>
+              <p:nextCondLst>
+                <p:cond evt="onNext" delay="0">
+                  <p:tgtEl>
+                    <p:sldTgt/>
+                  </p:tgtEl>
+                </p:cond>
+              </p:nextCondLst>
+            </p:seq>
+          </p:childTnLst>
+        </p:cTn>
+      </p:par>
+    </p:tnLst>
+    <p:bldLst>
+      <p:bldGraphic spid="4" grpId="0" uiExpand="1">
+        <p:bldSub>
+          <a:bldDgm/>
+        </p:bldSub>
+      </p:bldGraphic>
+    </p:bldLst>
+  </p:timing>
+</p:sld>
+</file>
+
+<file path=ppt/slides/slide33.xml><?xml version="1.0" encoding="utf-8"?>
+<p:sld xmlns:a="http://schemas.openxmlformats.org/drawingml/2006/main" xmlns:r="http://schemas.openxmlformats.org/officeDocument/2006/relationships" xmlns:p="http://schemas.openxmlformats.org/presentationml/2006/main">
+  <p:cSld>
+    <p:bg>
+      <p:bgPr>
+        <a:solidFill>
+          <a:schemeClr val="accent5">
+            <a:lumMod val="20000"/>
+            <a:lumOff val="80000"/>
+          </a:schemeClr>
+        </a:solidFill>
+        <a:effectLst/>
+      </p:bgPr>
+    </p:bg>
+    <p:spTree>
+      <p:nvGrpSpPr>
+        <p:cNvPr id="1" name=""/>
+        <p:cNvGrpSpPr/>
+        <p:nvPr/>
+      </p:nvGrpSpPr>
+      <p:grpSpPr>
+        <a:xfrm>
+          <a:off x="0" y="0"/>
+          <a:ext cx="0" cy="0"/>
+          <a:chOff x="0" y="0"/>
+          <a:chExt cx="0" cy="0"/>
+        </a:xfrm>
+      </p:grpSpPr>
+      <p:sp>
+        <p:nvSpPr>
+          <p:cNvPr id="7171" name="Rectangle 2"/>
+          <p:cNvSpPr>
+            <a:spLocks noGrp="1" noChangeArrowheads="1"/>
+          </p:cNvSpPr>
+          <p:nvPr>
+            <p:ph type="title"/>
+          </p:nvPr>
+        </p:nvSpPr>
+        <p:spPr>
+          <a:xfrm>
+            <a:off x="330198" y="608426"/>
+            <a:ext cx="4050555" cy="727494"/>
+          </a:xfrm>
+        </p:spPr>
+        <p:txBody>
+          <a:bodyPr>
+            <a:normAutofit fontScale="90000"/>
+          </a:bodyPr>
+          <a:lstStyle/>
+          <a:p>
+            <a:r>
+              <a:rPr lang="en-US" altLang="zh-CN" dirty="0">
+                <a:latin typeface="Arial" panose="020B0604020202020204" pitchFamily="34" charset="0"/>
+                <a:cs typeface="Arial" panose="020B0604020202020204" pitchFamily="34" charset="0"/>
+              </a:rPr>
+              <a:t>x.5 Fibers / Coroutine</a:t>
+            </a:r>
+            <a:endParaRPr lang="zh-CN" altLang="en-US" dirty="0">
+              <a:latin typeface="Arial" panose="020B0604020202020204" pitchFamily="34" charset="0"/>
+              <a:cs typeface="Arial" panose="020B0604020202020204" pitchFamily="34" charset="0"/>
+            </a:endParaRPr>
+          </a:p>
+        </p:txBody>
+      </p:sp>
+      <p:sp>
+        <p:nvSpPr>
+          <p:cNvPr id="7172" name="Rectangle 3"/>
+          <p:cNvSpPr>
+            <a:spLocks noGrp="1" noChangeArrowheads="1"/>
+          </p:cNvSpPr>
+          <p:nvPr>
+            <p:ph type="body" idx="1"/>
+          </p:nvPr>
+        </p:nvSpPr>
+        <p:spPr>
+          <a:xfrm>
+            <a:off x="1134208" y="1446431"/>
+            <a:ext cx="9704949" cy="4912165"/>
+          </a:xfrm>
+        </p:spPr>
+        <p:txBody>
+          <a:bodyPr>
+            <a:normAutofit fontScale="85000" lnSpcReduction="20000"/>
+          </a:bodyPr>
+          <a:lstStyle/>
+          <a:p>
+            <a:pPr marL="0" indent="0">
+              <a:buNone/>
+            </a:pPr>
+            <a:r>
+              <a:rPr lang="en-US" altLang="zh-CN" sz="3600" dirty="0"/>
+              <a:t>A fiber is a unit of execution that must be manually scheduled by the application. Fibers run in the context of the threads that schedule them. Each thread can schedule multiple fibers.</a:t>
+            </a:r>
+            <a:endParaRPr lang="en-US" altLang="zh-CN" sz="3300" dirty="0"/>
+          </a:p>
+          <a:p>
+            <a:pPr lvl="1"/>
+            <a:r>
+              <a:rPr lang="en-US" altLang="zh-CN" sz="3300" dirty="0"/>
+              <a:t>assumes the ID of the thread that runs it</a:t>
+            </a:r>
+          </a:p>
+          <a:p>
+            <a:pPr lvl="1"/>
+            <a:r>
+              <a:rPr lang="en-US" altLang="zh-CN" sz="3300" dirty="0"/>
+              <a:t>state info maintained for a fiber:</a:t>
+            </a:r>
+          </a:p>
+          <a:p>
+            <a:pPr lvl="2"/>
+            <a:r>
+              <a:rPr lang="en-US" altLang="zh-CN" sz="2900" dirty="0">
+                <a:latin typeface="Arial" panose="020B0604020202020204" pitchFamily="34" charset="0"/>
+                <a:cs typeface="Arial" panose="020B0604020202020204" pitchFamily="34" charset="0"/>
+              </a:rPr>
+              <a:t>stack</a:t>
+            </a:r>
+          </a:p>
+          <a:p>
+            <a:pPr lvl="2"/>
+            <a:r>
+              <a:rPr lang="en-US" altLang="zh-CN" sz="2900" dirty="0">
+                <a:latin typeface="Arial" panose="020B0604020202020204" pitchFamily="34" charset="0"/>
+                <a:cs typeface="Arial" panose="020B0604020202020204" pitchFamily="34" charset="0"/>
+              </a:rPr>
+              <a:t>a subset of its register – typically preserved across </a:t>
+            </a:r>
+            <a:r>
+              <a:rPr lang="en-US" altLang="zh-CN" sz="2900" dirty="0" err="1">
+                <a:latin typeface="Arial" panose="020B0604020202020204" pitchFamily="34" charset="0"/>
+                <a:cs typeface="Arial" panose="020B0604020202020204" pitchFamily="34" charset="0"/>
+              </a:rPr>
+              <a:t>func</a:t>
+            </a:r>
+            <a:r>
+              <a:rPr lang="en-US" altLang="zh-CN" sz="2900" dirty="0">
+                <a:latin typeface="Arial" panose="020B0604020202020204" pitchFamily="34" charset="0"/>
+                <a:cs typeface="Arial" panose="020B0604020202020204" pitchFamily="34" charset="0"/>
+              </a:rPr>
+              <a:t> call</a:t>
+            </a:r>
+          </a:p>
+          <a:p>
+            <a:pPr lvl="2"/>
+            <a:r>
+              <a:rPr lang="en-US" altLang="zh-CN" sz="2900" dirty="0">
+                <a:latin typeface="Arial" panose="020B0604020202020204" pitchFamily="34" charset="0"/>
+                <a:cs typeface="Arial" panose="020B0604020202020204" pitchFamily="34" charset="0"/>
+              </a:rPr>
+              <a:t>fiber data – provided during fiber creation</a:t>
+            </a:r>
+          </a:p>
+          <a:p>
+            <a:pPr lvl="1"/>
+            <a:r>
+              <a:rPr lang="en-US" altLang="zh-CN" sz="3300" dirty="0">
+                <a:latin typeface="Arial" panose="020B0604020202020204" pitchFamily="34" charset="0"/>
+                <a:cs typeface="Arial" panose="020B0604020202020204" pitchFamily="34" charset="0"/>
+              </a:rPr>
+              <a:t>not preemptively scheduled: system schedules threads</a:t>
+            </a:r>
+          </a:p>
+          <a:p>
+            <a:pPr lvl="2"/>
+            <a:r>
+              <a:rPr lang="en-US" altLang="zh-CN" sz="2900" dirty="0">
+                <a:latin typeface="Arial" panose="020B0604020202020204" pitchFamily="34" charset="0"/>
+                <a:cs typeface="Arial" panose="020B0604020202020204" pitchFamily="34" charset="0"/>
+              </a:rPr>
+              <a:t>switching to it from another fiber</a:t>
+            </a:r>
+          </a:p>
+          <a:p>
+            <a:pPr lvl="2"/>
+            <a:r>
+              <a:rPr lang="en-US" altLang="zh-CN" sz="2900" dirty="0">
+                <a:latin typeface="Arial" panose="020B0604020202020204" pitchFamily="34" charset="0"/>
+                <a:cs typeface="Arial" panose="020B0604020202020204" pitchFamily="34" charset="0"/>
+              </a:rPr>
+              <a:t>Be4 scheduling the first fiber, call </a:t>
+            </a:r>
+            <a:r>
+              <a:rPr lang="en-US" altLang="zh-CN" sz="2900" dirty="0" err="1">
+                <a:latin typeface="Arial" panose="020B0604020202020204" pitchFamily="34" charset="0"/>
+                <a:cs typeface="Arial" panose="020B0604020202020204" pitchFamily="34" charset="0"/>
+              </a:rPr>
+              <a:t>ConvertThreadToFiber</a:t>
+            </a:r>
+            <a:r>
+              <a:rPr lang="en-US" altLang="zh-CN" sz="2900" dirty="0">
+                <a:latin typeface="Arial" panose="020B0604020202020204" pitchFamily="34" charset="0"/>
+                <a:cs typeface="Arial" panose="020B0604020202020204" pitchFamily="34" charset="0"/>
+              </a:rPr>
+              <a:t> to create an area in which to save fiber state info</a:t>
+            </a:r>
+          </a:p>
+        </p:txBody>
+      </p:sp>
+      <p:sp>
+        <p:nvSpPr>
+          <p:cNvPr id="7" name="矩形 6">
+            <a:extLst>
+              <a:ext uri="{FF2B5EF4-FFF2-40B4-BE49-F238E27FC236}">
+                <a16:creationId xmlns:a16="http://schemas.microsoft.com/office/drawing/2014/main" id="{4F541047-89E9-4DBC-A29E-290C41DF8CBE}"/>
+              </a:ext>
+            </a:extLst>
+          </p:cNvPr>
+          <p:cNvSpPr/>
+          <p:nvPr/>
+        </p:nvSpPr>
+        <p:spPr>
+          <a:xfrm>
+            <a:off x="107267" y="313248"/>
+            <a:ext cx="10454054" cy="369332"/>
+          </a:xfrm>
+          <a:prstGeom prst="rect">
+            <a:avLst/>
+          </a:prstGeom>
+        </p:spPr>
+        <p:txBody>
+          <a:bodyPr wrap="square">
+            <a:spAutoFit/>
+          </a:bodyPr>
+          <a:lstStyle/>
+          <a:p>
+            <a:pPr lvl="0"/>
+            <a:r>
+              <a:rPr kumimoji="0" lang="zh-CN" altLang="en-US" sz="1800" b="0" i="0" u="none" strike="noStrike" kern="1200" cap="none" spc="0" normalizeH="0" baseline="0" noProof="0" dirty="0">
+                <a:ln>
+                  <a:noFill/>
+                </a:ln>
+                <a:solidFill>
+                  <a:srgbClr val="FF0000"/>
+                </a:solidFill>
+                <a:effectLst/>
+                <a:uLnTx/>
+                <a:uFillTx/>
+                <a:latin typeface="微软雅黑" panose="020B0503020204020204" pitchFamily="34" charset="-122"/>
+                <a:ea typeface="微软雅黑" panose="020B0503020204020204" pitchFamily="34" charset="-122"/>
+                <a:cs typeface="+mn-cs"/>
+              </a:rPr>
+              <a:t>参考网页  </a:t>
+            </a:r>
+            <a:r>
+              <a:rPr lang="en-US" altLang="zh-CN" sz="1800" dirty="0">
+                <a:solidFill>
+                  <a:srgbClr val="7030A0"/>
+                </a:solidFill>
+              </a:rPr>
+              <a:t>https://docs.microsoft.com/en-us/windows/win32/procthread/using-fibers</a:t>
+            </a:r>
+            <a:endParaRPr kumimoji="0" lang="zh-CN" altLang="en-US" sz="1800" b="0" i="0" u="none" strike="noStrike" kern="1200" cap="none" spc="0" normalizeH="0" baseline="0" noProof="0" dirty="0">
+              <a:ln>
+                <a:noFill/>
+              </a:ln>
+              <a:solidFill>
+                <a:srgbClr val="7030A0"/>
+              </a:solidFill>
+              <a:effectLst/>
+              <a:uLnTx/>
+              <a:uFillTx/>
+              <a:latin typeface="Calibri"/>
+              <a:ea typeface="宋体"/>
+              <a:cs typeface="+mn-cs"/>
+            </a:endParaRPr>
+          </a:p>
+        </p:txBody>
+      </p:sp>
+      <p:sp>
+        <p:nvSpPr>
+          <p:cNvPr id="2" name="矩形 1">
+            <a:extLst>
+              <a:ext uri="{FF2B5EF4-FFF2-40B4-BE49-F238E27FC236}">
+                <a16:creationId xmlns:a16="http://schemas.microsoft.com/office/drawing/2014/main" id="{92748AA7-DED5-47AE-A37C-0B6BB15450C0}"/>
+              </a:ext>
+            </a:extLst>
+          </p:cNvPr>
+          <p:cNvSpPr/>
+          <p:nvPr/>
+        </p:nvSpPr>
+        <p:spPr>
+          <a:xfrm>
+            <a:off x="4978366" y="710563"/>
+            <a:ext cx="1986441" cy="523220"/>
+          </a:xfrm>
+          <a:prstGeom prst="rect">
+            <a:avLst/>
+          </a:prstGeom>
+        </p:spPr>
+        <p:txBody>
+          <a:bodyPr wrap="none">
+            <a:spAutoFit/>
+          </a:bodyPr>
+          <a:lstStyle/>
+          <a:p>
+            <a:pPr marL="0" marR="0" lvl="0" indent="0" algn="l" defTabSz="685800" rtl="0" eaLnBrk="1" fontAlgn="auto" latinLnBrk="0" hangingPunct="1">
+              <a:lnSpc>
+                <a:spcPct val="100000"/>
+              </a:lnSpc>
+              <a:spcBef>
+                <a:spcPts val="0"/>
+              </a:spcBef>
+              <a:spcAft>
+                <a:spcPts val="0"/>
+              </a:spcAft>
+              <a:buClrTx/>
+              <a:buSzTx/>
+              <a:buFontTx/>
+              <a:buNone/>
+              <a:tabLst/>
+              <a:defRPr/>
+            </a:pPr>
+            <a:r>
+              <a:rPr lang="zh-CN" altLang="en-US" sz="2800" dirty="0">
+                <a:solidFill>
+                  <a:srgbClr val="7030A0"/>
+                </a:solidFill>
+                <a:latin typeface="微软雅黑" panose="020B0503020204020204" pitchFamily="34" charset="-122"/>
+                <a:ea typeface="微软雅黑" panose="020B0503020204020204" pitchFamily="34" charset="-122"/>
+                <a:cs typeface="Arial" panose="020B0604020202020204" pitchFamily="34" charset="0"/>
+              </a:rPr>
+              <a:t>纤程 </a:t>
+            </a:r>
+            <a:r>
+              <a:rPr lang="en-US" altLang="zh-CN" sz="2800" dirty="0">
+                <a:solidFill>
+                  <a:srgbClr val="7030A0"/>
+                </a:solidFill>
+                <a:latin typeface="微软雅黑" panose="020B0503020204020204" pitchFamily="34" charset="-122"/>
+                <a:ea typeface="微软雅黑" panose="020B0503020204020204" pitchFamily="34" charset="-122"/>
+                <a:cs typeface="Arial" panose="020B0604020202020204" pitchFamily="34" charset="0"/>
+              </a:rPr>
+              <a:t>/</a:t>
+            </a:r>
+            <a:r>
+              <a:rPr kumimoji="0" lang="en-US" altLang="zh-CN" sz="2800" b="0" i="0" u="none" strike="noStrike" kern="1200" cap="none" spc="0" normalizeH="0" baseline="0" noProof="0" dirty="0">
+                <a:ln>
+                  <a:noFill/>
+                </a:ln>
+                <a:solidFill>
+                  <a:srgbClr val="7030A0"/>
+                </a:solidFill>
+                <a:effectLst/>
+                <a:uLnTx/>
+                <a:uFillTx/>
+                <a:latin typeface="微软雅黑" panose="020B0503020204020204" pitchFamily="34" charset="-122"/>
+                <a:ea typeface="微软雅黑" panose="020B0503020204020204" pitchFamily="34" charset="-122"/>
+                <a:cs typeface="Arial" panose="020B0604020202020204" pitchFamily="34" charset="0"/>
+              </a:rPr>
+              <a:t> </a:t>
+            </a:r>
+            <a:r>
+              <a:rPr kumimoji="0" lang="zh-CN" altLang="en-US" sz="2800" b="0" i="0" u="none" strike="noStrike" kern="1200" cap="none" spc="0" normalizeH="0" baseline="0" noProof="0" dirty="0">
+                <a:ln>
+                  <a:noFill/>
+                </a:ln>
+                <a:solidFill>
+                  <a:srgbClr val="7030A0"/>
+                </a:solidFill>
+                <a:effectLst/>
+                <a:uLnTx/>
+                <a:uFillTx/>
+                <a:latin typeface="微软雅黑" panose="020B0503020204020204" pitchFamily="34" charset="-122"/>
+                <a:ea typeface="微软雅黑" panose="020B0503020204020204" pitchFamily="34" charset="-122"/>
+                <a:cs typeface="Arial" panose="020B0604020202020204" pitchFamily="34" charset="0"/>
+              </a:rPr>
+              <a:t>协程</a:t>
+            </a:r>
+          </a:p>
+        </p:txBody>
+      </p:sp>
+    </p:spTree>
+    <p:extLst>
+      <p:ext uri="{BB962C8B-B14F-4D97-AF65-F5344CB8AC3E}">
+        <p14:creationId xmlns:p14="http://schemas.microsoft.com/office/powerpoint/2010/main" val="2922093467"/>
+      </p:ext>
+    </p:extLst>
+  </p:cSld>
+  <p:clrMapOvr>
+    <a:masterClrMapping/>
+  </p:clrMapOvr>
+  <mc:AlternateContent xmlns:mc="http://schemas.openxmlformats.org/markup-compatibility/2006" xmlns:p14="http://schemas.microsoft.com/office/powerpoint/2010/main">
+    <mc:Choice Requires="p14">
+      <p:transition p14:dur="10"/>
+    </mc:Choice>
+    <mc:Fallback xmlns="">
+      <p:transition/>
+    </mc:Fallback>
+  </mc:AlternateContent>
+</p:sld>
+</file>
+
+<file path=ppt/slides/slide34.xml><?xml version="1.0" encoding="utf-8"?>
+<p:sld xmlns:a="http://schemas.openxmlformats.org/drawingml/2006/main" xmlns:r="http://schemas.openxmlformats.org/officeDocument/2006/relationships" xmlns:p="http://schemas.openxmlformats.org/presentationml/2006/main">
+  <p:cSld>
+    <p:bg>
+      <p:bgPr>
+        <a:solidFill>
+          <a:schemeClr val="accent5">
+            <a:lumMod val="20000"/>
+            <a:lumOff val="80000"/>
+          </a:schemeClr>
+        </a:solidFill>
+        <a:effectLst/>
+      </p:bgPr>
+    </p:bg>
+    <p:spTree>
+      <p:nvGrpSpPr>
+        <p:cNvPr id="1" name=""/>
+        <p:cNvGrpSpPr/>
+        <p:nvPr/>
+      </p:nvGrpSpPr>
+      <p:grpSpPr>
+        <a:xfrm>
+          <a:off x="0" y="0"/>
+          <a:ext cx="0" cy="0"/>
+          <a:chOff x="0" y="0"/>
+          <a:chExt cx="0" cy="0"/>
+        </a:xfrm>
+      </p:grpSpPr>
+      <p:sp>
+        <p:nvSpPr>
+          <p:cNvPr id="7172" name="Rectangle 3"/>
+          <p:cNvSpPr>
+            <a:spLocks noGrp="1" noChangeArrowheads="1"/>
+          </p:cNvSpPr>
+          <p:nvPr>
+            <p:ph type="body" idx="4294967295"/>
+          </p:nvPr>
+        </p:nvSpPr>
+        <p:spPr>
+          <a:xfrm>
+            <a:off x="1399736" y="759656"/>
+            <a:ext cx="9952160" cy="5957667"/>
+          </a:xfrm>
+        </p:spPr>
+        <p:txBody>
+          <a:bodyPr>
+            <a:normAutofit/>
+          </a:bodyPr>
+          <a:lstStyle/>
+          <a:p>
+            <a:pPr marL="0" indent="0">
+              <a:buNone/>
+            </a:pPr>
+            <a:r>
+              <a:rPr lang="en-US" altLang="zh-CN" sz="3600" dirty="0"/>
+              <a:t>5.1 Fiber functions</a:t>
+            </a:r>
+          </a:p>
+          <a:p>
+            <a:pPr lvl="1"/>
+            <a:r>
+              <a:rPr lang="en-US" altLang="zh-CN" sz="3200" dirty="0" err="1"/>
+              <a:t>CreateFiber</a:t>
+            </a:r>
+            <a:r>
+              <a:rPr lang="en-US" altLang="zh-CN" sz="3200" dirty="0"/>
+              <a:t>:</a:t>
+            </a:r>
+          </a:p>
+          <a:p>
+            <a:pPr lvl="2"/>
+            <a:r>
+              <a:rPr lang="en-US" altLang="zh-CN" sz="2800" dirty="0">
+                <a:latin typeface="Arial" panose="020B0604020202020204" pitchFamily="34" charset="0"/>
+                <a:cs typeface="Arial" panose="020B0604020202020204" pitchFamily="34" charset="0"/>
+              </a:rPr>
+              <a:t>stack size</a:t>
+            </a:r>
+          </a:p>
+          <a:p>
+            <a:pPr lvl="2"/>
+            <a:r>
+              <a:rPr lang="en-US" altLang="zh-CN" sz="2800" dirty="0">
+                <a:latin typeface="Arial" panose="020B0604020202020204" pitchFamily="34" charset="0"/>
+                <a:cs typeface="Arial" panose="020B0604020202020204" pitchFamily="34" charset="0"/>
+              </a:rPr>
+              <a:t>starting address – fiber function(takes fiber data as para and does not return a value)</a:t>
+            </a:r>
+          </a:p>
+          <a:p>
+            <a:pPr lvl="2"/>
+            <a:r>
+              <a:rPr lang="en-US" altLang="zh-CN" sz="2900" dirty="0">
+                <a:latin typeface="Arial" panose="020B0604020202020204" pitchFamily="34" charset="0"/>
+                <a:cs typeface="Arial" panose="020B0604020202020204" pitchFamily="34" charset="0"/>
+              </a:rPr>
+              <a:t>the fiber data</a:t>
+            </a:r>
+          </a:p>
+          <a:p>
+            <a:pPr lvl="1"/>
+            <a:r>
+              <a:rPr lang="en-US" altLang="zh-CN" sz="3200" dirty="0" err="1">
+                <a:latin typeface="Arial" panose="020B0604020202020204" pitchFamily="34" charset="0"/>
+                <a:cs typeface="Arial" panose="020B0604020202020204" pitchFamily="34" charset="0"/>
+              </a:rPr>
+              <a:t>SwitchToFiber</a:t>
+            </a:r>
+            <a:r>
+              <a:rPr lang="en-US" altLang="zh-CN" sz="3200" dirty="0">
+                <a:latin typeface="Arial" panose="020B0604020202020204" pitchFamily="34" charset="0"/>
+                <a:cs typeface="Arial" panose="020B0604020202020204" pitchFamily="34" charset="0"/>
+              </a:rPr>
+              <a:t>:</a:t>
+            </a:r>
+          </a:p>
+          <a:p>
+            <a:pPr lvl="2"/>
+            <a:r>
+              <a:rPr lang="en-US" altLang="zh-CN" sz="2800" dirty="0">
+                <a:latin typeface="Arial" panose="020B0604020202020204" pitchFamily="34" charset="0"/>
+                <a:cs typeface="Arial" panose="020B0604020202020204" pitchFamily="34" charset="0"/>
+              </a:rPr>
+              <a:t>execute fiber created with </a:t>
+            </a:r>
+            <a:r>
+              <a:rPr lang="en-US" altLang="zh-CN" sz="2800" dirty="0" err="1">
+                <a:latin typeface="Arial" panose="020B0604020202020204" pitchFamily="34" charset="0"/>
+                <a:cs typeface="Arial" panose="020B0604020202020204" pitchFamily="34" charset="0"/>
+              </a:rPr>
+              <a:t>CreateFiber</a:t>
+            </a:r>
+            <a:endParaRPr lang="en-US" altLang="zh-CN" sz="2800" dirty="0">
+              <a:latin typeface="Arial" panose="020B0604020202020204" pitchFamily="34" charset="0"/>
+              <a:cs typeface="Arial" panose="020B0604020202020204" pitchFamily="34" charset="0"/>
+            </a:endParaRPr>
+          </a:p>
+          <a:p>
+            <a:pPr lvl="2"/>
+            <a:r>
+              <a:rPr lang="en-US" altLang="zh-CN" sz="2800" dirty="0">
+                <a:latin typeface="Arial" panose="020B0604020202020204" pitchFamily="34" charset="0"/>
+                <a:cs typeface="Arial" panose="020B0604020202020204" pitchFamily="34" charset="0"/>
+              </a:rPr>
+              <a:t>the address maybe created by a diff thread</a:t>
+            </a:r>
+          </a:p>
+          <a:p>
+            <a:pPr lvl="2"/>
+            <a:r>
+              <a:rPr lang="en-US" altLang="zh-CN" sz="2800" dirty="0">
+                <a:latin typeface="Arial" panose="020B0604020202020204" pitchFamily="34" charset="0"/>
+                <a:cs typeface="Arial" panose="020B0604020202020204" pitchFamily="34" charset="0"/>
+              </a:rPr>
+              <a:t>must use proper synchronization</a:t>
+            </a:r>
+          </a:p>
+          <a:p>
+            <a:pPr lvl="1"/>
+            <a:r>
+              <a:rPr lang="en-US" altLang="zh-CN" sz="3200" dirty="0" err="1">
+                <a:latin typeface="Arial" panose="020B0604020202020204" pitchFamily="34" charset="0"/>
+                <a:cs typeface="Arial" panose="020B0604020202020204" pitchFamily="34" charset="0"/>
+              </a:rPr>
+              <a:t>GetFiberData</a:t>
+            </a:r>
+            <a:r>
+              <a:rPr lang="en-US" altLang="zh-CN" sz="3200" dirty="0">
+                <a:latin typeface="Arial" panose="020B0604020202020204" pitchFamily="34" charset="0"/>
+                <a:cs typeface="Arial" panose="020B0604020202020204" pitchFamily="34" charset="0"/>
+              </a:rPr>
+              <a:t>: retrieve the fiber data</a:t>
+            </a:r>
+          </a:p>
+          <a:p>
+            <a:pPr lvl="1"/>
+            <a:r>
+              <a:rPr lang="en-US" altLang="zh-CN" sz="3200" dirty="0" err="1">
+                <a:latin typeface="Arial" panose="020B0604020202020204" pitchFamily="34" charset="0"/>
+                <a:cs typeface="Arial" panose="020B0604020202020204" pitchFamily="34" charset="0"/>
+              </a:rPr>
+              <a:t>GetCurrentFiber</a:t>
+            </a:r>
+            <a:r>
+              <a:rPr lang="en-US" altLang="zh-CN" sz="3200" dirty="0">
+                <a:latin typeface="Arial" panose="020B0604020202020204" pitchFamily="34" charset="0"/>
+                <a:cs typeface="Arial" panose="020B0604020202020204" pitchFamily="34" charset="0"/>
+              </a:rPr>
+              <a:t>: retrieve the fiber address</a:t>
+            </a:r>
+          </a:p>
+          <a:p>
+            <a:pPr lvl="2"/>
+            <a:endParaRPr lang="en-US" altLang="zh-CN" sz="2900" dirty="0">
+              <a:latin typeface="Arial" panose="020B0604020202020204" pitchFamily="34" charset="0"/>
+              <a:cs typeface="Arial" panose="020B0604020202020204" pitchFamily="34" charset="0"/>
+            </a:endParaRPr>
+          </a:p>
+        </p:txBody>
+      </p:sp>
+    </p:spTree>
+    <p:extLst>
+      <p:ext uri="{BB962C8B-B14F-4D97-AF65-F5344CB8AC3E}">
+        <p14:creationId xmlns:p14="http://schemas.microsoft.com/office/powerpoint/2010/main" val="3425076505"/>
+      </p:ext>
+    </p:extLst>
+  </p:cSld>
+  <p:clrMapOvr>
+    <a:masterClrMapping/>
+  </p:clrMapOvr>
+  <mc:AlternateContent xmlns:mc="http://schemas.openxmlformats.org/markup-compatibility/2006" xmlns:p14="http://schemas.microsoft.com/office/powerpoint/2010/main">
+    <mc:Choice Requires="p14">
+      <p:transition p14:dur="10"/>
+    </mc:Choice>
+    <mc:Fallback xmlns="">
+      <p:transition/>
+    </mc:Fallback>
+  </mc:AlternateContent>
+</p:sld>
+</file>
+
+<file path=ppt/slides/slide35.xml><?xml version="1.0" encoding="utf-8"?>
+<p:sld xmlns:a="http://schemas.openxmlformats.org/drawingml/2006/main" xmlns:r="http://schemas.openxmlformats.org/officeDocument/2006/relationships" xmlns:p="http://schemas.openxmlformats.org/presentationml/2006/main">
+  <p:cSld>
+    <p:spTree>
+      <p:nvGrpSpPr>
+        <p:cNvPr id="1" name=""/>
+        <p:cNvGrpSpPr/>
+        <p:nvPr/>
+      </p:nvGrpSpPr>
+      <p:grpSpPr>
+        <a:xfrm>
+          <a:off x="0" y="0"/>
+          <a:ext cx="0" cy="0"/>
+          <a:chOff x="0" y="0"/>
+          <a:chExt cx="0" cy="0"/>
+        </a:xfrm>
+      </p:grpSpPr>
+      <p:sp>
+        <p:nvSpPr>
+          <p:cNvPr id="7172" name="Rectangle 3"/>
+          <p:cNvSpPr>
+            <a:spLocks noGrp="1" noChangeArrowheads="1"/>
+          </p:cNvSpPr>
+          <p:nvPr>
+            <p:ph type="body" idx="4294967295"/>
+          </p:nvPr>
+        </p:nvSpPr>
+        <p:spPr>
+          <a:xfrm>
+            <a:off x="1399736" y="759656"/>
+            <a:ext cx="9952160" cy="5957667"/>
+          </a:xfrm>
+        </p:spPr>
+        <p:txBody>
+          <a:bodyPr>
+            <a:normAutofit fontScale="92500" lnSpcReduction="10000"/>
+          </a:bodyPr>
+          <a:lstStyle/>
+          <a:p>
+            <a:pPr marL="0" indent="0">
+              <a:buNone/>
+            </a:pPr>
+            <a:r>
+              <a:rPr lang="en-US" altLang="zh-CN" sz="3600" dirty="0"/>
+              <a:t>5.2 FLS (Fiber Local Storage)</a:t>
+            </a:r>
+          </a:p>
+          <a:p>
+            <a:pPr lvl="1"/>
+            <a:r>
+              <a:rPr lang="en-US" altLang="zh-CN" sz="3200" dirty="0"/>
+              <a:t>A fiber can use FLS to create one for each:</a:t>
+            </a:r>
+          </a:p>
+          <a:p>
+            <a:pPr lvl="2"/>
+            <a:r>
+              <a:rPr lang="en-US" altLang="zh-CN" sz="2800" dirty="0">
+                <a:latin typeface="Arial" panose="020B0604020202020204" pitchFamily="34" charset="0"/>
+                <a:cs typeface="Arial" panose="020B0604020202020204" pitchFamily="34" charset="0"/>
+              </a:rPr>
+              <a:t>If no fiber switching occurs, FLS acts exactly the same as thread local storage</a:t>
+            </a:r>
+          </a:p>
+          <a:p>
+            <a:pPr lvl="2"/>
+            <a:r>
+              <a:rPr lang="en-US" altLang="zh-CN" sz="2800" dirty="0">
+                <a:latin typeface="Arial" panose="020B0604020202020204" pitchFamily="34" charset="0"/>
+                <a:cs typeface="Arial" panose="020B0604020202020204" pitchFamily="34" charset="0"/>
+              </a:rPr>
+              <a:t>FLS functions(</a:t>
+            </a:r>
+            <a:r>
+              <a:rPr lang="en-US" altLang="zh-CN" sz="2800" dirty="0" err="1">
+                <a:latin typeface="Arial" panose="020B0604020202020204" pitchFamily="34" charset="0"/>
+                <a:cs typeface="Arial" panose="020B0604020202020204" pitchFamily="34" charset="0"/>
+              </a:rPr>
+              <a:t>FlsAlloc</a:t>
+            </a:r>
+            <a:r>
+              <a:rPr lang="en-US" altLang="zh-CN" sz="2800" dirty="0">
+                <a:latin typeface="Arial" panose="020B0604020202020204" pitchFamily="34" charset="0"/>
+                <a:cs typeface="Arial" panose="020B0604020202020204" pitchFamily="34" charset="0"/>
+              </a:rPr>
+              <a:t>, </a:t>
+            </a:r>
+            <a:r>
+              <a:rPr lang="en-US" altLang="zh-CN" sz="2800" dirty="0" err="1">
+                <a:latin typeface="Arial" panose="020B0604020202020204" pitchFamily="34" charset="0"/>
+                <a:cs typeface="Arial" panose="020B0604020202020204" pitchFamily="34" charset="0"/>
+              </a:rPr>
+              <a:t>FlsFree</a:t>
+            </a:r>
+            <a:r>
+              <a:rPr lang="en-US" altLang="zh-CN" sz="2800" dirty="0">
+                <a:latin typeface="Arial" panose="020B0604020202020204" pitchFamily="34" charset="0"/>
+                <a:cs typeface="Arial" panose="020B0604020202020204" pitchFamily="34" charset="0"/>
+              </a:rPr>
+              <a:t>, </a:t>
+            </a:r>
+            <a:r>
+              <a:rPr lang="en-US" altLang="zh-CN" sz="2800" dirty="0" err="1">
+                <a:latin typeface="Arial" panose="020B0604020202020204" pitchFamily="34" charset="0"/>
+                <a:cs typeface="Arial" panose="020B0604020202020204" pitchFamily="34" charset="0"/>
+              </a:rPr>
+              <a:t>FlsGetValue</a:t>
+            </a:r>
+            <a:r>
+              <a:rPr lang="en-US" altLang="zh-CN" sz="2800" dirty="0">
+                <a:latin typeface="Arial" panose="020B0604020202020204" pitchFamily="34" charset="0"/>
+                <a:cs typeface="Arial" panose="020B0604020202020204" pitchFamily="34" charset="0"/>
+              </a:rPr>
+              <a:t>, and </a:t>
+            </a:r>
+            <a:r>
+              <a:rPr lang="en-US" altLang="zh-CN" sz="2800" dirty="0" err="1">
+                <a:latin typeface="Arial" panose="020B0604020202020204" pitchFamily="34" charset="0"/>
+                <a:cs typeface="Arial" panose="020B0604020202020204" pitchFamily="34" charset="0"/>
+              </a:rPr>
+              <a:t>FlsSetValue</a:t>
+            </a:r>
+            <a:r>
+              <a:rPr lang="en-US" altLang="zh-CN" sz="2800" dirty="0">
+                <a:latin typeface="Arial" panose="020B0604020202020204" pitchFamily="34" charset="0"/>
+                <a:cs typeface="Arial" panose="020B0604020202020204" pitchFamily="34" charset="0"/>
+              </a:rPr>
+              <a:t>) manipulate the FLS associated with the current thread</a:t>
+            </a:r>
+          </a:p>
+          <a:p>
+            <a:pPr lvl="2"/>
+            <a:r>
+              <a:rPr lang="en-US" altLang="zh-CN" sz="2800" dirty="0">
+                <a:latin typeface="Arial" panose="020B0604020202020204" pitchFamily="34" charset="0"/>
+                <a:cs typeface="Arial" panose="020B0604020202020204" pitchFamily="34" charset="0"/>
+              </a:rPr>
+              <a:t>FLS switched if the fiber switched</a:t>
+            </a:r>
+          </a:p>
+          <a:p>
+            <a:pPr lvl="1"/>
+            <a:r>
+              <a:rPr lang="en-US" altLang="zh-CN" sz="3200" dirty="0" err="1">
+                <a:latin typeface="Arial" panose="020B0604020202020204" pitchFamily="34" charset="0"/>
+                <a:cs typeface="Arial" panose="020B0604020202020204" pitchFamily="34" charset="0"/>
+              </a:rPr>
+              <a:t>DeleteFiber</a:t>
+            </a:r>
+            <a:r>
+              <a:rPr lang="en-US" altLang="zh-CN" sz="3200" dirty="0">
+                <a:latin typeface="Arial" panose="020B0604020202020204" pitchFamily="34" charset="0"/>
+                <a:cs typeface="Arial" panose="020B0604020202020204" pitchFamily="34" charset="0"/>
+              </a:rPr>
+              <a:t>:</a:t>
+            </a:r>
+          </a:p>
+          <a:p>
+            <a:pPr lvl="2"/>
+            <a:r>
+              <a:rPr lang="en-US" altLang="zh-CN" sz="2800" dirty="0">
+                <a:latin typeface="Arial" panose="020B0604020202020204" pitchFamily="34" charset="0"/>
+                <a:cs typeface="Arial" panose="020B0604020202020204" pitchFamily="34" charset="0"/>
+              </a:rPr>
+              <a:t>clean up data associated with a fiber (the stack, a subset of registers, and the fiber data)</a:t>
+            </a:r>
+          </a:p>
+          <a:p>
+            <a:pPr lvl="2"/>
+            <a:r>
+              <a:rPr lang="en-US" altLang="zh-CN" sz="2800" dirty="0">
+                <a:latin typeface="Arial" panose="020B0604020202020204" pitchFamily="34" charset="0"/>
+                <a:cs typeface="Arial" panose="020B0604020202020204" pitchFamily="34" charset="0"/>
+              </a:rPr>
+              <a:t>its thread calls </a:t>
+            </a:r>
+            <a:r>
+              <a:rPr lang="en-US" altLang="zh-CN" sz="2800" dirty="0" err="1">
+                <a:latin typeface="Arial" panose="020B0604020202020204" pitchFamily="34" charset="0"/>
+                <a:cs typeface="Arial" panose="020B0604020202020204" pitchFamily="34" charset="0"/>
+              </a:rPr>
+              <a:t>ExitThread</a:t>
+            </a:r>
+            <a:r>
+              <a:rPr lang="en-US" altLang="zh-CN" sz="2800" dirty="0">
+                <a:latin typeface="Arial" panose="020B0604020202020204" pitchFamily="34" charset="0"/>
+                <a:cs typeface="Arial" panose="020B0604020202020204" pitchFamily="34" charset="0"/>
+              </a:rPr>
+              <a:t> and terminates</a:t>
+            </a:r>
+          </a:p>
+          <a:p>
+            <a:pPr lvl="2"/>
+            <a:r>
+              <a:rPr lang="en-US" altLang="zh-CN" sz="2900" dirty="0">
+                <a:latin typeface="Arial" panose="020B0604020202020204" pitchFamily="34" charset="0"/>
+                <a:cs typeface="Arial" panose="020B0604020202020204" pitchFamily="34" charset="0"/>
+              </a:rPr>
+              <a:t>if selected fiber of a thread is deleted by a fiber running in another thread, the thread with the deleted fiber is likely to terminated abnormally because the fiber stack has been freed</a:t>
+            </a:r>
+          </a:p>
+        </p:txBody>
+      </p:sp>
+    </p:spTree>
+    <p:extLst>
+      <p:ext uri="{BB962C8B-B14F-4D97-AF65-F5344CB8AC3E}">
+        <p14:creationId xmlns:p14="http://schemas.microsoft.com/office/powerpoint/2010/main" val="939043733"/>
+      </p:ext>
+    </p:extLst>
+  </p:cSld>
+  <p:clrMapOvr>
+    <a:masterClrMapping/>
+  </p:clrMapOvr>
+  <mc:AlternateContent xmlns:mc="http://schemas.openxmlformats.org/markup-compatibility/2006" xmlns:p14="http://schemas.microsoft.com/office/powerpoint/2010/main">
+    <mc:Choice Requires="p14">
+      <p:transition p14:dur="10"/>
+    </mc:Choice>
+    <mc:Fallback xmlns="">
+      <p:transition/>
+    </mc:Fallback>
+  </mc:AlternateContent>
+</p:sld>
+</file>
+
+<file path=ppt/slides/slide36.xml><?xml version="1.0" encoding="utf-8"?>
+<p:sld xmlns:a="http://schemas.openxmlformats.org/drawingml/2006/main" xmlns:r="http://schemas.openxmlformats.org/officeDocument/2006/relationships" xmlns:p="http://schemas.openxmlformats.org/presentationml/2006/main">
+  <p:cSld>
+    <p:bg>
+      <p:bgPr>
+        <a:solidFill>
+          <a:schemeClr val="accent5">
+            <a:lumMod val="20000"/>
+            <a:lumOff val="80000"/>
+          </a:schemeClr>
+        </a:solidFill>
+        <a:effectLst/>
+      </p:bgPr>
+    </p:bg>
+    <p:spTree>
+      <p:nvGrpSpPr>
+        <p:cNvPr id="1" name=""/>
+        <p:cNvGrpSpPr/>
+        <p:nvPr/>
+      </p:nvGrpSpPr>
+      <p:grpSpPr>
+        <a:xfrm>
+          <a:off x="0" y="0"/>
+          <a:ext cx="0" cy="0"/>
+          <a:chOff x="0" y="0"/>
+          <a:chExt cx="0" cy="0"/>
+        </a:xfrm>
+      </p:grpSpPr>
+      <p:sp>
+        <p:nvSpPr>
+          <p:cNvPr id="7172" name="Rectangle 3"/>
+          <p:cNvSpPr>
+            <a:spLocks noGrp="1" noChangeArrowheads="1"/>
+          </p:cNvSpPr>
+          <p:nvPr>
+            <p:ph type="body" idx="4294967295"/>
+          </p:nvPr>
+        </p:nvSpPr>
+        <p:spPr>
+          <a:xfrm>
+            <a:off x="1399736" y="759656"/>
+            <a:ext cx="9952160" cy="5957667"/>
+          </a:xfrm>
+        </p:spPr>
+        <p:txBody>
+          <a:bodyPr>
+            <a:normAutofit/>
+          </a:bodyPr>
+          <a:lstStyle/>
+          <a:p>
+            <a:pPr marL="0" indent="0">
+              <a:buNone/>
+            </a:pPr>
+            <a:r>
+              <a:rPr lang="en-US" altLang="zh-CN" sz="3600" dirty="0"/>
+              <a:t>5.3 Coroutine</a:t>
+            </a:r>
+          </a:p>
+          <a:p>
+            <a:pPr lvl="1"/>
+            <a:r>
+              <a:rPr lang="en-US" altLang="zh-CN" sz="3200" dirty="0"/>
+              <a:t>functions that can invoke each other but do not share a stack:</a:t>
+            </a:r>
+          </a:p>
+          <a:p>
+            <a:pPr lvl="2"/>
+            <a:r>
+              <a:rPr lang="en-US" altLang="zh-CN" sz="2800" dirty="0">
+                <a:latin typeface="Arial" panose="020B0604020202020204" pitchFamily="34" charset="0"/>
+                <a:cs typeface="Arial" panose="020B0604020202020204" pitchFamily="34" charset="0"/>
+              </a:rPr>
+              <a:t>flexibly suspend their execution at any point to enter a different coroutine</a:t>
+            </a:r>
+            <a:endParaRPr lang="en-US" altLang="zh-CN" sz="2900" dirty="0">
+              <a:latin typeface="Arial" panose="020B0604020202020204" pitchFamily="34" charset="0"/>
+              <a:cs typeface="Arial" panose="020B0604020202020204" pitchFamily="34" charset="0"/>
+            </a:endParaRPr>
+          </a:p>
+          <a:p>
+            <a:pPr lvl="1"/>
+            <a:r>
+              <a:rPr lang="en-US" altLang="zh-CN" sz="3200" dirty="0">
+                <a:latin typeface="Arial" panose="020B0604020202020204" pitchFamily="34" charset="0"/>
+                <a:cs typeface="Arial" panose="020B0604020202020204" pitchFamily="34" charset="0"/>
+              </a:rPr>
+              <a:t>Coroutines are the base for cooperative tasks, event loops, infinite data streams, or pipelines:</a:t>
+            </a:r>
+          </a:p>
+          <a:p>
+            <a:pPr lvl="2"/>
+            <a:endParaRPr lang="en-US" altLang="zh-CN" sz="2900" dirty="0">
+              <a:latin typeface="Arial" panose="020B0604020202020204" pitchFamily="34" charset="0"/>
+              <a:cs typeface="Arial" panose="020B0604020202020204" pitchFamily="34" charset="0"/>
+            </a:endParaRPr>
+          </a:p>
+        </p:txBody>
+      </p:sp>
+      <p:sp>
+        <p:nvSpPr>
+          <p:cNvPr id="2" name="矩形 1">
+            <a:extLst>
+              <a:ext uri="{FF2B5EF4-FFF2-40B4-BE49-F238E27FC236}">
+                <a16:creationId xmlns:a16="http://schemas.microsoft.com/office/drawing/2014/main" id="{74FB31CC-67A6-4149-9936-8FA7C941B316}"/>
+              </a:ext>
+            </a:extLst>
+          </p:cNvPr>
+          <p:cNvSpPr/>
+          <p:nvPr/>
+        </p:nvSpPr>
+        <p:spPr>
+          <a:xfrm>
+            <a:off x="5296907" y="4142937"/>
+            <a:ext cx="3389326" cy="400110"/>
+          </a:xfrm>
+          <a:prstGeom prst="rect">
+            <a:avLst/>
+          </a:prstGeom>
+        </p:spPr>
+        <p:txBody>
+          <a:bodyPr wrap="none">
+            <a:spAutoFit/>
+          </a:bodyPr>
+          <a:lstStyle/>
+          <a:p>
+            <a:r>
+              <a:rPr lang="en-US" altLang="zh-CN" sz="2000" dirty="0">
+                <a:solidFill>
+                  <a:schemeClr val="accent3">
+                    <a:lumMod val="50000"/>
+                  </a:schemeClr>
+                </a:solidFill>
+                <a:latin typeface="Arial" panose="020B0604020202020204" pitchFamily="34" charset="0"/>
+                <a:cs typeface="Arial" panose="020B0604020202020204" pitchFamily="34" charset="0"/>
+              </a:rPr>
+              <a:t>https://lewissbaker.github.io/</a:t>
+            </a:r>
+            <a:endParaRPr lang="zh-CN" altLang="en-US" sz="2000" dirty="0">
+              <a:solidFill>
+                <a:schemeClr val="accent3">
+                  <a:lumMod val="50000"/>
+                </a:schemeClr>
+              </a:solidFill>
+              <a:latin typeface="Arial" panose="020B0604020202020204" pitchFamily="34" charset="0"/>
+              <a:cs typeface="Arial" panose="020B0604020202020204" pitchFamily="34" charset="0"/>
+            </a:endParaRPr>
+          </a:p>
+        </p:txBody>
+      </p:sp>
+      <p:sp>
+        <p:nvSpPr>
+          <p:cNvPr id="3" name="矩形 2">
+            <a:extLst>
+              <a:ext uri="{FF2B5EF4-FFF2-40B4-BE49-F238E27FC236}">
+                <a16:creationId xmlns:a16="http://schemas.microsoft.com/office/drawing/2014/main" id="{6185BA0E-8279-47DA-BE03-18A9F101C78E}"/>
+              </a:ext>
+            </a:extLst>
+          </p:cNvPr>
+          <p:cNvSpPr/>
+          <p:nvPr/>
+        </p:nvSpPr>
+        <p:spPr>
+          <a:xfrm>
+            <a:off x="5296907" y="4667812"/>
+            <a:ext cx="6895093" cy="400110"/>
+          </a:xfrm>
+          <a:prstGeom prst="rect">
+            <a:avLst/>
+          </a:prstGeom>
+        </p:spPr>
+        <p:txBody>
+          <a:bodyPr wrap="none">
+            <a:spAutoFit/>
+          </a:bodyPr>
+          <a:lstStyle/>
+          <a:p>
+            <a:r>
+              <a:rPr lang="en-US" altLang="zh-CN" sz="2000" dirty="0">
+                <a:solidFill>
+                  <a:schemeClr val="accent3">
+                    <a:lumMod val="50000"/>
+                  </a:schemeClr>
+                </a:solidFill>
+                <a:latin typeface="Arial" panose="020B0604020202020204" pitchFamily="34" charset="0"/>
+                <a:cs typeface="Arial" panose="020B0604020202020204" pitchFamily="34" charset="0"/>
+              </a:rPr>
+              <a:t>https://www.scs.stanford.edu/~dm/blog/c++-coroutines.html</a:t>
+            </a:r>
+            <a:endParaRPr lang="zh-CN" altLang="en-US" sz="2000" dirty="0">
+              <a:solidFill>
+                <a:schemeClr val="accent3">
+                  <a:lumMod val="50000"/>
+                </a:schemeClr>
+              </a:solidFill>
+              <a:latin typeface="Arial" panose="020B0604020202020204" pitchFamily="34" charset="0"/>
+              <a:cs typeface="Arial" panose="020B0604020202020204" pitchFamily="34" charset="0"/>
+            </a:endParaRPr>
+          </a:p>
+        </p:txBody>
+      </p:sp>
+      <p:sp>
+        <p:nvSpPr>
+          <p:cNvPr id="4" name="矩形 3">
+            <a:extLst>
+              <a:ext uri="{FF2B5EF4-FFF2-40B4-BE49-F238E27FC236}">
+                <a16:creationId xmlns:a16="http://schemas.microsoft.com/office/drawing/2014/main" id="{944AD536-58AD-40A8-AF3C-260FC1595FA2}"/>
+              </a:ext>
+            </a:extLst>
+          </p:cNvPr>
+          <p:cNvSpPr/>
+          <p:nvPr/>
+        </p:nvSpPr>
+        <p:spPr>
+          <a:xfrm>
+            <a:off x="330591" y="5361501"/>
+            <a:ext cx="11795760" cy="1200329"/>
+          </a:xfrm>
+          <a:prstGeom prst="rect">
+            <a:avLst/>
+          </a:prstGeom>
+        </p:spPr>
+        <p:txBody>
+          <a:bodyPr wrap="square">
+            <a:spAutoFit/>
+          </a:bodyPr>
+          <a:lstStyle/>
+          <a:p>
+            <a:r>
+              <a:rPr lang="en-US" altLang="zh-CN" sz="1800" dirty="0">
+                <a:solidFill>
+                  <a:schemeClr val="accent3">
+                    <a:lumMod val="50000"/>
+                  </a:schemeClr>
+                </a:solidFill>
+                <a:latin typeface="Arial" panose="020B0604020202020204" pitchFamily="34" charset="0"/>
+                <a:cs typeface="Arial" panose="020B0604020202020204" pitchFamily="34" charset="0"/>
+              </a:rPr>
+              <a:t>Kenny Kerr: From Algorithms to Coroutines in C++</a:t>
+            </a:r>
+          </a:p>
+          <a:p>
+            <a:r>
+              <a:rPr lang="en-US" altLang="zh-CN" sz="1800" dirty="0">
+                <a:solidFill>
+                  <a:schemeClr val="accent3">
+                    <a:lumMod val="50000"/>
+                  </a:schemeClr>
+                </a:solidFill>
+                <a:latin typeface="Arial" panose="020B0604020202020204" pitchFamily="34" charset="0"/>
+                <a:cs typeface="Arial" panose="020B0604020202020204" pitchFamily="34" charset="0"/>
+              </a:rPr>
+              <a:t>https://docs.microsoft.com/en-us/archive/msdn-magazine/2017/october/c-from-algorithms-to-coroutines-in-c</a:t>
+            </a:r>
+          </a:p>
+          <a:p>
+            <a:r>
+              <a:rPr lang="en-US" altLang="zh-CN" sz="1800" dirty="0">
+                <a:solidFill>
+                  <a:schemeClr val="accent3">
+                    <a:lumMod val="50000"/>
+                  </a:schemeClr>
+                </a:solidFill>
+                <a:latin typeface="Arial" panose="020B0604020202020204" pitchFamily="34" charset="0"/>
+                <a:cs typeface="Arial" panose="020B0604020202020204" pitchFamily="34" charset="0"/>
+              </a:rPr>
+              <a:t>Kenny Kerr: Effective Async with Coroutines and C++/WinRT</a:t>
+            </a:r>
+          </a:p>
+          <a:p>
+            <a:r>
+              <a:rPr lang="en-US" altLang="zh-CN" sz="1800" dirty="0">
+                <a:solidFill>
+                  <a:schemeClr val="accent3">
+                    <a:lumMod val="50000"/>
+                  </a:schemeClr>
+                </a:solidFill>
+                <a:latin typeface="Arial" panose="020B0604020202020204" pitchFamily="34" charset="0"/>
+                <a:cs typeface="Arial" panose="020B0604020202020204" pitchFamily="34" charset="0"/>
+              </a:rPr>
+              <a:t>https://docs.microsoft.com/en-us/archive/msdn-magazine/2018/june/c-effective-async-with-coroutines-and-c-winrt</a:t>
+            </a:r>
+            <a:endParaRPr lang="zh-CN" altLang="en-US" sz="1800" dirty="0">
+              <a:solidFill>
+                <a:schemeClr val="accent3">
+                  <a:lumMod val="50000"/>
+                </a:schemeClr>
+              </a:solidFill>
+              <a:latin typeface="Arial" panose="020B0604020202020204" pitchFamily="34" charset="0"/>
+              <a:cs typeface="Arial" panose="020B0604020202020204" pitchFamily="34" charset="0"/>
+            </a:endParaRPr>
+          </a:p>
+        </p:txBody>
+      </p:sp>
+      <p:sp>
+        <p:nvSpPr>
+          <p:cNvPr id="5" name="矩形 4">
+            <a:extLst>
+              <a:ext uri="{FF2B5EF4-FFF2-40B4-BE49-F238E27FC236}">
+                <a16:creationId xmlns:a16="http://schemas.microsoft.com/office/drawing/2014/main" id="{FFB8DA73-BF51-417F-B5A6-0EA47AE4D413}"/>
+              </a:ext>
+            </a:extLst>
+          </p:cNvPr>
+          <p:cNvSpPr/>
+          <p:nvPr/>
+        </p:nvSpPr>
+        <p:spPr>
+          <a:xfrm>
+            <a:off x="402887" y="4298480"/>
+            <a:ext cx="2326278" cy="369332"/>
+          </a:xfrm>
+          <a:prstGeom prst="rect">
+            <a:avLst/>
+          </a:prstGeom>
+        </p:spPr>
+        <p:txBody>
+          <a:bodyPr wrap="none">
+            <a:spAutoFit/>
+          </a:bodyPr>
+          <a:lstStyle/>
+          <a:p>
+            <a:r>
+              <a:rPr lang="en-US" altLang="zh-CN" sz="1800" dirty="0">
+                <a:solidFill>
+                  <a:srgbClr val="C00000"/>
+                </a:solidFill>
+                <a:latin typeface="Arial" panose="020B0604020202020204" pitchFamily="34" charset="0"/>
+                <a:cs typeface="Arial" panose="020B0604020202020204" pitchFamily="34" charset="0"/>
+              </a:rPr>
+              <a:t>no internal scheduler</a:t>
+            </a:r>
+            <a:endParaRPr lang="zh-CN" altLang="en-US" sz="1800" dirty="0">
+              <a:solidFill>
+                <a:srgbClr val="C00000"/>
+              </a:solidFill>
+              <a:latin typeface="Arial" panose="020B0604020202020204" pitchFamily="34" charset="0"/>
+              <a:cs typeface="Arial" panose="020B0604020202020204" pitchFamily="34" charset="0"/>
+            </a:endParaRPr>
+          </a:p>
+        </p:txBody>
+      </p:sp>
+    </p:spTree>
+    <p:extLst>
+      <p:ext uri="{BB962C8B-B14F-4D97-AF65-F5344CB8AC3E}">
+        <p14:creationId xmlns:p14="http://schemas.microsoft.com/office/powerpoint/2010/main" val="265074894"/>
+      </p:ext>
+    </p:extLst>
+  </p:cSld>
+  <p:clrMapOvr>
+    <a:masterClrMapping/>
+  </p:clrMapOvr>
+  <mc:AlternateContent xmlns:mc="http://schemas.openxmlformats.org/markup-compatibility/2006" xmlns:p14="http://schemas.microsoft.com/office/powerpoint/2010/main">
+    <mc:Choice Requires="p14">
+      <p:transition p14:dur="10"/>
+    </mc:Choice>
+    <mc:Fallback xmlns="">
+      <p:transition/>
+    </mc:Fallback>
+  </mc:AlternateContent>
+</p:sld>
+</file>
+
+<file path=ppt/slides/slide37.xml><?xml version="1.0" encoding="utf-8"?>
+<p:sld xmlns:a="http://schemas.openxmlformats.org/drawingml/2006/main" xmlns:r="http://schemas.openxmlformats.org/officeDocument/2006/relationships" xmlns:p="http://schemas.openxmlformats.org/presentationml/2006/main">
+  <p:cSld>
+    <p:spTree>
+      <p:nvGrpSpPr>
+        <p:cNvPr id="1" name=""/>
+        <p:cNvGrpSpPr/>
+        <p:nvPr/>
+      </p:nvGrpSpPr>
+      <p:grpSpPr>
+        <a:xfrm>
+          <a:off x="0" y="0"/>
+          <a:ext cx="0" cy="0"/>
+          <a:chOff x="0" y="0"/>
+          <a:chExt cx="0" cy="0"/>
+        </a:xfrm>
+      </p:grpSpPr>
+      <p:sp>
+        <p:nvSpPr>
+          <p:cNvPr id="7172" name="Rectangle 3"/>
+          <p:cNvSpPr>
+            <a:spLocks noGrp="1" noChangeArrowheads="1"/>
+          </p:cNvSpPr>
+          <p:nvPr>
+            <p:ph type="body" idx="4294967295"/>
+          </p:nvPr>
+        </p:nvSpPr>
+        <p:spPr>
+          <a:xfrm>
+            <a:off x="815926" y="759656"/>
+            <a:ext cx="10535970" cy="5957667"/>
+          </a:xfrm>
+        </p:spPr>
+        <p:txBody>
+          <a:bodyPr>
+            <a:normAutofit/>
+          </a:bodyPr>
+          <a:lstStyle/>
+          <a:p>
+            <a:pPr marL="0" indent="0">
+              <a:buNone/>
+            </a:pPr>
+            <a:endParaRPr lang="en-US" altLang="zh-CN" sz="3600" dirty="0"/>
+          </a:p>
+          <a:p>
+            <a:pPr marL="0" indent="0">
+              <a:buNone/>
+            </a:pPr>
+            <a:r>
+              <a:rPr lang="en-US" altLang="zh-CN" sz="3600" dirty="0"/>
+              <a:t>A coroutine is a </a:t>
+            </a:r>
+            <a:r>
+              <a:rPr lang="en-US" altLang="zh-CN" sz="3600" dirty="0" err="1"/>
+              <a:t>suspendable</a:t>
+            </a:r>
+            <a:r>
+              <a:rPr lang="en-US" altLang="zh-CN" sz="3600" dirty="0"/>
+              <a:t> (a.k.a. resumable) function</a:t>
+            </a:r>
+          </a:p>
+          <a:p>
+            <a:pPr lvl="1"/>
+            <a:r>
+              <a:rPr lang="en-US" altLang="zh-CN" sz="3200" dirty="0"/>
+              <a:t>remember where it was suspended</a:t>
+            </a:r>
+            <a:endParaRPr lang="en-US" altLang="zh-CN" sz="2900" dirty="0">
+              <a:latin typeface="Arial" panose="020B0604020202020204" pitchFamily="34" charset="0"/>
+              <a:cs typeface="Arial" panose="020B0604020202020204" pitchFamily="34" charset="0"/>
+            </a:endParaRPr>
+          </a:p>
+          <a:p>
+            <a:pPr lvl="1"/>
+            <a:r>
+              <a:rPr lang="en-US" altLang="zh-CN" sz="3200" dirty="0">
+                <a:latin typeface="Arial" panose="020B0604020202020204" pitchFamily="34" charset="0"/>
+                <a:cs typeface="Arial" panose="020B0604020202020204" pitchFamily="34" charset="0"/>
+              </a:rPr>
+              <a:t>later be resumed at that point</a:t>
+            </a:r>
+          </a:p>
+          <a:p>
+            <a:pPr lvl="2"/>
+            <a:endParaRPr lang="en-US" altLang="zh-CN" sz="2900" dirty="0">
+              <a:latin typeface="Arial" panose="020B0604020202020204" pitchFamily="34" charset="0"/>
+              <a:cs typeface="Arial" panose="020B0604020202020204" pitchFamily="34" charset="0"/>
+            </a:endParaRPr>
+          </a:p>
+          <a:p>
+            <a:pPr marL="0" lvl="2" indent="0">
+              <a:spcBef>
+                <a:spcPts val="1000"/>
+              </a:spcBef>
+              <a:buNone/>
+            </a:pPr>
+            <a:r>
+              <a:rPr lang="en-US" altLang="zh-CN" sz="3200" dirty="0">
+                <a:cs typeface="+mn-cs"/>
+              </a:rPr>
+              <a:t>A currently executed coroutine might figure that it needs to wait for something to be available</a:t>
+            </a:r>
+          </a:p>
+        </p:txBody>
+      </p:sp>
+      <p:sp>
+        <p:nvSpPr>
+          <p:cNvPr id="5" name="矩形 4">
+            <a:extLst>
+              <a:ext uri="{FF2B5EF4-FFF2-40B4-BE49-F238E27FC236}">
+                <a16:creationId xmlns:a16="http://schemas.microsoft.com/office/drawing/2014/main" id="{14744F34-5227-4510-8EF8-95D59E318224}"/>
+              </a:ext>
+            </a:extLst>
+          </p:cNvPr>
+          <p:cNvSpPr/>
+          <p:nvPr/>
+        </p:nvSpPr>
+        <p:spPr>
+          <a:xfrm>
+            <a:off x="6179397" y="5898289"/>
+            <a:ext cx="5704510" cy="400110"/>
+          </a:xfrm>
+          <a:prstGeom prst="rect">
+            <a:avLst/>
+          </a:prstGeom>
+        </p:spPr>
+        <p:txBody>
+          <a:bodyPr wrap="none">
+            <a:spAutoFit/>
+          </a:bodyPr>
+          <a:lstStyle/>
+          <a:p>
+            <a:r>
+              <a:rPr lang="en-US" altLang="zh-CN" sz="2000" dirty="0">
+                <a:solidFill>
+                  <a:schemeClr val="accent3">
+                    <a:lumMod val="50000"/>
+                  </a:schemeClr>
+                </a:solidFill>
+                <a:latin typeface="微软雅黑" panose="020B0503020204020204" pitchFamily="34" charset="-122"/>
+                <a:ea typeface="微软雅黑" panose="020B0503020204020204" pitchFamily="34" charset="-122"/>
+              </a:rPr>
+              <a:t>Coroutine</a:t>
+            </a:r>
+            <a:r>
+              <a:rPr lang="zh-CN" altLang="en-US" sz="2000" dirty="0">
+                <a:solidFill>
+                  <a:schemeClr val="accent3">
+                    <a:lumMod val="50000"/>
+                  </a:schemeClr>
+                </a:solidFill>
+                <a:latin typeface="微软雅黑" panose="020B0503020204020204" pitchFamily="34" charset="-122"/>
+                <a:ea typeface="微软雅黑" panose="020B0503020204020204" pitchFamily="34" charset="-122"/>
+              </a:rPr>
+              <a:t> 是可以中断并恢复执行的 </a:t>
+            </a:r>
+            <a:r>
+              <a:rPr lang="en-US" altLang="zh-CN" sz="2000" dirty="0">
+                <a:solidFill>
+                  <a:schemeClr val="accent3">
+                    <a:lumMod val="50000"/>
+                  </a:schemeClr>
+                </a:solidFill>
+                <a:latin typeface="微软雅黑" panose="020B0503020204020204" pitchFamily="34" charset="-122"/>
+                <a:ea typeface="微软雅黑" panose="020B0503020204020204" pitchFamily="34" charset="-122"/>
+              </a:rPr>
+              <a:t>subroutine</a:t>
+            </a:r>
+            <a:endParaRPr lang="zh-CN" altLang="en-US" sz="2000" dirty="0">
+              <a:solidFill>
+                <a:schemeClr val="accent3">
+                  <a:lumMod val="50000"/>
+                </a:schemeClr>
+              </a:solidFill>
+              <a:latin typeface="微软雅黑" panose="020B0503020204020204" pitchFamily="34" charset="-122"/>
+              <a:ea typeface="微软雅黑" panose="020B0503020204020204" pitchFamily="34" charset="-122"/>
+            </a:endParaRPr>
+          </a:p>
+        </p:txBody>
+      </p:sp>
+      <p:sp>
+        <p:nvSpPr>
+          <p:cNvPr id="6" name="矩形 5">
+            <a:extLst>
+              <a:ext uri="{FF2B5EF4-FFF2-40B4-BE49-F238E27FC236}">
+                <a16:creationId xmlns:a16="http://schemas.microsoft.com/office/drawing/2014/main" id="{0D3857B8-854E-4B3D-8E45-70D9E05714E3}"/>
+              </a:ext>
+            </a:extLst>
+          </p:cNvPr>
+          <p:cNvSpPr/>
+          <p:nvPr/>
+        </p:nvSpPr>
+        <p:spPr>
+          <a:xfrm>
+            <a:off x="942927" y="5462638"/>
+            <a:ext cx="1869423" cy="923330"/>
+          </a:xfrm>
+          <a:prstGeom prst="rect">
+            <a:avLst/>
+          </a:prstGeom>
+        </p:spPr>
+        <p:txBody>
+          <a:bodyPr wrap="none">
+            <a:spAutoFit/>
+          </a:bodyPr>
+          <a:lstStyle/>
+          <a:p>
+            <a:r>
+              <a:rPr lang="zh-CN" altLang="en-US" sz="1800" dirty="0">
+                <a:solidFill>
+                  <a:schemeClr val="accent3">
+                    <a:lumMod val="50000"/>
+                  </a:schemeClr>
+                </a:solidFill>
+                <a:latin typeface="微软雅黑" panose="020B0503020204020204" pitchFamily="34" charset="-122"/>
+                <a:ea typeface="微软雅黑" panose="020B0503020204020204" pitchFamily="34" charset="-122"/>
+              </a:rPr>
+              <a:t>用户态“线程</a:t>
+            </a:r>
+            <a:r>
+              <a:rPr lang="en-US" altLang="zh-CN" sz="1800" dirty="0">
+                <a:solidFill>
+                  <a:schemeClr val="accent3">
+                    <a:lumMod val="50000"/>
+                  </a:schemeClr>
+                </a:solidFill>
+                <a:latin typeface="微软雅黑" panose="020B0503020204020204" pitchFamily="34" charset="-122"/>
+                <a:ea typeface="微软雅黑" panose="020B0503020204020204" pitchFamily="34" charset="-122"/>
+              </a:rPr>
+              <a:t>”</a:t>
+            </a:r>
+          </a:p>
+          <a:p>
+            <a:r>
+              <a:rPr lang="zh-CN" altLang="en-US" sz="1800" dirty="0">
+                <a:solidFill>
+                  <a:schemeClr val="accent3">
+                    <a:lumMod val="50000"/>
+                  </a:schemeClr>
+                </a:solidFill>
+                <a:latin typeface="微软雅黑" panose="020B0503020204020204" pitchFamily="34" charset="-122"/>
+                <a:ea typeface="微软雅黑" panose="020B0503020204020204" pitchFamily="34" charset="-122"/>
+              </a:rPr>
+              <a:t>没有上下文切换</a:t>
+            </a:r>
+            <a:endParaRPr lang="en-US" altLang="zh-CN" sz="1800" dirty="0">
+              <a:solidFill>
+                <a:schemeClr val="accent3">
+                  <a:lumMod val="50000"/>
+                </a:schemeClr>
+              </a:solidFill>
+              <a:latin typeface="微软雅黑" panose="020B0503020204020204" pitchFamily="34" charset="-122"/>
+              <a:ea typeface="微软雅黑" panose="020B0503020204020204" pitchFamily="34" charset="-122"/>
+            </a:endParaRPr>
+          </a:p>
+          <a:p>
+            <a:r>
+              <a:rPr lang="zh-CN" altLang="en-US" sz="1800" dirty="0">
+                <a:solidFill>
+                  <a:schemeClr val="accent3">
+                    <a:lumMod val="50000"/>
+                  </a:schemeClr>
+                </a:solidFill>
+                <a:latin typeface="微软雅黑" panose="020B0503020204020204" pitchFamily="34" charset="-122"/>
+                <a:ea typeface="微软雅黑" panose="020B0503020204020204" pitchFamily="34" charset="-122"/>
+              </a:rPr>
+              <a:t>能够被阻塞</a:t>
+            </a:r>
+          </a:p>
+        </p:txBody>
+      </p:sp>
+    </p:spTree>
+    <p:extLst>
+      <p:ext uri="{BB962C8B-B14F-4D97-AF65-F5344CB8AC3E}">
+        <p14:creationId xmlns:p14="http://schemas.microsoft.com/office/powerpoint/2010/main" val="288347141"/>
+      </p:ext>
+    </p:extLst>
+  </p:cSld>
+  <p:clrMapOvr>
+    <a:masterClrMapping/>
+  </p:clrMapOvr>
+  <mc:AlternateContent xmlns:mc="http://schemas.openxmlformats.org/markup-compatibility/2006" xmlns:p14="http://schemas.microsoft.com/office/powerpoint/2010/main">
+    <mc:Choice Requires="p14">
+      <p:transition p14:dur="10"/>
+    </mc:Choice>
+    <mc:Fallback xmlns="">
+      <p:transition/>
+    </mc:Fallback>
+  </mc:AlternateContent>
+</p:sld>
+</file>
+
+<file path=ppt/slides/slide38.xml><?xml version="1.0" encoding="utf-8"?>
 <p:sld xmlns:a="http://schemas.openxmlformats.org/drawingml/2006/main" xmlns:r="http://schemas.openxmlformats.org/officeDocument/2006/relationships" xmlns:p="http://schemas.openxmlformats.org/presentationml/2006/main">
   <p:cSld>
     <p:spTree>

--- a/slides/instruction/principleWindows_extra.pptx
+++ b/slides/instruction/principleWindows_extra.pptx
@@ -6907,7 +6907,7 @@
           <a:p>
             <a:fld id="{62B690D2-9F6C-4A40-B045-5871089CDE7B}" type="datetimeFigureOut">
               <a:rPr lang="zh-CN" altLang="en-US" smtClean="0"/>
-              <a:t>2021/9/29</a:t>
+              <a:t>2021/11/16</a:t>
             </a:fld>
             <a:endParaRPr lang="zh-CN" altLang="en-US"/>
           </a:p>
@@ -7218,27 +7218,7 @@
           <a:bodyPr/>
           <a:lstStyle/>
           <a:p>
-            <a:r>
-              <a:rPr lang="en-US" altLang="zh-CN" sz="1200" dirty="0">
-                <a:solidFill>
-                  <a:srgbClr val="FF0000"/>
-                </a:solidFill>
-                <a:latin typeface="Arial" panose="020B0604020202020204" pitchFamily="34" charset="0"/>
-                <a:cs typeface="Arial" panose="020B0604020202020204" pitchFamily="34" charset="0"/>
-              </a:rPr>
-              <a:t>Scope-Bound Resource Management: </a:t>
-            </a:r>
-            <a:r>
-              <a:rPr lang="zh-CN" altLang="en-US" sz="1200" dirty="0">
-                <a:solidFill>
-                  <a:srgbClr val="FF0000"/>
-                </a:solidFill>
-                <a:latin typeface="Arial" panose="020B0604020202020204" pitchFamily="34" charset="0"/>
-                <a:cs typeface="Arial" panose="020B0604020202020204" pitchFamily="34" charset="0"/>
-              </a:rPr>
-              <a:t>作用域界定资源管理</a:t>
-            </a:r>
-            <a:endParaRPr lang="zh-CN" altLang="en-US" dirty="0"/>
+            <a:endParaRPr lang="zh-CN" altLang="en-US"/>
           </a:p>
         </p:txBody>
       </p:sp>
@@ -7259,7 +7239,7 @@
           <a:p>
             <a:fld id="{FF6B7014-1CA7-42FF-9E69-87C27AE33F47}" type="slidenum">
               <a:rPr lang="zh-CN" altLang="en-US" smtClean="0"/>
-              <a:t>8</a:t>
+              <a:t>1</a:t>
             </a:fld>
             <a:endParaRPr lang="zh-CN" altLang="en-US"/>
           </a:p>
@@ -7268,7 +7248,7 @@
     </p:spTree>
     <p:extLst>
       <p:ext uri="{BB962C8B-B14F-4D97-AF65-F5344CB8AC3E}">
-        <p14:creationId xmlns:p14="http://schemas.microsoft.com/office/powerpoint/2010/main" val="135147549"/>
+        <p14:creationId xmlns:p14="http://schemas.microsoft.com/office/powerpoint/2010/main" val="4146044212"/>
       </p:ext>
     </p:extLst>
   </p:cSld>
@@ -7343,7 +7323,7 @@
           <a:p>
             <a:fld id="{FF6B7014-1CA7-42FF-9E69-87C27AE33F47}" type="slidenum">
               <a:rPr lang="zh-CN" altLang="en-US" smtClean="0"/>
-              <a:t>24</a:t>
+              <a:t>23</a:t>
             </a:fld>
             <a:endParaRPr lang="zh-CN" altLang="en-US"/>
           </a:p>
@@ -7352,7 +7332,7 @@
     </p:spTree>
     <p:extLst>
       <p:ext uri="{BB962C8B-B14F-4D97-AF65-F5344CB8AC3E}">
-        <p14:creationId xmlns:p14="http://schemas.microsoft.com/office/powerpoint/2010/main" val="1874684656"/>
+        <p14:creationId xmlns:p14="http://schemas.microsoft.com/office/powerpoint/2010/main" val="3695862339"/>
       </p:ext>
     </p:extLst>
   </p:cSld>
@@ -7427,7 +7407,7 @@
           <a:p>
             <a:fld id="{FF6B7014-1CA7-42FF-9E69-87C27AE33F47}" type="slidenum">
               <a:rPr lang="zh-CN" altLang="en-US" smtClean="0"/>
-              <a:t>26</a:t>
+              <a:t>24</a:t>
             </a:fld>
             <a:endParaRPr lang="zh-CN" altLang="en-US"/>
           </a:p>
@@ -7436,7 +7416,7 @@
     </p:spTree>
     <p:extLst>
       <p:ext uri="{BB962C8B-B14F-4D97-AF65-F5344CB8AC3E}">
-        <p14:creationId xmlns:p14="http://schemas.microsoft.com/office/powerpoint/2010/main" val="2978829972"/>
+        <p14:creationId xmlns:p14="http://schemas.microsoft.com/office/powerpoint/2010/main" val="1874684656"/>
       </p:ext>
     </p:extLst>
   </p:cSld>
@@ -7511,7 +7491,7 @@
           <a:p>
             <a:fld id="{FF6B7014-1CA7-42FF-9E69-87C27AE33F47}" type="slidenum">
               <a:rPr lang="zh-CN" altLang="en-US" smtClean="0"/>
-              <a:t>27</a:t>
+              <a:t>26</a:t>
             </a:fld>
             <a:endParaRPr lang="zh-CN" altLang="en-US"/>
           </a:p>
@@ -7520,7 +7500,7 @@
     </p:spTree>
     <p:extLst>
       <p:ext uri="{BB962C8B-B14F-4D97-AF65-F5344CB8AC3E}">
-        <p14:creationId xmlns:p14="http://schemas.microsoft.com/office/powerpoint/2010/main" val="2627110843"/>
+        <p14:creationId xmlns:p14="http://schemas.microsoft.com/office/powerpoint/2010/main" val="2978829972"/>
       </p:ext>
     </p:extLst>
   </p:cSld>
@@ -7595,7 +7575,7 @@
           <a:p>
             <a:fld id="{FF6B7014-1CA7-42FF-9E69-87C27AE33F47}" type="slidenum">
               <a:rPr lang="zh-CN" altLang="en-US" smtClean="0"/>
-              <a:t>28</a:t>
+              <a:t>27</a:t>
             </a:fld>
             <a:endParaRPr lang="zh-CN" altLang="en-US"/>
           </a:p>
@@ -7604,7 +7584,7 @@
     </p:spTree>
     <p:extLst>
       <p:ext uri="{BB962C8B-B14F-4D97-AF65-F5344CB8AC3E}">
-        <p14:creationId xmlns:p14="http://schemas.microsoft.com/office/powerpoint/2010/main" val="2975290090"/>
+        <p14:creationId xmlns:p14="http://schemas.microsoft.com/office/powerpoint/2010/main" val="2627110843"/>
       </p:ext>
     </p:extLst>
   </p:cSld>
@@ -7679,7 +7659,7 @@
           <a:p>
             <a:fld id="{FF6B7014-1CA7-42FF-9E69-87C27AE33F47}" type="slidenum">
               <a:rPr lang="zh-CN" altLang="en-US" smtClean="0"/>
-              <a:t>29</a:t>
+              <a:t>28</a:t>
             </a:fld>
             <a:endParaRPr lang="zh-CN" altLang="en-US"/>
           </a:p>
@@ -7688,7 +7668,7 @@
     </p:spTree>
     <p:extLst>
       <p:ext uri="{BB962C8B-B14F-4D97-AF65-F5344CB8AC3E}">
-        <p14:creationId xmlns:p14="http://schemas.microsoft.com/office/powerpoint/2010/main" val="2198808036"/>
+        <p14:creationId xmlns:p14="http://schemas.microsoft.com/office/powerpoint/2010/main" val="2975290090"/>
       </p:ext>
     </p:extLst>
   </p:cSld>
@@ -7763,7 +7743,7 @@
           <a:p>
             <a:fld id="{FF6B7014-1CA7-42FF-9E69-87C27AE33F47}" type="slidenum">
               <a:rPr lang="zh-CN" altLang="en-US" smtClean="0"/>
-              <a:t>30</a:t>
+              <a:t>29</a:t>
             </a:fld>
             <a:endParaRPr lang="zh-CN" altLang="en-US"/>
           </a:p>
@@ -7772,7 +7752,7 @@
     </p:spTree>
     <p:extLst>
       <p:ext uri="{BB962C8B-B14F-4D97-AF65-F5344CB8AC3E}">
-        <p14:creationId xmlns:p14="http://schemas.microsoft.com/office/powerpoint/2010/main" val="3320332000"/>
+        <p14:creationId xmlns:p14="http://schemas.microsoft.com/office/powerpoint/2010/main" val="2198808036"/>
       </p:ext>
     </p:extLst>
   </p:cSld>
@@ -7847,7 +7827,7 @@
           <a:p>
             <a:fld id="{FF6B7014-1CA7-42FF-9E69-87C27AE33F47}" type="slidenum">
               <a:rPr lang="zh-CN" altLang="en-US" smtClean="0"/>
-              <a:t>31</a:t>
+              <a:t>30</a:t>
             </a:fld>
             <a:endParaRPr lang="zh-CN" altLang="en-US"/>
           </a:p>
@@ -7856,7 +7836,7 @@
     </p:spTree>
     <p:extLst>
       <p:ext uri="{BB962C8B-B14F-4D97-AF65-F5344CB8AC3E}">
-        <p14:creationId xmlns:p14="http://schemas.microsoft.com/office/powerpoint/2010/main" val="2079557789"/>
+        <p14:creationId xmlns:p14="http://schemas.microsoft.com/office/powerpoint/2010/main" val="3320332000"/>
       </p:ext>
     </p:extLst>
   </p:cSld>
@@ -7910,29 +7890,6 @@
           <a:bodyPr/>
           <a:lstStyle/>
           <a:p>
-            <a:pPr marL="0" marR="0" lvl="0" indent="0" algn="l" defTabSz="914400" rtl="0" eaLnBrk="1" fontAlgn="auto" latinLnBrk="0" hangingPunct="1">
-              <a:lnSpc>
-                <a:spcPct val="100000"/>
-              </a:lnSpc>
-              <a:spcBef>
-                <a:spcPts val="0"/>
-              </a:spcBef>
-              <a:spcAft>
-                <a:spcPts val="0"/>
-              </a:spcAft>
-              <a:buClrTx/>
-              <a:buSzTx/>
-              <a:buFontTx/>
-              <a:buNone/>
-              <a:tabLst/>
-              <a:defRPr/>
-            </a:pPr>
-            <a:r>
-              <a:rPr lang="en-US" altLang="zh-CN" sz="1200" dirty="0"/>
-              <a:t>In general, fibers do not provide advantages over a well-designed multithreaded application. However, using fibers can make it easier to port applications that were designed to schedule their own threads.</a:t>
-            </a:r>
-          </a:p>
-          <a:p>
             <a:endParaRPr lang="zh-CN" altLang="en-US" dirty="0"/>
           </a:p>
         </p:txBody>
@@ -7954,7 +7911,7 @@
           <a:p>
             <a:fld id="{FF6B7014-1CA7-42FF-9E69-87C27AE33F47}" type="slidenum">
               <a:rPr lang="zh-CN" altLang="en-US" smtClean="0"/>
-              <a:t>33</a:t>
+              <a:t>31</a:t>
             </a:fld>
             <a:endParaRPr lang="zh-CN" altLang="en-US"/>
           </a:p>
@@ -7963,7 +7920,7 @@
     </p:spTree>
     <p:extLst>
       <p:ext uri="{BB962C8B-B14F-4D97-AF65-F5344CB8AC3E}">
-        <p14:creationId xmlns:p14="http://schemas.microsoft.com/office/powerpoint/2010/main" val="3824399390"/>
+        <p14:creationId xmlns:p14="http://schemas.microsoft.com/office/powerpoint/2010/main" val="2079557789"/>
       </p:ext>
     </p:extLst>
   </p:cSld>
@@ -8017,7 +7974,27 @@
           <a:bodyPr/>
           <a:lstStyle/>
           <a:p>
-            <a:endParaRPr lang="en-US" altLang="zh-CN" dirty="0"/>
+            <a:pPr marL="0" marR="0" lvl="0" indent="0" algn="l" defTabSz="914400" rtl="0" eaLnBrk="1" fontAlgn="auto" latinLnBrk="0" hangingPunct="1">
+              <a:lnSpc>
+                <a:spcPct val="100000"/>
+              </a:lnSpc>
+              <a:spcBef>
+                <a:spcPts val="0"/>
+              </a:spcBef>
+              <a:spcAft>
+                <a:spcPts val="0"/>
+              </a:spcAft>
+              <a:buClrTx/>
+              <a:buSzTx/>
+              <a:buFontTx/>
+              <a:buNone/>
+              <a:tabLst/>
+              <a:defRPr/>
+            </a:pPr>
+            <a:r>
+              <a:rPr lang="en-US" altLang="zh-CN" sz="1200" dirty="0"/>
+              <a:t>In general, fibers do not provide advantages over a well-designed multithreaded application. However, using fibers can make it easier to port applications that were designed to schedule their own threads.</a:t>
+            </a:r>
           </a:p>
           <a:p>
             <a:endParaRPr lang="zh-CN" altLang="en-US" dirty="0"/>
@@ -8039,78 +8016,18 @@
           <a:bodyPr/>
           <a:lstStyle/>
           <a:p>
-            <a:pPr marL="0" marR="0" lvl="0" indent="0" algn="r" defTabSz="685800" rtl="0" eaLnBrk="1" fontAlgn="auto" latinLnBrk="0" hangingPunct="1">
-              <a:lnSpc>
-                <a:spcPct val="100000"/>
-              </a:lnSpc>
-              <a:spcBef>
-                <a:spcPts val="0"/>
-              </a:spcBef>
-              <a:spcAft>
-                <a:spcPts val="0"/>
-              </a:spcAft>
-              <a:buClrTx/>
-              <a:buSzTx/>
-              <a:buFontTx/>
-              <a:buNone/>
-              <a:tabLst/>
-              <a:defRPr/>
-            </a:pPr>
             <a:fld id="{FF6B7014-1CA7-42FF-9E69-87C27AE33F47}" type="slidenum">
-              <a:rPr kumimoji="0" lang="zh-CN" altLang="en-US" sz="1200" b="0" i="0" u="none" strike="noStrike" kern="1200" cap="none" spc="0" normalizeH="0" baseline="0" noProof="0" smtClean="0">
-                <a:ln>
-                  <a:noFill/>
-                </a:ln>
-                <a:solidFill>
-                  <a:prstClr val="black"/>
-                </a:solidFill>
-                <a:effectLst/>
-                <a:uLnTx/>
-                <a:uFillTx/>
-                <a:latin typeface="Calibri" panose="020F0502020204030204"/>
-                <a:ea typeface="宋体" panose="02010600030101010101" pitchFamily="2" charset="-122"/>
-                <a:cs typeface="+mn-cs"/>
-              </a:rPr>
-              <a:pPr marL="0" marR="0" lvl="0" indent="0" algn="r" defTabSz="685800" rtl="0" eaLnBrk="1" fontAlgn="auto" latinLnBrk="0" hangingPunct="1">
-                <a:lnSpc>
-                  <a:spcPct val="100000"/>
-                </a:lnSpc>
-                <a:spcBef>
-                  <a:spcPts val="0"/>
-                </a:spcBef>
-                <a:spcAft>
-                  <a:spcPts val="0"/>
-                </a:spcAft>
-                <a:buClrTx/>
-                <a:buSzTx/>
-                <a:buFontTx/>
-                <a:buNone/>
-                <a:tabLst/>
-                <a:defRPr/>
-              </a:pPr>
-              <a:t>34</a:t>
+              <a:rPr lang="zh-CN" altLang="en-US" smtClean="0"/>
+              <a:t>33</a:t>
             </a:fld>
-            <a:endParaRPr kumimoji="0" lang="zh-CN" altLang="en-US" sz="1200" b="0" i="0" u="none" strike="noStrike" kern="1200" cap="none" spc="0" normalizeH="0" baseline="0" noProof="0">
-              <a:ln>
-                <a:noFill/>
-              </a:ln>
-              <a:solidFill>
-                <a:prstClr val="black"/>
-              </a:solidFill>
-              <a:effectLst/>
-              <a:uLnTx/>
-              <a:uFillTx/>
-              <a:latin typeface="Calibri" panose="020F0502020204030204"/>
-              <a:ea typeface="宋体" panose="02010600030101010101" pitchFamily="2" charset="-122"/>
-              <a:cs typeface="+mn-cs"/>
-            </a:endParaRPr>
+            <a:endParaRPr lang="zh-CN" altLang="en-US"/>
           </a:p>
         </p:txBody>
       </p:sp>
     </p:spTree>
     <p:extLst>
       <p:ext uri="{BB962C8B-B14F-4D97-AF65-F5344CB8AC3E}">
-        <p14:creationId xmlns:p14="http://schemas.microsoft.com/office/powerpoint/2010/main" val="761218423"/>
+        <p14:creationId xmlns:p14="http://schemas.microsoft.com/office/powerpoint/2010/main" val="3824399390"/>
       </p:ext>
     </p:extLst>
   </p:cSld>
@@ -8235,7 +8152,7 @@
                 <a:tabLst/>
                 <a:defRPr/>
               </a:pPr>
-              <a:t>35</a:t>
+              <a:t>34</a:t>
             </a:fld>
             <a:endParaRPr kumimoji="0" lang="zh-CN" altLang="en-US" sz="1200" b="0" i="0" u="none" strike="noStrike" kern="1200" cap="none" spc="0" normalizeH="0" baseline="0" noProof="0">
               <a:ln>
@@ -8257,7 +8174,7 @@
     </p:spTree>
     <p:extLst>
       <p:ext uri="{BB962C8B-B14F-4D97-AF65-F5344CB8AC3E}">
-        <p14:creationId xmlns:p14="http://schemas.microsoft.com/office/powerpoint/2010/main" val="4025031901"/>
+        <p14:creationId xmlns:p14="http://schemas.microsoft.com/office/powerpoint/2010/main" val="761218423"/>
       </p:ext>
     </p:extLst>
   </p:cSld>
@@ -8311,6 +8228,26 @@
           <a:bodyPr/>
           <a:lstStyle/>
           <a:p>
+            <a:r>
+              <a:rPr lang="en-US" altLang="zh-CN" sz="1200" dirty="0">
+                <a:solidFill>
+                  <a:srgbClr val="FF0000"/>
+                </a:solidFill>
+                <a:latin typeface="Arial" panose="020B0604020202020204" pitchFamily="34" charset="0"/>
+                <a:cs typeface="Arial" panose="020B0604020202020204" pitchFamily="34" charset="0"/>
+              </a:rPr>
+              <a:t>Scope-Bound Resource Management: </a:t>
+            </a:r>
+            <a:r>
+              <a:rPr lang="zh-CN" altLang="en-US" sz="1200" dirty="0">
+                <a:solidFill>
+                  <a:srgbClr val="FF0000"/>
+                </a:solidFill>
+                <a:latin typeface="Arial" panose="020B0604020202020204" pitchFamily="34" charset="0"/>
+                <a:cs typeface="Arial" panose="020B0604020202020204" pitchFamily="34" charset="0"/>
+              </a:rPr>
+              <a:t>作用域界定资源管理</a:t>
+            </a:r>
             <a:endParaRPr lang="zh-CN" altLang="en-US" dirty="0"/>
           </a:p>
         </p:txBody>
@@ -8332,7 +8269,7 @@
           <a:p>
             <a:fld id="{FF6B7014-1CA7-42FF-9E69-87C27AE33F47}" type="slidenum">
               <a:rPr lang="zh-CN" altLang="en-US" smtClean="0"/>
-              <a:t>10</a:t>
+              <a:t>8</a:t>
             </a:fld>
             <a:endParaRPr lang="zh-CN" altLang="en-US"/>
           </a:p>
@@ -8341,7 +8278,7 @@
     </p:spTree>
     <p:extLst>
       <p:ext uri="{BB962C8B-B14F-4D97-AF65-F5344CB8AC3E}">
-        <p14:creationId xmlns:p14="http://schemas.microsoft.com/office/powerpoint/2010/main" val="459313815"/>
+        <p14:creationId xmlns:p14="http://schemas.microsoft.com/office/powerpoint/2010/main" val="135147549"/>
       </p:ext>
     </p:extLst>
   </p:cSld>
@@ -8395,6 +8332,153 @@
           <a:bodyPr/>
           <a:lstStyle/>
           <a:p>
+            <a:endParaRPr lang="en-US" altLang="zh-CN" dirty="0"/>
+          </a:p>
+          <a:p>
+            <a:endParaRPr lang="zh-CN" altLang="en-US" dirty="0"/>
+          </a:p>
+        </p:txBody>
+      </p:sp>
+      <p:sp>
+        <p:nvSpPr>
+          <p:cNvPr id="4" name="灯片编号占位符 3"/>
+          <p:cNvSpPr>
+            <a:spLocks noGrp="1"/>
+          </p:cNvSpPr>
+          <p:nvPr>
+            <p:ph type="sldNum" sz="quarter" idx="5"/>
+          </p:nvPr>
+        </p:nvSpPr>
+        <p:spPr/>
+        <p:txBody>
+          <a:bodyPr/>
+          <a:lstStyle/>
+          <a:p>
+            <a:pPr marL="0" marR="0" lvl="0" indent="0" algn="r" defTabSz="685800" rtl="0" eaLnBrk="1" fontAlgn="auto" latinLnBrk="0" hangingPunct="1">
+              <a:lnSpc>
+                <a:spcPct val="100000"/>
+              </a:lnSpc>
+              <a:spcBef>
+                <a:spcPts val="0"/>
+              </a:spcBef>
+              <a:spcAft>
+                <a:spcPts val="0"/>
+              </a:spcAft>
+              <a:buClrTx/>
+              <a:buSzTx/>
+              <a:buFontTx/>
+              <a:buNone/>
+              <a:tabLst/>
+              <a:defRPr/>
+            </a:pPr>
+            <a:fld id="{FF6B7014-1CA7-42FF-9E69-87C27AE33F47}" type="slidenum">
+              <a:rPr kumimoji="0" lang="zh-CN" altLang="en-US" sz="1200" b="0" i="0" u="none" strike="noStrike" kern="1200" cap="none" spc="0" normalizeH="0" baseline="0" noProof="0" smtClean="0">
+                <a:ln>
+                  <a:noFill/>
+                </a:ln>
+                <a:solidFill>
+                  <a:prstClr val="black"/>
+                </a:solidFill>
+                <a:effectLst/>
+                <a:uLnTx/>
+                <a:uFillTx/>
+                <a:latin typeface="Calibri" panose="020F0502020204030204"/>
+                <a:ea typeface="宋体" panose="02010600030101010101" pitchFamily="2" charset="-122"/>
+                <a:cs typeface="+mn-cs"/>
+              </a:rPr>
+              <a:pPr marL="0" marR="0" lvl="0" indent="0" algn="r" defTabSz="685800" rtl="0" eaLnBrk="1" fontAlgn="auto" latinLnBrk="0" hangingPunct="1">
+                <a:lnSpc>
+                  <a:spcPct val="100000"/>
+                </a:lnSpc>
+                <a:spcBef>
+                  <a:spcPts val="0"/>
+                </a:spcBef>
+                <a:spcAft>
+                  <a:spcPts val="0"/>
+                </a:spcAft>
+                <a:buClrTx/>
+                <a:buSzTx/>
+                <a:buFontTx/>
+                <a:buNone/>
+                <a:tabLst/>
+                <a:defRPr/>
+              </a:pPr>
+              <a:t>35</a:t>
+            </a:fld>
+            <a:endParaRPr kumimoji="0" lang="zh-CN" altLang="en-US" sz="1200" b="0" i="0" u="none" strike="noStrike" kern="1200" cap="none" spc="0" normalizeH="0" baseline="0" noProof="0">
+              <a:ln>
+                <a:noFill/>
+              </a:ln>
+              <a:solidFill>
+                <a:prstClr val="black"/>
+              </a:solidFill>
+              <a:effectLst/>
+              <a:uLnTx/>
+              <a:uFillTx/>
+              <a:latin typeface="Calibri" panose="020F0502020204030204"/>
+              <a:ea typeface="宋体" panose="02010600030101010101" pitchFamily="2" charset="-122"/>
+              <a:cs typeface="+mn-cs"/>
+            </a:endParaRPr>
+          </a:p>
+        </p:txBody>
+      </p:sp>
+    </p:spTree>
+    <p:extLst>
+      <p:ext uri="{BB962C8B-B14F-4D97-AF65-F5344CB8AC3E}">
+        <p14:creationId xmlns:p14="http://schemas.microsoft.com/office/powerpoint/2010/main" val="4025031901"/>
+      </p:ext>
+    </p:extLst>
+  </p:cSld>
+  <p:clrMapOvr>
+    <a:masterClrMapping/>
+  </p:clrMapOvr>
+</p:notes>
+</file>
+
+<file path=ppt/notesSlides/notesSlide21.xml><?xml version="1.0" encoding="utf-8"?>
+<p:notes xmlns:a="http://schemas.openxmlformats.org/drawingml/2006/main" xmlns:r="http://schemas.openxmlformats.org/officeDocument/2006/relationships" xmlns:p="http://schemas.openxmlformats.org/presentationml/2006/main">
+  <p:cSld>
+    <p:spTree>
+      <p:nvGrpSpPr>
+        <p:cNvPr id="1" name=""/>
+        <p:cNvGrpSpPr/>
+        <p:nvPr/>
+      </p:nvGrpSpPr>
+      <p:grpSpPr>
+        <a:xfrm>
+          <a:off x="0" y="0"/>
+          <a:ext cx="0" cy="0"/>
+          <a:chOff x="0" y="0"/>
+          <a:chExt cx="0" cy="0"/>
+        </a:xfrm>
+      </p:grpSpPr>
+      <p:sp>
+        <p:nvSpPr>
+          <p:cNvPr id="2" name="幻灯片图像占位符 1"/>
+          <p:cNvSpPr>
+            <a:spLocks noGrp="1" noRot="1" noChangeAspect="1"/>
+          </p:cNvSpPr>
+          <p:nvPr>
+            <p:ph type="sldImg"/>
+          </p:nvPr>
+        </p:nvSpPr>
+        <p:spPr/>
+      </p:sp>
+      <p:sp>
+        <p:nvSpPr>
+          <p:cNvPr id="3" name="备注占位符 2"/>
+          <p:cNvSpPr>
+            <a:spLocks noGrp="1"/>
+          </p:cNvSpPr>
+          <p:nvPr>
+            <p:ph type="body" idx="1"/>
+          </p:nvPr>
+        </p:nvSpPr>
+        <p:spPr/>
+        <p:txBody>
+          <a:bodyPr/>
+          <a:lstStyle/>
+          <a:p>
             <a:r>
               <a:rPr lang="en-US" altLang="zh-CN" dirty="0"/>
               <a:t>The coroutine TS is the base of the </a:t>
@@ -8544,7 +8628,7 @@
 </p:notes>
 </file>
 
-<file path=ppt/notesSlides/notesSlide21.xml><?xml version="1.0" encoding="utf-8"?>
+<file path=ppt/notesSlides/notesSlide22.xml><?xml version="1.0" encoding="utf-8"?>
 <p:notes xmlns:a="http://schemas.openxmlformats.org/drawingml/2006/main" xmlns:r="http://schemas.openxmlformats.org/officeDocument/2006/relationships" xmlns:p="http://schemas.openxmlformats.org/presentationml/2006/main">
   <p:cSld>
     <p:spTree>
@@ -8762,7 +8846,7 @@
           <a:p>
             <a:fld id="{FF6B7014-1CA7-42FF-9E69-87C27AE33F47}" type="slidenum">
               <a:rPr lang="zh-CN" altLang="en-US" smtClean="0"/>
-              <a:t>11</a:t>
+              <a:t>10</a:t>
             </a:fld>
             <a:endParaRPr lang="zh-CN" altLang="en-US"/>
           </a:p>
@@ -8771,7 +8855,7 @@
     </p:spTree>
     <p:extLst>
       <p:ext uri="{BB962C8B-B14F-4D97-AF65-F5344CB8AC3E}">
-        <p14:creationId xmlns:p14="http://schemas.microsoft.com/office/powerpoint/2010/main" val="21161714"/>
+        <p14:creationId xmlns:p14="http://schemas.microsoft.com/office/powerpoint/2010/main" val="459313815"/>
       </p:ext>
     </p:extLst>
   </p:cSld>
@@ -8846,7 +8930,7 @@
           <a:p>
             <a:fld id="{FF6B7014-1CA7-42FF-9E69-87C27AE33F47}" type="slidenum">
               <a:rPr lang="zh-CN" altLang="en-US" smtClean="0"/>
-              <a:t>12</a:t>
+              <a:t>11</a:t>
             </a:fld>
             <a:endParaRPr lang="zh-CN" altLang="en-US"/>
           </a:p>
@@ -8855,7 +8939,7 @@
     </p:spTree>
     <p:extLst>
       <p:ext uri="{BB962C8B-B14F-4D97-AF65-F5344CB8AC3E}">
-        <p14:creationId xmlns:p14="http://schemas.microsoft.com/office/powerpoint/2010/main" val="526960218"/>
+        <p14:creationId xmlns:p14="http://schemas.microsoft.com/office/powerpoint/2010/main" val="21161714"/>
       </p:ext>
     </p:extLst>
   </p:cSld>
@@ -8930,7 +9014,7 @@
           <a:p>
             <a:fld id="{FF6B7014-1CA7-42FF-9E69-87C27AE33F47}" type="slidenum">
               <a:rPr lang="zh-CN" altLang="en-US" smtClean="0"/>
-              <a:t>14</a:t>
+              <a:t>12</a:t>
             </a:fld>
             <a:endParaRPr lang="zh-CN" altLang="en-US"/>
           </a:p>
@@ -8939,7 +9023,7 @@
     </p:spTree>
     <p:extLst>
       <p:ext uri="{BB962C8B-B14F-4D97-AF65-F5344CB8AC3E}">
-        <p14:creationId xmlns:p14="http://schemas.microsoft.com/office/powerpoint/2010/main" val="1504307547"/>
+        <p14:creationId xmlns:p14="http://schemas.microsoft.com/office/powerpoint/2010/main" val="526960218"/>
       </p:ext>
     </p:extLst>
   </p:cSld>
@@ -9014,7 +9098,7 @@
           <a:p>
             <a:fld id="{FF6B7014-1CA7-42FF-9E69-87C27AE33F47}" type="slidenum">
               <a:rPr lang="zh-CN" altLang="en-US" smtClean="0"/>
-              <a:t>20</a:t>
+              <a:t>14</a:t>
             </a:fld>
             <a:endParaRPr lang="zh-CN" altLang="en-US"/>
           </a:p>
@@ -9023,7 +9107,7 @@
     </p:spTree>
     <p:extLst>
       <p:ext uri="{BB962C8B-B14F-4D97-AF65-F5344CB8AC3E}">
-        <p14:creationId xmlns:p14="http://schemas.microsoft.com/office/powerpoint/2010/main" val="1781269013"/>
+        <p14:creationId xmlns:p14="http://schemas.microsoft.com/office/powerpoint/2010/main" val="1504307547"/>
       </p:ext>
     </p:extLst>
   </p:cSld>
@@ -9098,7 +9182,7 @@
           <a:p>
             <a:fld id="{FF6B7014-1CA7-42FF-9E69-87C27AE33F47}" type="slidenum">
               <a:rPr lang="zh-CN" altLang="en-US" smtClean="0"/>
-              <a:t>21</a:t>
+              <a:t>20</a:t>
             </a:fld>
             <a:endParaRPr lang="zh-CN" altLang="en-US"/>
           </a:p>
@@ -9107,7 +9191,7 @@
     </p:spTree>
     <p:extLst>
       <p:ext uri="{BB962C8B-B14F-4D97-AF65-F5344CB8AC3E}">
-        <p14:creationId xmlns:p14="http://schemas.microsoft.com/office/powerpoint/2010/main" val="627531641"/>
+        <p14:creationId xmlns:p14="http://schemas.microsoft.com/office/powerpoint/2010/main" val="1781269013"/>
       </p:ext>
     </p:extLst>
   </p:cSld>
@@ -9182,7 +9266,7 @@
           <a:p>
             <a:fld id="{FF6B7014-1CA7-42FF-9E69-87C27AE33F47}" type="slidenum">
               <a:rPr lang="zh-CN" altLang="en-US" smtClean="0"/>
-              <a:t>22</a:t>
+              <a:t>21</a:t>
             </a:fld>
             <a:endParaRPr lang="zh-CN" altLang="en-US"/>
           </a:p>
@@ -9191,7 +9275,7 @@
     </p:spTree>
     <p:extLst>
       <p:ext uri="{BB962C8B-B14F-4D97-AF65-F5344CB8AC3E}">
-        <p14:creationId xmlns:p14="http://schemas.microsoft.com/office/powerpoint/2010/main" val="893950893"/>
+        <p14:creationId xmlns:p14="http://schemas.microsoft.com/office/powerpoint/2010/main" val="627531641"/>
       </p:ext>
     </p:extLst>
   </p:cSld>
@@ -9266,7 +9350,7 @@
           <a:p>
             <a:fld id="{FF6B7014-1CA7-42FF-9E69-87C27AE33F47}" type="slidenum">
               <a:rPr lang="zh-CN" altLang="en-US" smtClean="0"/>
-              <a:t>23</a:t>
+              <a:t>22</a:t>
             </a:fld>
             <a:endParaRPr lang="zh-CN" altLang="en-US"/>
           </a:p>
@@ -9275,7 +9359,7 @@
     </p:spTree>
     <p:extLst>
       <p:ext uri="{BB962C8B-B14F-4D97-AF65-F5344CB8AC3E}">
-        <p14:creationId xmlns:p14="http://schemas.microsoft.com/office/powerpoint/2010/main" val="3695862339"/>
+        <p14:creationId xmlns:p14="http://schemas.microsoft.com/office/powerpoint/2010/main" val="893950893"/>
       </p:ext>
     </p:extLst>
   </p:cSld>
@@ -12400,7 +12484,7 @@
           <a:p>
             <a:fld id="{F0A08C6D-CA89-457F-88D7-56281A3E4E44}" type="datetimeFigureOut">
               <a:rPr lang="zh-CN" altLang="en-US" smtClean="0"/>
-              <a:t>2021/9/29</a:t>
+              <a:t>2021/11/16</a:t>
             </a:fld>
             <a:endParaRPr lang="zh-CN" altLang="en-US"/>
           </a:p>
@@ -15213,11 +15297,10 @@
           </a:p>
           <a:p>
             <a:pPr marL="0" indent="0" algn="r">
-              <a:buFont typeface="Arial" panose="020B0604020202020204" pitchFamily="34" charset="0"/>
               <a:buNone/>
             </a:pPr>
             <a:r>
-              <a:rPr lang="en-US" altLang="zh-CN" sz="2400" b="0" dirty="0" err="1">
+              <a:rPr lang="en-US" altLang="zh-CN" sz="2400" dirty="0" err="1">
                 <a:solidFill>
                   <a:schemeClr val="accent1">
                     <a:lumMod val="75000"/>
@@ -15226,10 +15309,10 @@
                 <a:latin typeface="Arial" panose="020B0604020202020204" pitchFamily="34" charset="0"/>
                 <a:cs typeface="Arial" panose="020B0604020202020204" pitchFamily="34" charset="0"/>
               </a:rPr>
-              <a:t>jicheng</a:t>
-            </a:r>
-            <a:r>
-              <a:rPr lang="en-US" altLang="zh-CN" sz="2400" b="0" dirty="0">
+              <a:t>jichengwhu</a:t>
+            </a:r>
+            <a:r>
+              <a:rPr lang="en-US" altLang="zh-CN" sz="2400" dirty="0">
                 <a:solidFill>
                   <a:schemeClr val="accent1">
                     <a:lumMod val="75000"/>
@@ -15238,8 +15321,17 @@
                 <a:latin typeface="Arial" panose="020B0604020202020204" pitchFamily="34" charset="0"/>
                 <a:cs typeface="Arial" panose="020B0604020202020204" pitchFamily="34" charset="0"/>
               </a:rPr>
-              <a:t> @ yahoo . com</a:t>
-            </a:r>
+              <a:t> @ 163 . com</a:t>
+            </a:r>
+            <a:endParaRPr lang="en-US" altLang="zh-CN" sz="2400" b="0" dirty="0">
+              <a:solidFill>
+                <a:schemeClr val="accent1">
+                  <a:lumMod val="75000"/>
+                </a:schemeClr>
+              </a:solidFill>
+              <a:latin typeface="Arial" panose="020B0604020202020204" pitchFamily="34" charset="0"/>
+              <a:cs typeface="Arial" panose="020B0604020202020204" pitchFamily="34" charset="0"/>
+            </a:endParaRPr>
           </a:p>
           <a:p>
             <a:pPr marL="0" indent="0" algn="r">
@@ -15256,7 +15348,7 @@
                 <a:latin typeface="Arial" panose="020B0604020202020204" pitchFamily="34" charset="0"/>
                 <a:cs typeface="Arial" panose="020B0604020202020204" pitchFamily="34" charset="0"/>
               </a:rPr>
-              <a:t>https://gitee.com/wuhanuniversity/</a:t>
+              <a:t>https://gitee.com/principlewindows/</a:t>
             </a:r>
           </a:p>
         </p:txBody>
